--- a/DoAnTotNghiep/HinhVe.pptx
+++ b/DoAnTotNghiep/HinhVe.pptx
@@ -6,6 +6,7 @@
   </p:sldMasterIdLst>
   <p:sldIdLst>
     <p:sldId id="256" r:id="rId2"/>
+    <p:sldId id="257" r:id="rId3"/>
   </p:sldIdLst>
   <p:sldSz cx="12192000" cy="6858000"/>
   <p:notesSz cx="6858000" cy="9144000"/>
@@ -104,6 +105,11 @@
       </a:defRPr>
     </a:lvl9pPr>
   </p:defaultTextStyle>
+  <p:extLst>
+    <p:ext uri="{EFAFB233-063F-42B5-8137-9DF3F51BA10A}">
+      <p15:sldGuideLst xmlns:p15="http://schemas.microsoft.com/office/powerpoint/2012/main"/>
+    </p:ext>
+  </p:extLst>
 </p:presentation>
 </file>
 
@@ -238,7 +244,7 @@
           <a:p>
             <a:fld id="{59B0BEBA-2450-42A1-8861-3CA9D4D7BD1A}" type="datetimeFigureOut">
               <a:rPr lang="vi-VN" smtClean="0"/>
-              <a:t>22/12/2023</a:t>
+              <a:t>23/12/2023</a:t>
             </a:fld>
             <a:endParaRPr lang="vi-VN"/>
           </a:p>
@@ -408,7 +414,7 @@
           <a:p>
             <a:fld id="{59B0BEBA-2450-42A1-8861-3CA9D4D7BD1A}" type="datetimeFigureOut">
               <a:rPr lang="vi-VN" smtClean="0"/>
-              <a:t>22/12/2023</a:t>
+              <a:t>23/12/2023</a:t>
             </a:fld>
             <a:endParaRPr lang="vi-VN"/>
           </a:p>
@@ -588,7 +594,7 @@
           <a:p>
             <a:fld id="{59B0BEBA-2450-42A1-8861-3CA9D4D7BD1A}" type="datetimeFigureOut">
               <a:rPr lang="vi-VN" smtClean="0"/>
-              <a:t>22/12/2023</a:t>
+              <a:t>23/12/2023</a:t>
             </a:fld>
             <a:endParaRPr lang="vi-VN"/>
           </a:p>
@@ -758,7 +764,7 @@
           <a:p>
             <a:fld id="{59B0BEBA-2450-42A1-8861-3CA9D4D7BD1A}" type="datetimeFigureOut">
               <a:rPr lang="vi-VN" smtClean="0"/>
-              <a:t>22/12/2023</a:t>
+              <a:t>23/12/2023</a:t>
             </a:fld>
             <a:endParaRPr lang="vi-VN"/>
           </a:p>
@@ -1004,7 +1010,7 @@
           <a:p>
             <a:fld id="{59B0BEBA-2450-42A1-8861-3CA9D4D7BD1A}" type="datetimeFigureOut">
               <a:rPr lang="vi-VN" smtClean="0"/>
-              <a:t>22/12/2023</a:t>
+              <a:t>23/12/2023</a:t>
             </a:fld>
             <a:endParaRPr lang="vi-VN"/>
           </a:p>
@@ -1236,7 +1242,7 @@
           <a:p>
             <a:fld id="{59B0BEBA-2450-42A1-8861-3CA9D4D7BD1A}" type="datetimeFigureOut">
               <a:rPr lang="vi-VN" smtClean="0"/>
-              <a:t>22/12/2023</a:t>
+              <a:t>23/12/2023</a:t>
             </a:fld>
             <a:endParaRPr lang="vi-VN"/>
           </a:p>
@@ -1603,7 +1609,7 @@
           <a:p>
             <a:fld id="{59B0BEBA-2450-42A1-8861-3CA9D4D7BD1A}" type="datetimeFigureOut">
               <a:rPr lang="vi-VN" smtClean="0"/>
-              <a:t>22/12/2023</a:t>
+              <a:t>23/12/2023</a:t>
             </a:fld>
             <a:endParaRPr lang="vi-VN"/>
           </a:p>
@@ -1721,7 +1727,7 @@
           <a:p>
             <a:fld id="{59B0BEBA-2450-42A1-8861-3CA9D4D7BD1A}" type="datetimeFigureOut">
               <a:rPr lang="vi-VN" smtClean="0"/>
-              <a:t>22/12/2023</a:t>
+              <a:t>23/12/2023</a:t>
             </a:fld>
             <a:endParaRPr lang="vi-VN"/>
           </a:p>
@@ -1816,7 +1822,7 @@
           <a:p>
             <a:fld id="{59B0BEBA-2450-42A1-8861-3CA9D4D7BD1A}" type="datetimeFigureOut">
               <a:rPr lang="vi-VN" smtClean="0"/>
-              <a:t>22/12/2023</a:t>
+              <a:t>23/12/2023</a:t>
             </a:fld>
             <a:endParaRPr lang="vi-VN"/>
           </a:p>
@@ -2093,7 +2099,7 @@
           <a:p>
             <a:fld id="{59B0BEBA-2450-42A1-8861-3CA9D4D7BD1A}" type="datetimeFigureOut">
               <a:rPr lang="vi-VN" smtClean="0"/>
-              <a:t>22/12/2023</a:t>
+              <a:t>23/12/2023</a:t>
             </a:fld>
             <a:endParaRPr lang="vi-VN"/>
           </a:p>
@@ -2346,7 +2352,7 @@
           <a:p>
             <a:fld id="{59B0BEBA-2450-42A1-8861-3CA9D4D7BD1A}" type="datetimeFigureOut">
               <a:rPr lang="vi-VN" smtClean="0"/>
-              <a:t>22/12/2023</a:t>
+              <a:t>23/12/2023</a:t>
             </a:fld>
             <a:endParaRPr lang="vi-VN"/>
           </a:p>
@@ -2559,7 +2565,7 @@
           <a:p>
             <a:fld id="{59B0BEBA-2450-42A1-8861-3CA9D4D7BD1A}" type="datetimeFigureOut">
               <a:rPr lang="vi-VN" smtClean="0"/>
-              <a:t>22/12/2023</a:t>
+              <a:t>23/12/2023</a:t>
             </a:fld>
             <a:endParaRPr lang="vi-VN"/>
           </a:p>
@@ -4561,6 +4567,221 @@
 </p:sld>
 </file>
 
+<file path=ppt/slides/slide2.xml><?xml version="1.0" encoding="utf-8"?>
+<p:sld xmlns:a="http://schemas.openxmlformats.org/drawingml/2006/main" xmlns:r="http://schemas.openxmlformats.org/officeDocument/2006/relationships" xmlns:p="http://schemas.openxmlformats.org/presentationml/2006/main">
+  <p:cSld>
+    <p:spTree>
+      <p:nvGrpSpPr>
+        <p:cNvPr id="1" name=""/>
+        <p:cNvGrpSpPr/>
+        <p:nvPr/>
+      </p:nvGrpSpPr>
+      <p:grpSpPr>
+        <a:xfrm>
+          <a:off x="0" y="0"/>
+          <a:ext cx="0" cy="0"/>
+          <a:chOff x="0" y="0"/>
+          <a:chExt cx="0" cy="0"/>
+        </a:xfrm>
+      </p:grpSpPr>
+      <p:grpSp>
+        <p:nvGrpSpPr>
+          <p:cNvPr id="10" name="Group 9"/>
+          <p:cNvGrpSpPr/>
+          <p:nvPr/>
+        </p:nvGrpSpPr>
+        <p:grpSpPr>
+          <a:xfrm>
+            <a:off x="1835150" y="1100455"/>
+            <a:ext cx="4760412" cy="2603422"/>
+            <a:chOff x="1835150" y="1100455"/>
+            <a:chExt cx="4760412" cy="2603422"/>
+          </a:xfrm>
+        </p:grpSpPr>
+        <p:pic>
+          <p:nvPicPr>
+            <p:cNvPr id="1026" name="Picture 9"/>
+            <p:cNvPicPr>
+              <a:picLocks noChangeAspect="1" noChangeArrowheads="1"/>
+            </p:cNvPicPr>
+            <p:nvPr/>
+          </p:nvPicPr>
+          <p:blipFill>
+            <a:blip r:embed="rId2">
+              <a:extLst>
+                <a:ext uri="{28A0092B-C50C-407E-A947-70E740481C1C}">
+                  <a14:useLocalDpi xmlns:a14="http://schemas.microsoft.com/office/drawing/2010/main" val="0"/>
+                </a:ext>
+              </a:extLst>
+            </a:blip>
+            <a:srcRect/>
+            <a:stretch>
+              <a:fillRect/>
+            </a:stretch>
+          </p:blipFill>
+          <p:spPr bwMode="auto">
+            <a:xfrm>
+              <a:off x="1835150" y="1100455"/>
+              <a:ext cx="1752781" cy="1852532"/>
+            </a:xfrm>
+            <a:prstGeom prst="rect">
+              <a:avLst/>
+            </a:prstGeom>
+            <a:noFill/>
+            <a:ln>
+              <a:noFill/>
+            </a:ln>
+            <a:extLst>
+              <a:ext uri="{909E8E84-426E-40DD-AFC4-6F175D3DCCD1}">
+                <a14:hiddenFill xmlns:a14="http://schemas.microsoft.com/office/drawing/2010/main">
+                  <a:solidFill>
+                    <a:srgbClr val="FFFFFF"/>
+                  </a:solidFill>
+                </a14:hiddenFill>
+              </a:ext>
+              <a:ext uri="{91240B29-F687-4F45-9708-019B960494DF}">
+                <a14:hiddenLine xmlns:a14="http://schemas.microsoft.com/office/drawing/2010/main" w="9525">
+                  <a:solidFill>
+                    <a:srgbClr val="000000"/>
+                  </a:solidFill>
+                  <a:miter lim="800000"/>
+                  <a:headEnd/>
+                  <a:tailEnd/>
+                </a14:hiddenLine>
+              </a:ext>
+            </a:extLst>
+          </p:spPr>
+        </p:pic>
+        <p:pic>
+          <p:nvPicPr>
+            <p:cNvPr id="1027" name="Picture 10"/>
+            <p:cNvPicPr>
+              <a:picLocks noChangeAspect="1" noChangeArrowheads="1"/>
+            </p:cNvPicPr>
+            <p:nvPr/>
+          </p:nvPicPr>
+          <p:blipFill>
+            <a:blip r:embed="rId3">
+              <a:extLst>
+                <a:ext uri="{28A0092B-C50C-407E-A947-70E740481C1C}">
+                  <a14:useLocalDpi xmlns:a14="http://schemas.microsoft.com/office/drawing/2010/main" val="0"/>
+                </a:ext>
+              </a:extLst>
+            </a:blip>
+            <a:srcRect/>
+            <a:stretch>
+              <a:fillRect/>
+            </a:stretch>
+          </p:blipFill>
+          <p:spPr bwMode="auto">
+            <a:xfrm>
+              <a:off x="4421595" y="1100455"/>
+              <a:ext cx="1744073" cy="1857509"/>
+            </a:xfrm>
+            <a:prstGeom prst="rect">
+              <a:avLst/>
+            </a:prstGeom>
+            <a:noFill/>
+            <a:ln>
+              <a:noFill/>
+            </a:ln>
+            <a:extLst>
+              <a:ext uri="{909E8E84-426E-40DD-AFC4-6F175D3DCCD1}">
+                <a14:hiddenFill xmlns:a14="http://schemas.microsoft.com/office/drawing/2010/main">
+                  <a:solidFill>
+                    <a:srgbClr val="FFFFFF"/>
+                  </a:solidFill>
+                </a14:hiddenFill>
+              </a:ext>
+              <a:ext uri="{91240B29-F687-4F45-9708-019B960494DF}">
+                <a14:hiddenLine xmlns:a14="http://schemas.microsoft.com/office/drawing/2010/main" w="9525">
+                  <a:solidFill>
+                    <a:srgbClr val="000000"/>
+                  </a:solidFill>
+                  <a:miter lim="800000"/>
+                  <a:headEnd/>
+                  <a:tailEnd/>
+                </a14:hiddenLine>
+              </a:ext>
+            </a:extLst>
+          </p:spPr>
+        </p:pic>
+        <p:sp>
+          <p:nvSpPr>
+            <p:cNvPr id="8" name="TextBox 7"/>
+            <p:cNvSpPr txBox="1"/>
+            <p:nvPr/>
+          </p:nvSpPr>
+          <p:spPr>
+            <a:xfrm>
+              <a:off x="2031802" y="3196046"/>
+              <a:ext cx="1359475" cy="369332"/>
+            </a:xfrm>
+            <a:prstGeom prst="rect">
+              <a:avLst/>
+            </a:prstGeom>
+            <a:noFill/>
+          </p:spPr>
+          <p:txBody>
+            <a:bodyPr wrap="none" rtlCol="0">
+              <a:spAutoFit/>
+            </a:bodyPr>
+            <a:lstStyle/>
+            <a:p>
+              <a:pPr algn="ctr"/>
+              <a:r>
+                <a:rPr lang="en-US" dirty="0" smtClean="0"/>
+                <a:t>Ảnh đầu vào</a:t>
+              </a:r>
+              <a:endParaRPr lang="vi-VN" dirty="0"/>
+            </a:p>
+          </p:txBody>
+        </p:sp>
+        <p:sp>
+          <p:nvSpPr>
+            <p:cNvPr id="9" name="TextBox 8"/>
+            <p:cNvSpPr txBox="1"/>
+            <p:nvPr/>
+          </p:nvSpPr>
+          <p:spPr>
+            <a:xfrm>
+              <a:off x="3991699" y="3057546"/>
+              <a:ext cx="2603863" cy="646331"/>
+            </a:xfrm>
+            <a:prstGeom prst="rect">
+              <a:avLst/>
+            </a:prstGeom>
+            <a:noFill/>
+          </p:spPr>
+          <p:txBody>
+            <a:bodyPr wrap="square" rtlCol="0">
+              <a:spAutoFit/>
+            </a:bodyPr>
+            <a:lstStyle/>
+            <a:p>
+              <a:pPr algn="ctr"/>
+              <a:r>
+                <a:rPr lang="en-US" dirty="0" smtClean="0"/>
+                <a:t>Ảnh đầu ra là kết quả lọc biên của ảnh đầu vào</a:t>
+              </a:r>
+              <a:endParaRPr lang="vi-VN" dirty="0"/>
+            </a:p>
+          </p:txBody>
+        </p:sp>
+      </p:grpSp>
+    </p:spTree>
+    <p:extLst>
+      <p:ext uri="{BB962C8B-B14F-4D97-AF65-F5344CB8AC3E}">
+        <p14:creationId xmlns:p14="http://schemas.microsoft.com/office/powerpoint/2010/main" val="3134478996"/>
+      </p:ext>
+    </p:extLst>
+  </p:cSld>
+  <p:clrMapOvr>
+    <a:masterClrMapping/>
+  </p:clrMapOvr>
+</p:sld>
+</file>
+
 <file path=ppt/theme/theme1.xml><?xml version="1.0" encoding="utf-8"?>
 <a:theme xmlns:a="http://schemas.openxmlformats.org/drawingml/2006/main" name="Office Theme">
   <a:themeElements>

--- a/DoAnTotNghiep/HinhVe.pptx
+++ b/DoAnTotNghiep/HinhVe.pptx
@@ -244,7 +244,7 @@
           <a:p>
             <a:fld id="{59B0BEBA-2450-42A1-8861-3CA9D4D7BD1A}" type="datetimeFigureOut">
               <a:rPr lang="vi-VN" smtClean="0"/>
-              <a:t>23/12/2023</a:t>
+              <a:t>31/12/2023</a:t>
             </a:fld>
             <a:endParaRPr lang="vi-VN"/>
           </a:p>
@@ -414,7 +414,7 @@
           <a:p>
             <a:fld id="{59B0BEBA-2450-42A1-8861-3CA9D4D7BD1A}" type="datetimeFigureOut">
               <a:rPr lang="vi-VN" smtClean="0"/>
-              <a:t>23/12/2023</a:t>
+              <a:t>31/12/2023</a:t>
             </a:fld>
             <a:endParaRPr lang="vi-VN"/>
           </a:p>
@@ -594,7 +594,7 @@
           <a:p>
             <a:fld id="{59B0BEBA-2450-42A1-8861-3CA9D4D7BD1A}" type="datetimeFigureOut">
               <a:rPr lang="vi-VN" smtClean="0"/>
-              <a:t>23/12/2023</a:t>
+              <a:t>31/12/2023</a:t>
             </a:fld>
             <a:endParaRPr lang="vi-VN"/>
           </a:p>
@@ -764,7 +764,7 @@
           <a:p>
             <a:fld id="{59B0BEBA-2450-42A1-8861-3CA9D4D7BD1A}" type="datetimeFigureOut">
               <a:rPr lang="vi-VN" smtClean="0"/>
-              <a:t>23/12/2023</a:t>
+              <a:t>31/12/2023</a:t>
             </a:fld>
             <a:endParaRPr lang="vi-VN"/>
           </a:p>
@@ -1010,7 +1010,7 @@
           <a:p>
             <a:fld id="{59B0BEBA-2450-42A1-8861-3CA9D4D7BD1A}" type="datetimeFigureOut">
               <a:rPr lang="vi-VN" smtClean="0"/>
-              <a:t>23/12/2023</a:t>
+              <a:t>31/12/2023</a:t>
             </a:fld>
             <a:endParaRPr lang="vi-VN"/>
           </a:p>
@@ -1242,7 +1242,7 @@
           <a:p>
             <a:fld id="{59B0BEBA-2450-42A1-8861-3CA9D4D7BD1A}" type="datetimeFigureOut">
               <a:rPr lang="vi-VN" smtClean="0"/>
-              <a:t>23/12/2023</a:t>
+              <a:t>31/12/2023</a:t>
             </a:fld>
             <a:endParaRPr lang="vi-VN"/>
           </a:p>
@@ -1609,7 +1609,7 @@
           <a:p>
             <a:fld id="{59B0BEBA-2450-42A1-8861-3CA9D4D7BD1A}" type="datetimeFigureOut">
               <a:rPr lang="vi-VN" smtClean="0"/>
-              <a:t>23/12/2023</a:t>
+              <a:t>31/12/2023</a:t>
             </a:fld>
             <a:endParaRPr lang="vi-VN"/>
           </a:p>
@@ -1727,7 +1727,7 @@
           <a:p>
             <a:fld id="{59B0BEBA-2450-42A1-8861-3CA9D4D7BD1A}" type="datetimeFigureOut">
               <a:rPr lang="vi-VN" smtClean="0"/>
-              <a:t>23/12/2023</a:t>
+              <a:t>31/12/2023</a:t>
             </a:fld>
             <a:endParaRPr lang="vi-VN"/>
           </a:p>
@@ -1822,7 +1822,7 @@
           <a:p>
             <a:fld id="{59B0BEBA-2450-42A1-8861-3CA9D4D7BD1A}" type="datetimeFigureOut">
               <a:rPr lang="vi-VN" smtClean="0"/>
-              <a:t>23/12/2023</a:t>
+              <a:t>31/12/2023</a:t>
             </a:fld>
             <a:endParaRPr lang="vi-VN"/>
           </a:p>
@@ -2099,7 +2099,7 @@
           <a:p>
             <a:fld id="{59B0BEBA-2450-42A1-8861-3CA9D4D7BD1A}" type="datetimeFigureOut">
               <a:rPr lang="vi-VN" smtClean="0"/>
-              <a:t>23/12/2023</a:t>
+              <a:t>31/12/2023</a:t>
             </a:fld>
             <a:endParaRPr lang="vi-VN"/>
           </a:p>
@@ -2352,7 +2352,7 @@
           <a:p>
             <a:fld id="{59B0BEBA-2450-42A1-8861-3CA9D4D7BD1A}" type="datetimeFigureOut">
               <a:rPr lang="vi-VN" smtClean="0"/>
-              <a:t>23/12/2023</a:t>
+              <a:t>31/12/2023</a:t>
             </a:fld>
             <a:endParaRPr lang="vi-VN"/>
           </a:p>
@@ -2565,7 +2565,7 @@
           <a:p>
             <a:fld id="{59B0BEBA-2450-42A1-8861-3CA9D4D7BD1A}" type="datetimeFigureOut">
               <a:rPr lang="vi-VN" smtClean="0"/>
-              <a:t>23/12/2023</a:t>
+              <a:t>31/12/2023</a:t>
             </a:fld>
             <a:endParaRPr lang="vi-VN"/>
           </a:p>
@@ -4584,191 +4584,6725 @@
           <a:chExt cx="0" cy="0"/>
         </a:xfrm>
       </p:grpSpPr>
-      <p:grpSp>
-        <p:nvGrpSpPr>
-          <p:cNvPr id="10" name="Group 9"/>
-          <p:cNvGrpSpPr/>
-          <p:nvPr/>
-        </p:nvGrpSpPr>
-        <p:grpSpPr>
-          <a:xfrm>
-            <a:off x="1835150" y="1100455"/>
-            <a:ext cx="4760412" cy="2603422"/>
-            <a:chOff x="1835150" y="1100455"/>
-            <a:chExt cx="4760412" cy="2603422"/>
-          </a:xfrm>
-        </p:grpSpPr>
-        <p:pic>
-          <p:nvPicPr>
-            <p:cNvPr id="1026" name="Picture 9"/>
-            <p:cNvPicPr>
-              <a:picLocks noChangeAspect="1" noChangeArrowheads="1"/>
-            </p:cNvPicPr>
-            <p:nvPr/>
-          </p:nvPicPr>
-          <p:blipFill>
-            <a:blip r:embed="rId2">
-              <a:extLst>
-                <a:ext uri="{28A0092B-C50C-407E-A947-70E740481C1C}">
-                  <a14:useLocalDpi xmlns:a14="http://schemas.microsoft.com/office/drawing/2010/main" val="0"/>
-                </a:ext>
-              </a:extLst>
-            </a:blip>
-            <a:srcRect/>
-            <a:stretch>
-              <a:fillRect/>
-            </a:stretch>
-          </p:blipFill>
-          <p:spPr bwMode="auto">
-            <a:xfrm>
-              <a:off x="1835150" y="1100455"/>
-              <a:ext cx="1752781" cy="1852532"/>
-            </a:xfrm>
-            <a:prstGeom prst="rect">
-              <a:avLst/>
-            </a:prstGeom>
-            <a:noFill/>
-            <a:ln>
-              <a:noFill/>
-            </a:ln>
-            <a:extLst>
-              <a:ext uri="{909E8E84-426E-40DD-AFC4-6F175D3DCCD1}">
-                <a14:hiddenFill xmlns:a14="http://schemas.microsoft.com/office/drawing/2010/main">
-                  <a:solidFill>
-                    <a:srgbClr val="FFFFFF"/>
-                  </a:solidFill>
-                </a14:hiddenFill>
-              </a:ext>
-              <a:ext uri="{91240B29-F687-4F45-9708-019B960494DF}">
-                <a14:hiddenLine xmlns:a14="http://schemas.microsoft.com/office/drawing/2010/main" w="9525">
-                  <a:solidFill>
-                    <a:srgbClr val="000000"/>
-                  </a:solidFill>
-                  <a:miter lim="800000"/>
-                  <a:headEnd/>
-                  <a:tailEnd/>
-                </a14:hiddenLine>
-              </a:ext>
-            </a:extLst>
-          </p:spPr>
-        </p:pic>
-        <p:pic>
-          <p:nvPicPr>
-            <p:cNvPr id="1027" name="Picture 10"/>
-            <p:cNvPicPr>
-              <a:picLocks noChangeAspect="1" noChangeArrowheads="1"/>
-            </p:cNvPicPr>
-            <p:nvPr/>
-          </p:nvPicPr>
-          <p:blipFill>
-            <a:blip r:embed="rId3">
-              <a:extLst>
-                <a:ext uri="{28A0092B-C50C-407E-A947-70E740481C1C}">
-                  <a14:useLocalDpi xmlns:a14="http://schemas.microsoft.com/office/drawing/2010/main" val="0"/>
-                </a:ext>
-              </a:extLst>
-            </a:blip>
-            <a:srcRect/>
-            <a:stretch>
-              <a:fillRect/>
-            </a:stretch>
-          </p:blipFill>
-          <p:spPr bwMode="auto">
-            <a:xfrm>
-              <a:off x="4421595" y="1100455"/>
-              <a:ext cx="1744073" cy="1857509"/>
-            </a:xfrm>
-            <a:prstGeom prst="rect">
-              <a:avLst/>
-            </a:prstGeom>
-            <a:noFill/>
-            <a:ln>
-              <a:noFill/>
-            </a:ln>
-            <a:extLst>
-              <a:ext uri="{909E8E84-426E-40DD-AFC4-6F175D3DCCD1}">
-                <a14:hiddenFill xmlns:a14="http://schemas.microsoft.com/office/drawing/2010/main">
-                  <a:solidFill>
-                    <a:srgbClr val="FFFFFF"/>
-                  </a:solidFill>
-                </a14:hiddenFill>
-              </a:ext>
-              <a:ext uri="{91240B29-F687-4F45-9708-019B960494DF}">
-                <a14:hiddenLine xmlns:a14="http://schemas.microsoft.com/office/drawing/2010/main" w="9525">
-                  <a:solidFill>
-                    <a:srgbClr val="000000"/>
-                  </a:solidFill>
-                  <a:miter lim="800000"/>
-                  <a:headEnd/>
-                  <a:tailEnd/>
-                </a14:hiddenLine>
-              </a:ext>
-            </a:extLst>
-          </p:spPr>
-        </p:pic>
-        <p:sp>
-          <p:nvSpPr>
-            <p:cNvPr id="8" name="TextBox 7"/>
-            <p:cNvSpPr txBox="1"/>
-            <p:nvPr/>
-          </p:nvSpPr>
-          <p:spPr>
-            <a:xfrm>
-              <a:off x="2031802" y="3196046"/>
-              <a:ext cx="1359475" cy="369332"/>
-            </a:xfrm>
-            <a:prstGeom prst="rect">
-              <a:avLst/>
-            </a:prstGeom>
-            <a:noFill/>
-          </p:spPr>
-          <p:txBody>
-            <a:bodyPr wrap="none" rtlCol="0">
-              <a:spAutoFit/>
-            </a:bodyPr>
-            <a:lstStyle/>
-            <a:p>
-              <a:pPr algn="ctr"/>
-              <a:r>
-                <a:rPr lang="en-US" dirty="0" smtClean="0"/>
-                <a:t>Ảnh đầu vào</a:t>
-              </a:r>
-              <a:endParaRPr lang="vi-VN" dirty="0"/>
-            </a:p>
-          </p:txBody>
-        </p:sp>
-        <p:sp>
-          <p:nvSpPr>
-            <p:cNvPr id="9" name="TextBox 8"/>
-            <p:cNvSpPr txBox="1"/>
-            <p:nvPr/>
-          </p:nvSpPr>
-          <p:spPr>
-            <a:xfrm>
-              <a:off x="3991699" y="3057546"/>
-              <a:ext cx="2603863" cy="646331"/>
-            </a:xfrm>
-            <a:prstGeom prst="rect">
-              <a:avLst/>
-            </a:prstGeom>
-            <a:noFill/>
-          </p:spPr>
-          <p:txBody>
-            <a:bodyPr wrap="square" rtlCol="0">
-              <a:spAutoFit/>
-            </a:bodyPr>
-            <a:lstStyle/>
-            <a:p>
-              <a:pPr algn="ctr"/>
-              <a:r>
-                <a:rPr lang="en-US" dirty="0" smtClean="0"/>
-                <a:t>Ảnh đầu ra là kết quả lọc biên của ảnh đầu vào</a:t>
-              </a:r>
-              <a:endParaRPr lang="vi-VN" dirty="0"/>
-            </a:p>
-          </p:txBody>
-        </p:sp>
-      </p:grpSp>
+      <p:graphicFrame>
+        <p:nvGraphicFramePr>
+          <p:cNvPr id="2" name="Table 1"/>
+          <p:cNvGraphicFramePr>
+            <a:graphicFrameLocks noGrp="1"/>
+          </p:cNvGraphicFramePr>
+          <p:nvPr>
+            <p:extLst>
+              <p:ext uri="{D42A27DB-BD31-4B8C-83A1-F6EECF244321}">
+                <p14:modId xmlns:p14="http://schemas.microsoft.com/office/powerpoint/2010/main" val="3533580054"/>
+              </p:ext>
+            </p:extLst>
+          </p:nvPr>
+        </p:nvGraphicFramePr>
+        <p:xfrm>
+          <a:off x="2032000" y="719666"/>
+          <a:ext cx="2880000" cy="2926080"/>
+        </p:xfrm>
+        <a:graphic>
+          <a:graphicData uri="http://schemas.openxmlformats.org/drawingml/2006/table">
+            <a:tbl>
+              <a:tblPr firstRow="1" bandRow="1">
+                <a:tableStyleId>{5C22544A-7EE6-4342-B048-85BDC9FD1C3A}</a:tableStyleId>
+              </a:tblPr>
+              <a:tblGrid>
+                <a:gridCol w="360000">
+                  <a:extLst>
+                    <a:ext uri="{9D8B030D-6E8A-4147-A177-3AD203B41FA5}">
+                      <a16:colId xmlns:a16="http://schemas.microsoft.com/office/drawing/2014/main" val="808199917"/>
+                    </a:ext>
+                  </a:extLst>
+                </a:gridCol>
+                <a:gridCol w="360000">
+                  <a:extLst>
+                    <a:ext uri="{9D8B030D-6E8A-4147-A177-3AD203B41FA5}">
+                      <a16:colId xmlns:a16="http://schemas.microsoft.com/office/drawing/2014/main" val="3201936107"/>
+                    </a:ext>
+                  </a:extLst>
+                </a:gridCol>
+                <a:gridCol w="360000">
+                  <a:extLst>
+                    <a:ext uri="{9D8B030D-6E8A-4147-A177-3AD203B41FA5}">
+                      <a16:colId xmlns:a16="http://schemas.microsoft.com/office/drawing/2014/main" val="3479951539"/>
+                    </a:ext>
+                  </a:extLst>
+                </a:gridCol>
+                <a:gridCol w="360000">
+                  <a:extLst>
+                    <a:ext uri="{9D8B030D-6E8A-4147-A177-3AD203B41FA5}">
+                      <a16:colId xmlns:a16="http://schemas.microsoft.com/office/drawing/2014/main" val="43549896"/>
+                    </a:ext>
+                  </a:extLst>
+                </a:gridCol>
+                <a:gridCol w="360000">
+                  <a:extLst>
+                    <a:ext uri="{9D8B030D-6E8A-4147-A177-3AD203B41FA5}">
+                      <a16:colId xmlns:a16="http://schemas.microsoft.com/office/drawing/2014/main" val="1266350471"/>
+                    </a:ext>
+                  </a:extLst>
+                </a:gridCol>
+                <a:gridCol w="360000">
+                  <a:extLst>
+                    <a:ext uri="{9D8B030D-6E8A-4147-A177-3AD203B41FA5}">
+                      <a16:colId xmlns:a16="http://schemas.microsoft.com/office/drawing/2014/main" val="1408001174"/>
+                    </a:ext>
+                  </a:extLst>
+                </a:gridCol>
+                <a:gridCol w="360000">
+                  <a:extLst>
+                    <a:ext uri="{9D8B030D-6E8A-4147-A177-3AD203B41FA5}">
+                      <a16:colId xmlns:a16="http://schemas.microsoft.com/office/drawing/2014/main" val="4098651507"/>
+                    </a:ext>
+                  </a:extLst>
+                </a:gridCol>
+                <a:gridCol w="360000">
+                  <a:extLst>
+                    <a:ext uri="{9D8B030D-6E8A-4147-A177-3AD203B41FA5}">
+                      <a16:colId xmlns:a16="http://schemas.microsoft.com/office/drawing/2014/main" val="343827409"/>
+                    </a:ext>
+                  </a:extLst>
+                </a:gridCol>
+              </a:tblGrid>
+              <a:tr h="360000">
+                <a:tc>
+                  <a:txBody>
+                    <a:bodyPr/>
+                    <a:lstStyle/>
+                    <a:p>
+                      <a:endParaRPr lang="vi-VN" dirty="0"/>
+                    </a:p>
+                  </a:txBody>
+                  <a:tcPr anchor="ctr">
+                    <a:lnL w="12700" cap="flat" cmpd="sng" algn="ctr">
+                      <a:solidFill>
+                        <a:schemeClr val="tx1"/>
+                      </a:solidFill>
+                      <a:prstDash val="solid"/>
+                      <a:round/>
+                      <a:headEnd type="none" w="med" len="med"/>
+                      <a:tailEnd type="none" w="med" len="med"/>
+                    </a:lnL>
+                    <a:lnR w="12700" cap="flat" cmpd="sng" algn="ctr">
+                      <a:solidFill>
+                        <a:schemeClr val="tx1"/>
+                      </a:solidFill>
+                      <a:prstDash val="solid"/>
+                      <a:round/>
+                      <a:headEnd type="none" w="med" len="med"/>
+                      <a:tailEnd type="none" w="med" len="med"/>
+                    </a:lnR>
+                    <a:lnT w="12700" cap="flat" cmpd="sng" algn="ctr">
+                      <a:solidFill>
+                        <a:schemeClr val="tx1"/>
+                      </a:solidFill>
+                      <a:prstDash val="solid"/>
+                      <a:round/>
+                      <a:headEnd type="none" w="med" len="med"/>
+                      <a:tailEnd type="none" w="med" len="med"/>
+                    </a:lnT>
+                    <a:lnB w="12700" cap="flat" cmpd="sng" algn="ctr">
+                      <a:solidFill>
+                        <a:schemeClr val="tx1"/>
+                      </a:solidFill>
+                      <a:prstDash val="solid"/>
+                      <a:round/>
+                      <a:headEnd type="none" w="med" len="med"/>
+                      <a:tailEnd type="none" w="med" len="med"/>
+                    </a:lnB>
+                    <a:solidFill>
+                      <a:schemeClr val="bg1"/>
+                    </a:solidFill>
+                  </a:tcPr>
+                </a:tc>
+                <a:tc>
+                  <a:txBody>
+                    <a:bodyPr/>
+                    <a:lstStyle/>
+                    <a:p>
+                      <a:endParaRPr lang="vi-VN"/>
+                    </a:p>
+                  </a:txBody>
+                  <a:tcPr anchor="ctr">
+                    <a:lnL w="12700" cap="flat" cmpd="sng" algn="ctr">
+                      <a:solidFill>
+                        <a:schemeClr val="tx1"/>
+                      </a:solidFill>
+                      <a:prstDash val="solid"/>
+                      <a:round/>
+                      <a:headEnd type="none" w="med" len="med"/>
+                      <a:tailEnd type="none" w="med" len="med"/>
+                    </a:lnL>
+                    <a:lnR w="12700" cap="flat" cmpd="sng" algn="ctr">
+                      <a:solidFill>
+                        <a:schemeClr val="tx1"/>
+                      </a:solidFill>
+                      <a:prstDash val="solid"/>
+                      <a:round/>
+                      <a:headEnd type="none" w="med" len="med"/>
+                      <a:tailEnd type="none" w="med" len="med"/>
+                    </a:lnR>
+                    <a:lnT w="12700" cap="flat" cmpd="sng" algn="ctr">
+                      <a:solidFill>
+                        <a:schemeClr val="tx1"/>
+                      </a:solidFill>
+                      <a:prstDash val="solid"/>
+                      <a:round/>
+                      <a:headEnd type="none" w="med" len="med"/>
+                      <a:tailEnd type="none" w="med" len="med"/>
+                    </a:lnT>
+                    <a:lnB w="12700" cap="flat" cmpd="sng" algn="ctr">
+                      <a:solidFill>
+                        <a:schemeClr val="tx1"/>
+                      </a:solidFill>
+                      <a:prstDash val="solid"/>
+                      <a:round/>
+                      <a:headEnd type="none" w="med" len="med"/>
+                      <a:tailEnd type="none" w="med" len="med"/>
+                    </a:lnB>
+                    <a:solidFill>
+                      <a:schemeClr val="bg1"/>
+                    </a:solidFill>
+                  </a:tcPr>
+                </a:tc>
+                <a:tc>
+                  <a:txBody>
+                    <a:bodyPr/>
+                    <a:lstStyle/>
+                    <a:p>
+                      <a:endParaRPr lang="vi-VN"/>
+                    </a:p>
+                  </a:txBody>
+                  <a:tcPr anchor="ctr">
+                    <a:lnL w="12700" cap="flat" cmpd="sng" algn="ctr">
+                      <a:solidFill>
+                        <a:schemeClr val="tx1"/>
+                      </a:solidFill>
+                      <a:prstDash val="solid"/>
+                      <a:round/>
+                      <a:headEnd type="none" w="med" len="med"/>
+                      <a:tailEnd type="none" w="med" len="med"/>
+                    </a:lnL>
+                    <a:lnR w="12700" cap="flat" cmpd="sng" algn="ctr">
+                      <a:solidFill>
+                        <a:schemeClr val="tx1"/>
+                      </a:solidFill>
+                      <a:prstDash val="solid"/>
+                      <a:round/>
+                      <a:headEnd type="none" w="med" len="med"/>
+                      <a:tailEnd type="none" w="med" len="med"/>
+                    </a:lnR>
+                    <a:lnT w="12700" cap="flat" cmpd="sng" algn="ctr">
+                      <a:solidFill>
+                        <a:schemeClr val="tx1"/>
+                      </a:solidFill>
+                      <a:prstDash val="solid"/>
+                      <a:round/>
+                      <a:headEnd type="none" w="med" len="med"/>
+                      <a:tailEnd type="none" w="med" len="med"/>
+                    </a:lnT>
+                    <a:lnB w="12700" cap="flat" cmpd="sng" algn="ctr">
+                      <a:solidFill>
+                        <a:schemeClr val="tx1"/>
+                      </a:solidFill>
+                      <a:prstDash val="solid"/>
+                      <a:round/>
+                      <a:headEnd type="none" w="med" len="med"/>
+                      <a:tailEnd type="none" w="med" len="med"/>
+                    </a:lnB>
+                    <a:solidFill>
+                      <a:schemeClr val="bg1"/>
+                    </a:solidFill>
+                  </a:tcPr>
+                </a:tc>
+                <a:tc>
+                  <a:txBody>
+                    <a:bodyPr/>
+                    <a:lstStyle/>
+                    <a:p>
+                      <a:endParaRPr lang="vi-VN"/>
+                    </a:p>
+                  </a:txBody>
+                  <a:tcPr anchor="ctr">
+                    <a:lnL w="12700" cap="flat" cmpd="sng" algn="ctr">
+                      <a:solidFill>
+                        <a:schemeClr val="tx1"/>
+                      </a:solidFill>
+                      <a:prstDash val="solid"/>
+                      <a:round/>
+                      <a:headEnd type="none" w="med" len="med"/>
+                      <a:tailEnd type="none" w="med" len="med"/>
+                    </a:lnL>
+                    <a:lnR w="12700" cap="flat" cmpd="sng" algn="ctr">
+                      <a:solidFill>
+                        <a:schemeClr val="tx1"/>
+                      </a:solidFill>
+                      <a:prstDash val="solid"/>
+                      <a:round/>
+                      <a:headEnd type="none" w="med" len="med"/>
+                      <a:tailEnd type="none" w="med" len="med"/>
+                    </a:lnR>
+                    <a:lnT w="12700" cap="flat" cmpd="sng" algn="ctr">
+                      <a:solidFill>
+                        <a:schemeClr val="tx1"/>
+                      </a:solidFill>
+                      <a:prstDash val="solid"/>
+                      <a:round/>
+                      <a:headEnd type="none" w="med" len="med"/>
+                      <a:tailEnd type="none" w="med" len="med"/>
+                    </a:lnT>
+                    <a:lnB w="12700" cap="flat" cmpd="sng" algn="ctr">
+                      <a:solidFill>
+                        <a:schemeClr val="tx1"/>
+                      </a:solidFill>
+                      <a:prstDash val="solid"/>
+                      <a:round/>
+                      <a:headEnd type="none" w="med" len="med"/>
+                      <a:tailEnd type="none" w="med" len="med"/>
+                    </a:lnB>
+                    <a:solidFill>
+                      <a:schemeClr val="bg1"/>
+                    </a:solidFill>
+                  </a:tcPr>
+                </a:tc>
+                <a:tc>
+                  <a:txBody>
+                    <a:bodyPr/>
+                    <a:lstStyle/>
+                    <a:p>
+                      <a:endParaRPr lang="vi-VN"/>
+                    </a:p>
+                  </a:txBody>
+                  <a:tcPr anchor="ctr">
+                    <a:lnL w="12700" cap="flat" cmpd="sng" algn="ctr">
+                      <a:solidFill>
+                        <a:schemeClr val="tx1"/>
+                      </a:solidFill>
+                      <a:prstDash val="solid"/>
+                      <a:round/>
+                      <a:headEnd type="none" w="med" len="med"/>
+                      <a:tailEnd type="none" w="med" len="med"/>
+                    </a:lnL>
+                    <a:lnR w="12700" cap="flat" cmpd="sng" algn="ctr">
+                      <a:solidFill>
+                        <a:schemeClr val="tx1"/>
+                      </a:solidFill>
+                      <a:prstDash val="solid"/>
+                      <a:round/>
+                      <a:headEnd type="none" w="med" len="med"/>
+                      <a:tailEnd type="none" w="med" len="med"/>
+                    </a:lnR>
+                    <a:lnT w="12700" cap="flat" cmpd="sng" algn="ctr">
+                      <a:solidFill>
+                        <a:schemeClr val="tx1"/>
+                      </a:solidFill>
+                      <a:prstDash val="solid"/>
+                      <a:round/>
+                      <a:headEnd type="none" w="med" len="med"/>
+                      <a:tailEnd type="none" w="med" len="med"/>
+                    </a:lnT>
+                    <a:lnB w="12700" cap="flat" cmpd="sng" algn="ctr">
+                      <a:solidFill>
+                        <a:schemeClr val="tx1"/>
+                      </a:solidFill>
+                      <a:prstDash val="solid"/>
+                      <a:round/>
+                      <a:headEnd type="none" w="med" len="med"/>
+                      <a:tailEnd type="none" w="med" len="med"/>
+                    </a:lnB>
+                    <a:solidFill>
+                      <a:schemeClr val="bg1"/>
+                    </a:solidFill>
+                  </a:tcPr>
+                </a:tc>
+                <a:tc>
+                  <a:txBody>
+                    <a:bodyPr/>
+                    <a:lstStyle/>
+                    <a:p>
+                      <a:endParaRPr lang="vi-VN"/>
+                    </a:p>
+                  </a:txBody>
+                  <a:tcPr anchor="ctr">
+                    <a:lnL w="12700" cap="flat" cmpd="sng" algn="ctr">
+                      <a:solidFill>
+                        <a:schemeClr val="tx1"/>
+                      </a:solidFill>
+                      <a:prstDash val="solid"/>
+                      <a:round/>
+                      <a:headEnd type="none" w="med" len="med"/>
+                      <a:tailEnd type="none" w="med" len="med"/>
+                    </a:lnL>
+                    <a:lnR w="12700" cap="flat" cmpd="sng" algn="ctr">
+                      <a:solidFill>
+                        <a:schemeClr val="tx1"/>
+                      </a:solidFill>
+                      <a:prstDash val="solid"/>
+                      <a:round/>
+                      <a:headEnd type="none" w="med" len="med"/>
+                      <a:tailEnd type="none" w="med" len="med"/>
+                    </a:lnR>
+                    <a:lnT w="12700" cap="flat" cmpd="sng" algn="ctr">
+                      <a:solidFill>
+                        <a:schemeClr val="tx1"/>
+                      </a:solidFill>
+                      <a:prstDash val="solid"/>
+                      <a:round/>
+                      <a:headEnd type="none" w="med" len="med"/>
+                      <a:tailEnd type="none" w="med" len="med"/>
+                    </a:lnT>
+                    <a:lnB w="12700" cap="flat" cmpd="sng" algn="ctr">
+                      <a:solidFill>
+                        <a:schemeClr val="tx1"/>
+                      </a:solidFill>
+                      <a:prstDash val="solid"/>
+                      <a:round/>
+                      <a:headEnd type="none" w="med" len="med"/>
+                      <a:tailEnd type="none" w="med" len="med"/>
+                    </a:lnB>
+                    <a:solidFill>
+                      <a:schemeClr val="bg1"/>
+                    </a:solidFill>
+                  </a:tcPr>
+                </a:tc>
+                <a:tc>
+                  <a:txBody>
+                    <a:bodyPr/>
+                    <a:lstStyle/>
+                    <a:p>
+                      <a:endParaRPr lang="vi-VN"/>
+                    </a:p>
+                  </a:txBody>
+                  <a:tcPr anchor="ctr">
+                    <a:lnL w="12700" cap="flat" cmpd="sng" algn="ctr">
+                      <a:solidFill>
+                        <a:schemeClr val="tx1"/>
+                      </a:solidFill>
+                      <a:prstDash val="solid"/>
+                      <a:round/>
+                      <a:headEnd type="none" w="med" len="med"/>
+                      <a:tailEnd type="none" w="med" len="med"/>
+                    </a:lnL>
+                    <a:lnR w="12700" cap="flat" cmpd="sng" algn="ctr">
+                      <a:solidFill>
+                        <a:schemeClr val="tx1"/>
+                      </a:solidFill>
+                      <a:prstDash val="solid"/>
+                      <a:round/>
+                      <a:headEnd type="none" w="med" len="med"/>
+                      <a:tailEnd type="none" w="med" len="med"/>
+                    </a:lnR>
+                    <a:lnT w="12700" cap="flat" cmpd="sng" algn="ctr">
+                      <a:solidFill>
+                        <a:schemeClr val="tx1"/>
+                      </a:solidFill>
+                      <a:prstDash val="solid"/>
+                      <a:round/>
+                      <a:headEnd type="none" w="med" len="med"/>
+                      <a:tailEnd type="none" w="med" len="med"/>
+                    </a:lnT>
+                    <a:lnB w="12700" cap="flat" cmpd="sng" algn="ctr">
+                      <a:solidFill>
+                        <a:schemeClr val="tx1"/>
+                      </a:solidFill>
+                      <a:prstDash val="solid"/>
+                      <a:round/>
+                      <a:headEnd type="none" w="med" len="med"/>
+                      <a:tailEnd type="none" w="med" len="med"/>
+                    </a:lnB>
+                    <a:solidFill>
+                      <a:schemeClr val="bg1"/>
+                    </a:solidFill>
+                  </a:tcPr>
+                </a:tc>
+                <a:tc>
+                  <a:txBody>
+                    <a:bodyPr/>
+                    <a:lstStyle/>
+                    <a:p>
+                      <a:endParaRPr lang="vi-VN"/>
+                    </a:p>
+                  </a:txBody>
+                  <a:tcPr anchor="ctr">
+                    <a:lnL w="12700" cap="flat" cmpd="sng" algn="ctr">
+                      <a:solidFill>
+                        <a:schemeClr val="tx1"/>
+                      </a:solidFill>
+                      <a:prstDash val="solid"/>
+                      <a:round/>
+                      <a:headEnd type="none" w="med" len="med"/>
+                      <a:tailEnd type="none" w="med" len="med"/>
+                    </a:lnL>
+                    <a:lnR w="12700" cap="flat" cmpd="sng" algn="ctr">
+                      <a:solidFill>
+                        <a:schemeClr val="tx1"/>
+                      </a:solidFill>
+                      <a:prstDash val="solid"/>
+                      <a:round/>
+                      <a:headEnd type="none" w="med" len="med"/>
+                      <a:tailEnd type="none" w="med" len="med"/>
+                    </a:lnR>
+                    <a:lnT w="12700" cap="flat" cmpd="sng" algn="ctr">
+                      <a:solidFill>
+                        <a:schemeClr val="tx1"/>
+                      </a:solidFill>
+                      <a:prstDash val="solid"/>
+                      <a:round/>
+                      <a:headEnd type="none" w="med" len="med"/>
+                      <a:tailEnd type="none" w="med" len="med"/>
+                    </a:lnT>
+                    <a:lnB w="12700" cap="flat" cmpd="sng" algn="ctr">
+                      <a:solidFill>
+                        <a:schemeClr val="tx1"/>
+                      </a:solidFill>
+                      <a:prstDash val="solid"/>
+                      <a:round/>
+                      <a:headEnd type="none" w="med" len="med"/>
+                      <a:tailEnd type="none" w="med" len="med"/>
+                    </a:lnB>
+                    <a:solidFill>
+                      <a:schemeClr val="bg1"/>
+                    </a:solidFill>
+                  </a:tcPr>
+                </a:tc>
+                <a:extLst>
+                  <a:ext uri="{0D108BD9-81ED-4DB2-BD59-A6C34878D82A}">
+                    <a16:rowId xmlns:a16="http://schemas.microsoft.com/office/drawing/2014/main" val="3295841283"/>
+                  </a:ext>
+                </a:extLst>
+              </a:tr>
+              <a:tr h="360000">
+                <a:tc>
+                  <a:txBody>
+                    <a:bodyPr/>
+                    <a:lstStyle/>
+                    <a:p>
+                      <a:endParaRPr lang="vi-VN"/>
+                    </a:p>
+                  </a:txBody>
+                  <a:tcPr anchor="ctr">
+                    <a:lnL w="12700" cap="flat" cmpd="sng" algn="ctr">
+                      <a:solidFill>
+                        <a:schemeClr val="tx1"/>
+                      </a:solidFill>
+                      <a:prstDash val="solid"/>
+                      <a:round/>
+                      <a:headEnd type="none" w="med" len="med"/>
+                      <a:tailEnd type="none" w="med" len="med"/>
+                    </a:lnL>
+                    <a:lnR w="12700" cap="flat" cmpd="sng" algn="ctr">
+                      <a:solidFill>
+                        <a:schemeClr val="tx1"/>
+                      </a:solidFill>
+                      <a:prstDash val="solid"/>
+                      <a:round/>
+                      <a:headEnd type="none" w="med" len="med"/>
+                      <a:tailEnd type="none" w="med" len="med"/>
+                    </a:lnR>
+                    <a:lnT w="12700" cap="flat" cmpd="sng" algn="ctr">
+                      <a:solidFill>
+                        <a:schemeClr val="tx1"/>
+                      </a:solidFill>
+                      <a:prstDash val="solid"/>
+                      <a:round/>
+                      <a:headEnd type="none" w="med" len="med"/>
+                      <a:tailEnd type="none" w="med" len="med"/>
+                    </a:lnT>
+                    <a:lnB w="12700" cap="flat" cmpd="sng" algn="ctr">
+                      <a:solidFill>
+                        <a:schemeClr val="tx1"/>
+                      </a:solidFill>
+                      <a:prstDash val="solid"/>
+                      <a:round/>
+                      <a:headEnd type="none" w="med" len="med"/>
+                      <a:tailEnd type="none" w="med" len="med"/>
+                    </a:lnB>
+                    <a:solidFill>
+                      <a:schemeClr val="bg1"/>
+                    </a:solidFill>
+                  </a:tcPr>
+                </a:tc>
+                <a:tc>
+                  <a:txBody>
+                    <a:bodyPr/>
+                    <a:lstStyle/>
+                    <a:p>
+                      <a:endParaRPr lang="vi-VN" dirty="0"/>
+                    </a:p>
+                  </a:txBody>
+                  <a:tcPr anchor="ctr">
+                    <a:lnL w="12700" cap="flat" cmpd="sng" algn="ctr">
+                      <a:solidFill>
+                        <a:schemeClr val="tx1"/>
+                      </a:solidFill>
+                      <a:prstDash val="solid"/>
+                      <a:round/>
+                      <a:headEnd type="none" w="med" len="med"/>
+                      <a:tailEnd type="none" w="med" len="med"/>
+                    </a:lnL>
+                    <a:lnR w="12700" cap="flat" cmpd="sng" algn="ctr">
+                      <a:solidFill>
+                        <a:schemeClr val="tx1"/>
+                      </a:solidFill>
+                      <a:prstDash val="solid"/>
+                      <a:round/>
+                      <a:headEnd type="none" w="med" len="med"/>
+                      <a:tailEnd type="none" w="med" len="med"/>
+                    </a:lnR>
+                    <a:lnT w="12700" cap="flat" cmpd="sng" algn="ctr">
+                      <a:solidFill>
+                        <a:schemeClr val="tx1"/>
+                      </a:solidFill>
+                      <a:prstDash val="solid"/>
+                      <a:round/>
+                      <a:headEnd type="none" w="med" len="med"/>
+                      <a:tailEnd type="none" w="med" len="med"/>
+                    </a:lnT>
+                    <a:lnB w="12700" cap="flat" cmpd="sng" algn="ctr">
+                      <a:solidFill>
+                        <a:schemeClr val="tx1"/>
+                      </a:solidFill>
+                      <a:prstDash val="solid"/>
+                      <a:round/>
+                      <a:headEnd type="none" w="med" len="med"/>
+                      <a:tailEnd type="none" w="med" len="med"/>
+                    </a:lnB>
+                    <a:solidFill>
+                      <a:schemeClr val="bg2"/>
+                    </a:solidFill>
+                  </a:tcPr>
+                </a:tc>
+                <a:tc>
+                  <a:txBody>
+                    <a:bodyPr/>
+                    <a:lstStyle/>
+                    <a:p>
+                      <a:endParaRPr lang="vi-VN" dirty="0"/>
+                    </a:p>
+                  </a:txBody>
+                  <a:tcPr anchor="ctr">
+                    <a:lnL w="12700" cap="flat" cmpd="sng" algn="ctr">
+                      <a:solidFill>
+                        <a:schemeClr val="tx1"/>
+                      </a:solidFill>
+                      <a:prstDash val="solid"/>
+                      <a:round/>
+                      <a:headEnd type="none" w="med" len="med"/>
+                      <a:tailEnd type="none" w="med" len="med"/>
+                    </a:lnL>
+                    <a:lnR w="12700" cap="flat" cmpd="sng" algn="ctr">
+                      <a:solidFill>
+                        <a:schemeClr val="tx1"/>
+                      </a:solidFill>
+                      <a:prstDash val="solid"/>
+                      <a:round/>
+                      <a:headEnd type="none" w="med" len="med"/>
+                      <a:tailEnd type="none" w="med" len="med"/>
+                    </a:lnR>
+                    <a:lnT w="12700" cap="flat" cmpd="sng" algn="ctr">
+                      <a:solidFill>
+                        <a:schemeClr val="tx1"/>
+                      </a:solidFill>
+                      <a:prstDash val="solid"/>
+                      <a:round/>
+                      <a:headEnd type="none" w="med" len="med"/>
+                      <a:tailEnd type="none" w="med" len="med"/>
+                    </a:lnT>
+                    <a:lnB w="12700" cap="flat" cmpd="sng" algn="ctr">
+                      <a:solidFill>
+                        <a:schemeClr val="tx1"/>
+                      </a:solidFill>
+                      <a:prstDash val="solid"/>
+                      <a:round/>
+                      <a:headEnd type="none" w="med" len="med"/>
+                      <a:tailEnd type="none" w="med" len="med"/>
+                    </a:lnB>
+                    <a:solidFill>
+                      <a:schemeClr val="bg2"/>
+                    </a:solidFill>
+                  </a:tcPr>
+                </a:tc>
+                <a:tc>
+                  <a:txBody>
+                    <a:bodyPr/>
+                    <a:lstStyle/>
+                    <a:p>
+                      <a:endParaRPr lang="vi-VN" dirty="0"/>
+                    </a:p>
+                  </a:txBody>
+                  <a:tcPr anchor="ctr">
+                    <a:lnL w="12700" cap="flat" cmpd="sng" algn="ctr">
+                      <a:solidFill>
+                        <a:schemeClr val="tx1"/>
+                      </a:solidFill>
+                      <a:prstDash val="solid"/>
+                      <a:round/>
+                      <a:headEnd type="none" w="med" len="med"/>
+                      <a:tailEnd type="none" w="med" len="med"/>
+                    </a:lnL>
+                    <a:lnR w="12700" cap="flat" cmpd="sng" algn="ctr">
+                      <a:solidFill>
+                        <a:schemeClr val="tx1"/>
+                      </a:solidFill>
+                      <a:prstDash val="solid"/>
+                      <a:round/>
+                      <a:headEnd type="none" w="med" len="med"/>
+                      <a:tailEnd type="none" w="med" len="med"/>
+                    </a:lnR>
+                    <a:lnT w="12700" cap="flat" cmpd="sng" algn="ctr">
+                      <a:solidFill>
+                        <a:schemeClr val="tx1"/>
+                      </a:solidFill>
+                      <a:prstDash val="solid"/>
+                      <a:round/>
+                      <a:headEnd type="none" w="med" len="med"/>
+                      <a:tailEnd type="none" w="med" len="med"/>
+                    </a:lnT>
+                    <a:lnB w="12700" cap="flat" cmpd="sng" algn="ctr">
+                      <a:solidFill>
+                        <a:schemeClr val="tx1"/>
+                      </a:solidFill>
+                      <a:prstDash val="solid"/>
+                      <a:round/>
+                      <a:headEnd type="none" w="med" len="med"/>
+                      <a:tailEnd type="none" w="med" len="med"/>
+                    </a:lnB>
+                    <a:solidFill>
+                      <a:schemeClr val="bg2"/>
+                    </a:solidFill>
+                  </a:tcPr>
+                </a:tc>
+                <a:tc>
+                  <a:txBody>
+                    <a:bodyPr/>
+                    <a:lstStyle/>
+                    <a:p>
+                      <a:endParaRPr lang="vi-VN" dirty="0"/>
+                    </a:p>
+                  </a:txBody>
+                  <a:tcPr anchor="ctr">
+                    <a:lnL w="12700" cap="flat" cmpd="sng" algn="ctr">
+                      <a:solidFill>
+                        <a:schemeClr val="tx1"/>
+                      </a:solidFill>
+                      <a:prstDash val="solid"/>
+                      <a:round/>
+                      <a:headEnd type="none" w="med" len="med"/>
+                      <a:tailEnd type="none" w="med" len="med"/>
+                    </a:lnL>
+                    <a:lnR w="12700" cap="flat" cmpd="sng" algn="ctr">
+                      <a:solidFill>
+                        <a:schemeClr val="tx1"/>
+                      </a:solidFill>
+                      <a:prstDash val="solid"/>
+                      <a:round/>
+                      <a:headEnd type="none" w="med" len="med"/>
+                      <a:tailEnd type="none" w="med" len="med"/>
+                    </a:lnR>
+                    <a:lnT w="12700" cap="flat" cmpd="sng" algn="ctr">
+                      <a:solidFill>
+                        <a:schemeClr val="tx1"/>
+                      </a:solidFill>
+                      <a:prstDash val="solid"/>
+                      <a:round/>
+                      <a:headEnd type="none" w="med" len="med"/>
+                      <a:tailEnd type="none" w="med" len="med"/>
+                    </a:lnT>
+                    <a:lnB w="12700" cap="flat" cmpd="sng" algn="ctr">
+                      <a:solidFill>
+                        <a:schemeClr val="tx1"/>
+                      </a:solidFill>
+                      <a:prstDash val="solid"/>
+                      <a:round/>
+                      <a:headEnd type="none" w="med" len="med"/>
+                      <a:tailEnd type="none" w="med" len="med"/>
+                    </a:lnB>
+                    <a:solidFill>
+                      <a:schemeClr val="bg2"/>
+                    </a:solidFill>
+                  </a:tcPr>
+                </a:tc>
+                <a:tc>
+                  <a:txBody>
+                    <a:bodyPr/>
+                    <a:lstStyle/>
+                    <a:p>
+                      <a:endParaRPr lang="vi-VN" dirty="0"/>
+                    </a:p>
+                  </a:txBody>
+                  <a:tcPr anchor="ctr">
+                    <a:lnL w="12700" cap="flat" cmpd="sng" algn="ctr">
+                      <a:solidFill>
+                        <a:schemeClr val="tx1"/>
+                      </a:solidFill>
+                      <a:prstDash val="solid"/>
+                      <a:round/>
+                      <a:headEnd type="none" w="med" len="med"/>
+                      <a:tailEnd type="none" w="med" len="med"/>
+                    </a:lnL>
+                    <a:lnR w="12700" cap="flat" cmpd="sng" algn="ctr">
+                      <a:solidFill>
+                        <a:schemeClr val="tx1"/>
+                      </a:solidFill>
+                      <a:prstDash val="solid"/>
+                      <a:round/>
+                      <a:headEnd type="none" w="med" len="med"/>
+                      <a:tailEnd type="none" w="med" len="med"/>
+                    </a:lnR>
+                    <a:lnT w="12700" cap="flat" cmpd="sng" algn="ctr">
+                      <a:solidFill>
+                        <a:schemeClr val="tx1"/>
+                      </a:solidFill>
+                      <a:prstDash val="solid"/>
+                      <a:round/>
+                      <a:headEnd type="none" w="med" len="med"/>
+                      <a:tailEnd type="none" w="med" len="med"/>
+                    </a:lnT>
+                    <a:lnB w="12700" cap="flat" cmpd="sng" algn="ctr">
+                      <a:solidFill>
+                        <a:schemeClr val="tx1"/>
+                      </a:solidFill>
+                      <a:prstDash val="solid"/>
+                      <a:round/>
+                      <a:headEnd type="none" w="med" len="med"/>
+                      <a:tailEnd type="none" w="med" len="med"/>
+                    </a:lnB>
+                    <a:solidFill>
+                      <a:schemeClr val="bg2"/>
+                    </a:solidFill>
+                  </a:tcPr>
+                </a:tc>
+                <a:tc>
+                  <a:txBody>
+                    <a:bodyPr/>
+                    <a:lstStyle/>
+                    <a:p>
+                      <a:endParaRPr lang="vi-VN" dirty="0"/>
+                    </a:p>
+                  </a:txBody>
+                  <a:tcPr anchor="ctr">
+                    <a:lnL w="12700" cap="flat" cmpd="sng" algn="ctr">
+                      <a:solidFill>
+                        <a:schemeClr val="tx1"/>
+                      </a:solidFill>
+                      <a:prstDash val="solid"/>
+                      <a:round/>
+                      <a:headEnd type="none" w="med" len="med"/>
+                      <a:tailEnd type="none" w="med" len="med"/>
+                    </a:lnL>
+                    <a:lnR w="12700" cap="flat" cmpd="sng" algn="ctr">
+                      <a:solidFill>
+                        <a:schemeClr val="tx1"/>
+                      </a:solidFill>
+                      <a:prstDash val="solid"/>
+                      <a:round/>
+                      <a:headEnd type="none" w="med" len="med"/>
+                      <a:tailEnd type="none" w="med" len="med"/>
+                    </a:lnR>
+                    <a:lnT w="12700" cap="flat" cmpd="sng" algn="ctr">
+                      <a:solidFill>
+                        <a:schemeClr val="tx1"/>
+                      </a:solidFill>
+                      <a:prstDash val="solid"/>
+                      <a:round/>
+                      <a:headEnd type="none" w="med" len="med"/>
+                      <a:tailEnd type="none" w="med" len="med"/>
+                    </a:lnT>
+                    <a:lnB w="12700" cap="flat" cmpd="sng" algn="ctr">
+                      <a:solidFill>
+                        <a:schemeClr val="tx1"/>
+                      </a:solidFill>
+                      <a:prstDash val="solid"/>
+                      <a:round/>
+                      <a:headEnd type="none" w="med" len="med"/>
+                      <a:tailEnd type="none" w="med" len="med"/>
+                    </a:lnB>
+                    <a:solidFill>
+                      <a:schemeClr val="bg2"/>
+                    </a:solidFill>
+                  </a:tcPr>
+                </a:tc>
+                <a:tc>
+                  <a:txBody>
+                    <a:bodyPr/>
+                    <a:lstStyle/>
+                    <a:p>
+                      <a:endParaRPr lang="vi-VN" dirty="0"/>
+                    </a:p>
+                  </a:txBody>
+                  <a:tcPr anchor="ctr">
+                    <a:lnL w="12700" cap="flat" cmpd="sng" algn="ctr">
+                      <a:solidFill>
+                        <a:schemeClr val="tx1"/>
+                      </a:solidFill>
+                      <a:prstDash val="solid"/>
+                      <a:round/>
+                      <a:headEnd type="none" w="med" len="med"/>
+                      <a:tailEnd type="none" w="med" len="med"/>
+                    </a:lnL>
+                    <a:lnR w="12700" cap="flat" cmpd="sng" algn="ctr">
+                      <a:solidFill>
+                        <a:schemeClr val="tx1"/>
+                      </a:solidFill>
+                      <a:prstDash val="solid"/>
+                      <a:round/>
+                      <a:headEnd type="none" w="med" len="med"/>
+                      <a:tailEnd type="none" w="med" len="med"/>
+                    </a:lnR>
+                    <a:lnT w="12700" cap="flat" cmpd="sng" algn="ctr">
+                      <a:solidFill>
+                        <a:schemeClr val="tx1"/>
+                      </a:solidFill>
+                      <a:prstDash val="solid"/>
+                      <a:round/>
+                      <a:headEnd type="none" w="med" len="med"/>
+                      <a:tailEnd type="none" w="med" len="med"/>
+                    </a:lnT>
+                    <a:lnB w="12700" cap="flat" cmpd="sng" algn="ctr">
+                      <a:solidFill>
+                        <a:schemeClr val="tx1"/>
+                      </a:solidFill>
+                      <a:prstDash val="solid"/>
+                      <a:round/>
+                      <a:headEnd type="none" w="med" len="med"/>
+                      <a:tailEnd type="none" w="med" len="med"/>
+                    </a:lnB>
+                    <a:solidFill>
+                      <a:schemeClr val="bg1"/>
+                    </a:solidFill>
+                  </a:tcPr>
+                </a:tc>
+                <a:extLst>
+                  <a:ext uri="{0D108BD9-81ED-4DB2-BD59-A6C34878D82A}">
+                    <a16:rowId xmlns:a16="http://schemas.microsoft.com/office/drawing/2014/main" val="645039101"/>
+                  </a:ext>
+                </a:extLst>
+              </a:tr>
+              <a:tr h="360000">
+                <a:tc>
+                  <a:txBody>
+                    <a:bodyPr/>
+                    <a:lstStyle/>
+                    <a:p>
+                      <a:endParaRPr lang="vi-VN"/>
+                    </a:p>
+                  </a:txBody>
+                  <a:tcPr anchor="ctr">
+                    <a:lnL w="12700" cap="flat" cmpd="sng" algn="ctr">
+                      <a:solidFill>
+                        <a:schemeClr val="tx1"/>
+                      </a:solidFill>
+                      <a:prstDash val="solid"/>
+                      <a:round/>
+                      <a:headEnd type="none" w="med" len="med"/>
+                      <a:tailEnd type="none" w="med" len="med"/>
+                    </a:lnL>
+                    <a:lnR w="12700" cap="flat" cmpd="sng" algn="ctr">
+                      <a:solidFill>
+                        <a:schemeClr val="tx1"/>
+                      </a:solidFill>
+                      <a:prstDash val="solid"/>
+                      <a:round/>
+                      <a:headEnd type="none" w="med" len="med"/>
+                      <a:tailEnd type="none" w="med" len="med"/>
+                    </a:lnR>
+                    <a:lnT w="12700" cap="flat" cmpd="sng" algn="ctr">
+                      <a:solidFill>
+                        <a:schemeClr val="tx1"/>
+                      </a:solidFill>
+                      <a:prstDash val="solid"/>
+                      <a:round/>
+                      <a:headEnd type="none" w="med" len="med"/>
+                      <a:tailEnd type="none" w="med" len="med"/>
+                    </a:lnT>
+                    <a:lnB w="12700" cap="flat" cmpd="sng" algn="ctr">
+                      <a:solidFill>
+                        <a:schemeClr val="tx1"/>
+                      </a:solidFill>
+                      <a:prstDash val="solid"/>
+                      <a:round/>
+                      <a:headEnd type="none" w="med" len="med"/>
+                      <a:tailEnd type="none" w="med" len="med"/>
+                    </a:lnB>
+                    <a:solidFill>
+                      <a:schemeClr val="bg1"/>
+                    </a:solidFill>
+                  </a:tcPr>
+                </a:tc>
+                <a:tc>
+                  <a:txBody>
+                    <a:bodyPr/>
+                    <a:lstStyle/>
+                    <a:p>
+                      <a:endParaRPr lang="vi-VN" dirty="0"/>
+                    </a:p>
+                  </a:txBody>
+                  <a:tcPr anchor="ctr">
+                    <a:lnL w="12700" cap="flat" cmpd="sng" algn="ctr">
+                      <a:solidFill>
+                        <a:schemeClr val="tx1"/>
+                      </a:solidFill>
+                      <a:prstDash val="solid"/>
+                      <a:round/>
+                      <a:headEnd type="none" w="med" len="med"/>
+                      <a:tailEnd type="none" w="med" len="med"/>
+                    </a:lnL>
+                    <a:lnR w="12700" cap="flat" cmpd="sng" algn="ctr">
+                      <a:solidFill>
+                        <a:schemeClr val="tx1"/>
+                      </a:solidFill>
+                      <a:prstDash val="solid"/>
+                      <a:round/>
+                      <a:headEnd type="none" w="med" len="med"/>
+                      <a:tailEnd type="none" w="med" len="med"/>
+                    </a:lnR>
+                    <a:lnT w="12700" cap="flat" cmpd="sng" algn="ctr">
+                      <a:solidFill>
+                        <a:schemeClr val="tx1"/>
+                      </a:solidFill>
+                      <a:prstDash val="solid"/>
+                      <a:round/>
+                      <a:headEnd type="none" w="med" len="med"/>
+                      <a:tailEnd type="none" w="med" len="med"/>
+                    </a:lnT>
+                    <a:lnB w="12700" cap="flat" cmpd="sng" algn="ctr">
+                      <a:solidFill>
+                        <a:schemeClr val="tx1"/>
+                      </a:solidFill>
+                      <a:prstDash val="solid"/>
+                      <a:round/>
+                      <a:headEnd type="none" w="med" len="med"/>
+                      <a:tailEnd type="none" w="med" len="med"/>
+                    </a:lnB>
+                    <a:solidFill>
+                      <a:schemeClr val="bg2"/>
+                    </a:solidFill>
+                  </a:tcPr>
+                </a:tc>
+                <a:tc>
+                  <a:txBody>
+                    <a:bodyPr/>
+                    <a:lstStyle/>
+                    <a:p>
+                      <a:endParaRPr lang="vi-VN" dirty="0"/>
+                    </a:p>
+                  </a:txBody>
+                  <a:tcPr anchor="ctr">
+                    <a:lnL w="12700" cap="flat" cmpd="sng" algn="ctr">
+                      <a:solidFill>
+                        <a:schemeClr val="tx1"/>
+                      </a:solidFill>
+                      <a:prstDash val="solid"/>
+                      <a:round/>
+                      <a:headEnd type="none" w="med" len="med"/>
+                      <a:tailEnd type="none" w="med" len="med"/>
+                    </a:lnL>
+                    <a:lnR w="12700" cap="flat" cmpd="sng" algn="ctr">
+                      <a:solidFill>
+                        <a:schemeClr val="tx1"/>
+                      </a:solidFill>
+                      <a:prstDash val="solid"/>
+                      <a:round/>
+                      <a:headEnd type="none" w="med" len="med"/>
+                      <a:tailEnd type="none" w="med" len="med"/>
+                    </a:lnR>
+                    <a:lnT w="12700" cap="flat" cmpd="sng" algn="ctr">
+                      <a:solidFill>
+                        <a:schemeClr val="tx1"/>
+                      </a:solidFill>
+                      <a:prstDash val="solid"/>
+                      <a:round/>
+                      <a:headEnd type="none" w="med" len="med"/>
+                      <a:tailEnd type="none" w="med" len="med"/>
+                    </a:lnT>
+                    <a:lnB w="12700" cap="flat" cmpd="sng" algn="ctr">
+                      <a:solidFill>
+                        <a:schemeClr val="tx1"/>
+                      </a:solidFill>
+                      <a:prstDash val="solid"/>
+                      <a:round/>
+                      <a:headEnd type="none" w="med" len="med"/>
+                      <a:tailEnd type="none" w="med" len="med"/>
+                    </a:lnB>
+                    <a:solidFill>
+                      <a:schemeClr val="tx1">
+                        <a:lumMod val="85000"/>
+                        <a:lumOff val="15000"/>
+                      </a:schemeClr>
+                    </a:solidFill>
+                  </a:tcPr>
+                </a:tc>
+                <a:tc>
+                  <a:txBody>
+                    <a:bodyPr/>
+                    <a:lstStyle/>
+                    <a:p>
+                      <a:endParaRPr lang="vi-VN" dirty="0"/>
+                    </a:p>
+                  </a:txBody>
+                  <a:tcPr anchor="ctr">
+                    <a:lnL w="12700" cap="flat" cmpd="sng" algn="ctr">
+                      <a:solidFill>
+                        <a:schemeClr val="tx1"/>
+                      </a:solidFill>
+                      <a:prstDash val="solid"/>
+                      <a:round/>
+                      <a:headEnd type="none" w="med" len="med"/>
+                      <a:tailEnd type="none" w="med" len="med"/>
+                    </a:lnL>
+                    <a:lnR w="12700" cap="flat" cmpd="sng" algn="ctr">
+                      <a:solidFill>
+                        <a:schemeClr val="tx1"/>
+                      </a:solidFill>
+                      <a:prstDash val="solid"/>
+                      <a:round/>
+                      <a:headEnd type="none" w="med" len="med"/>
+                      <a:tailEnd type="none" w="med" len="med"/>
+                    </a:lnR>
+                    <a:lnT w="12700" cap="flat" cmpd="sng" algn="ctr">
+                      <a:solidFill>
+                        <a:schemeClr val="tx1"/>
+                      </a:solidFill>
+                      <a:prstDash val="solid"/>
+                      <a:round/>
+                      <a:headEnd type="none" w="med" len="med"/>
+                      <a:tailEnd type="none" w="med" len="med"/>
+                    </a:lnT>
+                    <a:lnB w="12700" cap="flat" cmpd="sng" algn="ctr">
+                      <a:solidFill>
+                        <a:schemeClr val="tx1"/>
+                      </a:solidFill>
+                      <a:prstDash val="solid"/>
+                      <a:round/>
+                      <a:headEnd type="none" w="med" len="med"/>
+                      <a:tailEnd type="none" w="med" len="med"/>
+                    </a:lnB>
+                    <a:solidFill>
+                      <a:schemeClr val="tx1">
+                        <a:lumMod val="85000"/>
+                        <a:lumOff val="15000"/>
+                      </a:schemeClr>
+                    </a:solidFill>
+                  </a:tcPr>
+                </a:tc>
+                <a:tc>
+                  <a:txBody>
+                    <a:bodyPr/>
+                    <a:lstStyle/>
+                    <a:p>
+                      <a:endParaRPr lang="vi-VN" dirty="0"/>
+                    </a:p>
+                  </a:txBody>
+                  <a:tcPr anchor="ctr">
+                    <a:lnL w="12700" cap="flat" cmpd="sng" algn="ctr">
+                      <a:solidFill>
+                        <a:schemeClr val="tx1"/>
+                      </a:solidFill>
+                      <a:prstDash val="solid"/>
+                      <a:round/>
+                      <a:headEnd type="none" w="med" len="med"/>
+                      <a:tailEnd type="none" w="med" len="med"/>
+                    </a:lnL>
+                    <a:lnR w="12700" cap="flat" cmpd="sng" algn="ctr">
+                      <a:solidFill>
+                        <a:schemeClr val="tx1"/>
+                      </a:solidFill>
+                      <a:prstDash val="solid"/>
+                      <a:round/>
+                      <a:headEnd type="none" w="med" len="med"/>
+                      <a:tailEnd type="none" w="med" len="med"/>
+                    </a:lnR>
+                    <a:lnT w="12700" cap="flat" cmpd="sng" algn="ctr">
+                      <a:solidFill>
+                        <a:schemeClr val="tx1"/>
+                      </a:solidFill>
+                      <a:prstDash val="solid"/>
+                      <a:round/>
+                      <a:headEnd type="none" w="med" len="med"/>
+                      <a:tailEnd type="none" w="med" len="med"/>
+                    </a:lnT>
+                    <a:lnB w="12700" cap="flat" cmpd="sng" algn="ctr">
+                      <a:solidFill>
+                        <a:schemeClr val="tx1"/>
+                      </a:solidFill>
+                      <a:prstDash val="solid"/>
+                      <a:round/>
+                      <a:headEnd type="none" w="med" len="med"/>
+                      <a:tailEnd type="none" w="med" len="med"/>
+                    </a:lnB>
+                    <a:solidFill>
+                      <a:schemeClr val="tx1">
+                        <a:lumMod val="85000"/>
+                        <a:lumOff val="15000"/>
+                      </a:schemeClr>
+                    </a:solidFill>
+                  </a:tcPr>
+                </a:tc>
+                <a:tc>
+                  <a:txBody>
+                    <a:bodyPr/>
+                    <a:lstStyle/>
+                    <a:p>
+                      <a:endParaRPr lang="vi-VN" dirty="0"/>
+                    </a:p>
+                  </a:txBody>
+                  <a:tcPr anchor="ctr">
+                    <a:lnL w="12700" cap="flat" cmpd="sng" algn="ctr">
+                      <a:solidFill>
+                        <a:schemeClr val="tx1"/>
+                      </a:solidFill>
+                      <a:prstDash val="solid"/>
+                      <a:round/>
+                      <a:headEnd type="none" w="med" len="med"/>
+                      <a:tailEnd type="none" w="med" len="med"/>
+                    </a:lnL>
+                    <a:lnR w="12700" cap="flat" cmpd="sng" algn="ctr">
+                      <a:solidFill>
+                        <a:schemeClr val="tx1"/>
+                      </a:solidFill>
+                      <a:prstDash val="solid"/>
+                      <a:round/>
+                      <a:headEnd type="none" w="med" len="med"/>
+                      <a:tailEnd type="none" w="med" len="med"/>
+                    </a:lnR>
+                    <a:lnT w="12700" cap="flat" cmpd="sng" algn="ctr">
+                      <a:solidFill>
+                        <a:schemeClr val="tx1"/>
+                      </a:solidFill>
+                      <a:prstDash val="solid"/>
+                      <a:round/>
+                      <a:headEnd type="none" w="med" len="med"/>
+                      <a:tailEnd type="none" w="med" len="med"/>
+                    </a:lnT>
+                    <a:lnB w="12700" cap="flat" cmpd="sng" algn="ctr">
+                      <a:solidFill>
+                        <a:schemeClr val="tx1"/>
+                      </a:solidFill>
+                      <a:prstDash val="solid"/>
+                      <a:round/>
+                      <a:headEnd type="none" w="med" len="med"/>
+                      <a:tailEnd type="none" w="med" len="med"/>
+                    </a:lnB>
+                    <a:solidFill>
+                      <a:schemeClr val="tx1">
+                        <a:lumMod val="85000"/>
+                        <a:lumOff val="15000"/>
+                      </a:schemeClr>
+                    </a:solidFill>
+                  </a:tcPr>
+                </a:tc>
+                <a:tc>
+                  <a:txBody>
+                    <a:bodyPr/>
+                    <a:lstStyle/>
+                    <a:p>
+                      <a:endParaRPr lang="vi-VN" dirty="0"/>
+                    </a:p>
+                  </a:txBody>
+                  <a:tcPr anchor="ctr">
+                    <a:lnL w="12700" cap="flat" cmpd="sng" algn="ctr">
+                      <a:solidFill>
+                        <a:schemeClr val="tx1"/>
+                      </a:solidFill>
+                      <a:prstDash val="solid"/>
+                      <a:round/>
+                      <a:headEnd type="none" w="med" len="med"/>
+                      <a:tailEnd type="none" w="med" len="med"/>
+                    </a:lnL>
+                    <a:lnR w="12700" cap="flat" cmpd="sng" algn="ctr">
+                      <a:solidFill>
+                        <a:schemeClr val="tx1"/>
+                      </a:solidFill>
+                      <a:prstDash val="solid"/>
+                      <a:round/>
+                      <a:headEnd type="none" w="med" len="med"/>
+                      <a:tailEnd type="none" w="med" len="med"/>
+                    </a:lnR>
+                    <a:lnT w="12700" cap="flat" cmpd="sng" algn="ctr">
+                      <a:solidFill>
+                        <a:schemeClr val="tx1"/>
+                      </a:solidFill>
+                      <a:prstDash val="solid"/>
+                      <a:round/>
+                      <a:headEnd type="none" w="med" len="med"/>
+                      <a:tailEnd type="none" w="med" len="med"/>
+                    </a:lnT>
+                    <a:lnB w="12700" cap="flat" cmpd="sng" algn="ctr">
+                      <a:solidFill>
+                        <a:schemeClr val="tx1"/>
+                      </a:solidFill>
+                      <a:prstDash val="solid"/>
+                      <a:round/>
+                      <a:headEnd type="none" w="med" len="med"/>
+                      <a:tailEnd type="none" w="med" len="med"/>
+                    </a:lnB>
+                    <a:solidFill>
+                      <a:schemeClr val="tx1">
+                        <a:lumMod val="85000"/>
+                        <a:lumOff val="15000"/>
+                      </a:schemeClr>
+                    </a:solidFill>
+                  </a:tcPr>
+                </a:tc>
+                <a:tc>
+                  <a:txBody>
+                    <a:bodyPr/>
+                    <a:lstStyle/>
+                    <a:p>
+                      <a:endParaRPr lang="vi-VN"/>
+                    </a:p>
+                  </a:txBody>
+                  <a:tcPr anchor="ctr">
+                    <a:lnL w="12700" cap="flat" cmpd="sng" algn="ctr">
+                      <a:solidFill>
+                        <a:schemeClr val="tx1"/>
+                      </a:solidFill>
+                      <a:prstDash val="solid"/>
+                      <a:round/>
+                      <a:headEnd type="none" w="med" len="med"/>
+                      <a:tailEnd type="none" w="med" len="med"/>
+                    </a:lnL>
+                    <a:lnR w="12700" cap="flat" cmpd="sng" algn="ctr">
+                      <a:solidFill>
+                        <a:schemeClr val="tx1"/>
+                      </a:solidFill>
+                      <a:prstDash val="solid"/>
+                      <a:round/>
+                      <a:headEnd type="none" w="med" len="med"/>
+                      <a:tailEnd type="none" w="med" len="med"/>
+                    </a:lnR>
+                    <a:lnT w="12700" cap="flat" cmpd="sng" algn="ctr">
+                      <a:solidFill>
+                        <a:schemeClr val="tx1"/>
+                      </a:solidFill>
+                      <a:prstDash val="solid"/>
+                      <a:round/>
+                      <a:headEnd type="none" w="med" len="med"/>
+                      <a:tailEnd type="none" w="med" len="med"/>
+                    </a:lnT>
+                    <a:lnB w="12700" cap="flat" cmpd="sng" algn="ctr">
+                      <a:solidFill>
+                        <a:schemeClr val="tx1"/>
+                      </a:solidFill>
+                      <a:prstDash val="solid"/>
+                      <a:round/>
+                      <a:headEnd type="none" w="med" len="med"/>
+                      <a:tailEnd type="none" w="med" len="med"/>
+                    </a:lnB>
+                    <a:solidFill>
+                      <a:schemeClr val="bg1"/>
+                    </a:solidFill>
+                  </a:tcPr>
+                </a:tc>
+                <a:extLst>
+                  <a:ext uri="{0D108BD9-81ED-4DB2-BD59-A6C34878D82A}">
+                    <a16:rowId xmlns:a16="http://schemas.microsoft.com/office/drawing/2014/main" val="3839536102"/>
+                  </a:ext>
+                </a:extLst>
+              </a:tr>
+              <a:tr h="360000">
+                <a:tc>
+                  <a:txBody>
+                    <a:bodyPr/>
+                    <a:lstStyle/>
+                    <a:p>
+                      <a:endParaRPr lang="vi-VN"/>
+                    </a:p>
+                  </a:txBody>
+                  <a:tcPr anchor="ctr">
+                    <a:lnL w="12700" cap="flat" cmpd="sng" algn="ctr">
+                      <a:solidFill>
+                        <a:schemeClr val="tx1"/>
+                      </a:solidFill>
+                      <a:prstDash val="solid"/>
+                      <a:round/>
+                      <a:headEnd type="none" w="med" len="med"/>
+                      <a:tailEnd type="none" w="med" len="med"/>
+                    </a:lnL>
+                    <a:lnR w="12700" cap="flat" cmpd="sng" algn="ctr">
+                      <a:solidFill>
+                        <a:schemeClr val="tx1"/>
+                      </a:solidFill>
+                      <a:prstDash val="solid"/>
+                      <a:round/>
+                      <a:headEnd type="none" w="med" len="med"/>
+                      <a:tailEnd type="none" w="med" len="med"/>
+                    </a:lnR>
+                    <a:lnT w="12700" cap="flat" cmpd="sng" algn="ctr">
+                      <a:solidFill>
+                        <a:schemeClr val="tx1"/>
+                      </a:solidFill>
+                      <a:prstDash val="solid"/>
+                      <a:round/>
+                      <a:headEnd type="none" w="med" len="med"/>
+                      <a:tailEnd type="none" w="med" len="med"/>
+                    </a:lnT>
+                    <a:lnB w="12700" cap="flat" cmpd="sng" algn="ctr">
+                      <a:solidFill>
+                        <a:schemeClr val="tx1"/>
+                      </a:solidFill>
+                      <a:prstDash val="solid"/>
+                      <a:round/>
+                      <a:headEnd type="none" w="med" len="med"/>
+                      <a:tailEnd type="none" w="med" len="med"/>
+                    </a:lnB>
+                    <a:solidFill>
+                      <a:schemeClr val="bg1"/>
+                    </a:solidFill>
+                  </a:tcPr>
+                </a:tc>
+                <a:tc>
+                  <a:txBody>
+                    <a:bodyPr/>
+                    <a:lstStyle/>
+                    <a:p>
+                      <a:endParaRPr lang="vi-VN" dirty="0"/>
+                    </a:p>
+                  </a:txBody>
+                  <a:tcPr anchor="ctr">
+                    <a:lnL w="12700" cap="flat" cmpd="sng" algn="ctr">
+                      <a:solidFill>
+                        <a:schemeClr val="tx1"/>
+                      </a:solidFill>
+                      <a:prstDash val="solid"/>
+                      <a:round/>
+                      <a:headEnd type="none" w="med" len="med"/>
+                      <a:tailEnd type="none" w="med" len="med"/>
+                    </a:lnL>
+                    <a:lnR w="12700" cap="flat" cmpd="sng" algn="ctr">
+                      <a:solidFill>
+                        <a:schemeClr val="tx1"/>
+                      </a:solidFill>
+                      <a:prstDash val="solid"/>
+                      <a:round/>
+                      <a:headEnd type="none" w="med" len="med"/>
+                      <a:tailEnd type="none" w="med" len="med"/>
+                    </a:lnR>
+                    <a:lnT w="12700" cap="flat" cmpd="sng" algn="ctr">
+                      <a:solidFill>
+                        <a:schemeClr val="tx1"/>
+                      </a:solidFill>
+                      <a:prstDash val="solid"/>
+                      <a:round/>
+                      <a:headEnd type="none" w="med" len="med"/>
+                      <a:tailEnd type="none" w="med" len="med"/>
+                    </a:lnT>
+                    <a:lnB w="12700" cap="flat" cmpd="sng" algn="ctr">
+                      <a:solidFill>
+                        <a:schemeClr val="tx1"/>
+                      </a:solidFill>
+                      <a:prstDash val="solid"/>
+                      <a:round/>
+                      <a:headEnd type="none" w="med" len="med"/>
+                      <a:tailEnd type="none" w="med" len="med"/>
+                    </a:lnB>
+                    <a:solidFill>
+                      <a:schemeClr val="bg2"/>
+                    </a:solidFill>
+                  </a:tcPr>
+                </a:tc>
+                <a:tc>
+                  <a:txBody>
+                    <a:bodyPr/>
+                    <a:lstStyle/>
+                    <a:p>
+                      <a:endParaRPr lang="vi-VN" dirty="0"/>
+                    </a:p>
+                  </a:txBody>
+                  <a:tcPr anchor="ctr">
+                    <a:lnL w="12700" cap="flat" cmpd="sng" algn="ctr">
+                      <a:solidFill>
+                        <a:schemeClr val="tx1"/>
+                      </a:solidFill>
+                      <a:prstDash val="solid"/>
+                      <a:round/>
+                      <a:headEnd type="none" w="med" len="med"/>
+                      <a:tailEnd type="none" w="med" len="med"/>
+                    </a:lnL>
+                    <a:lnR w="12700" cap="flat" cmpd="sng" algn="ctr">
+                      <a:solidFill>
+                        <a:schemeClr val="tx1"/>
+                      </a:solidFill>
+                      <a:prstDash val="solid"/>
+                      <a:round/>
+                      <a:headEnd type="none" w="med" len="med"/>
+                      <a:tailEnd type="none" w="med" len="med"/>
+                    </a:lnR>
+                    <a:lnT w="12700" cap="flat" cmpd="sng" algn="ctr">
+                      <a:solidFill>
+                        <a:schemeClr val="tx1"/>
+                      </a:solidFill>
+                      <a:prstDash val="solid"/>
+                      <a:round/>
+                      <a:headEnd type="none" w="med" len="med"/>
+                      <a:tailEnd type="none" w="med" len="med"/>
+                    </a:lnT>
+                    <a:lnB w="12700" cap="flat" cmpd="sng" algn="ctr">
+                      <a:solidFill>
+                        <a:schemeClr val="tx1"/>
+                      </a:solidFill>
+                      <a:prstDash val="solid"/>
+                      <a:round/>
+                      <a:headEnd type="none" w="med" len="med"/>
+                      <a:tailEnd type="none" w="med" len="med"/>
+                    </a:lnB>
+                    <a:solidFill>
+                      <a:schemeClr val="tx1">
+                        <a:lumMod val="85000"/>
+                        <a:lumOff val="15000"/>
+                      </a:schemeClr>
+                    </a:solidFill>
+                  </a:tcPr>
+                </a:tc>
+                <a:tc>
+                  <a:txBody>
+                    <a:bodyPr/>
+                    <a:lstStyle/>
+                    <a:p>
+                      <a:endParaRPr lang="vi-VN" dirty="0"/>
+                    </a:p>
+                  </a:txBody>
+                  <a:tcPr anchor="ctr">
+                    <a:lnL w="12700" cap="flat" cmpd="sng" algn="ctr">
+                      <a:solidFill>
+                        <a:schemeClr val="tx1"/>
+                      </a:solidFill>
+                      <a:prstDash val="solid"/>
+                      <a:round/>
+                      <a:headEnd type="none" w="med" len="med"/>
+                      <a:tailEnd type="none" w="med" len="med"/>
+                    </a:lnL>
+                    <a:lnR w="12700" cap="flat" cmpd="sng" algn="ctr">
+                      <a:solidFill>
+                        <a:schemeClr val="tx1"/>
+                      </a:solidFill>
+                      <a:prstDash val="solid"/>
+                      <a:round/>
+                      <a:headEnd type="none" w="med" len="med"/>
+                      <a:tailEnd type="none" w="med" len="med"/>
+                    </a:lnR>
+                    <a:lnT w="12700" cap="flat" cmpd="sng" algn="ctr">
+                      <a:solidFill>
+                        <a:schemeClr val="tx1"/>
+                      </a:solidFill>
+                      <a:prstDash val="solid"/>
+                      <a:round/>
+                      <a:headEnd type="none" w="med" len="med"/>
+                      <a:tailEnd type="none" w="med" len="med"/>
+                    </a:lnT>
+                    <a:lnB w="12700" cap="flat" cmpd="sng" algn="ctr">
+                      <a:solidFill>
+                        <a:schemeClr val="tx1"/>
+                      </a:solidFill>
+                      <a:prstDash val="solid"/>
+                      <a:round/>
+                      <a:headEnd type="none" w="med" len="med"/>
+                      <a:tailEnd type="none" w="med" len="med"/>
+                    </a:lnB>
+                    <a:solidFill>
+                      <a:schemeClr val="tx1"/>
+                    </a:solidFill>
+                  </a:tcPr>
+                </a:tc>
+                <a:tc>
+                  <a:txBody>
+                    <a:bodyPr/>
+                    <a:lstStyle/>
+                    <a:p>
+                      <a:endParaRPr lang="vi-VN" dirty="0"/>
+                    </a:p>
+                  </a:txBody>
+                  <a:tcPr anchor="ctr">
+                    <a:lnL w="12700" cap="flat" cmpd="sng" algn="ctr">
+                      <a:solidFill>
+                        <a:schemeClr val="tx1"/>
+                      </a:solidFill>
+                      <a:prstDash val="solid"/>
+                      <a:round/>
+                      <a:headEnd type="none" w="med" len="med"/>
+                      <a:tailEnd type="none" w="med" len="med"/>
+                    </a:lnL>
+                    <a:lnR w="12700" cap="flat" cmpd="sng" algn="ctr">
+                      <a:solidFill>
+                        <a:schemeClr val="tx1"/>
+                      </a:solidFill>
+                      <a:prstDash val="solid"/>
+                      <a:round/>
+                      <a:headEnd type="none" w="med" len="med"/>
+                      <a:tailEnd type="none" w="med" len="med"/>
+                    </a:lnR>
+                    <a:lnT w="12700" cap="flat" cmpd="sng" algn="ctr">
+                      <a:solidFill>
+                        <a:schemeClr val="tx1"/>
+                      </a:solidFill>
+                      <a:prstDash val="solid"/>
+                      <a:round/>
+                      <a:headEnd type="none" w="med" len="med"/>
+                      <a:tailEnd type="none" w="med" len="med"/>
+                    </a:lnT>
+                    <a:lnB w="12700" cap="flat" cmpd="sng" algn="ctr">
+                      <a:solidFill>
+                        <a:schemeClr val="tx1"/>
+                      </a:solidFill>
+                      <a:prstDash val="solid"/>
+                      <a:round/>
+                      <a:headEnd type="none" w="med" len="med"/>
+                      <a:tailEnd type="none" w="med" len="med"/>
+                    </a:lnB>
+                    <a:solidFill>
+                      <a:schemeClr val="tx1"/>
+                    </a:solidFill>
+                  </a:tcPr>
+                </a:tc>
+                <a:tc>
+                  <a:txBody>
+                    <a:bodyPr/>
+                    <a:lstStyle/>
+                    <a:p>
+                      <a:endParaRPr lang="vi-VN" dirty="0"/>
+                    </a:p>
+                  </a:txBody>
+                  <a:tcPr anchor="ctr">
+                    <a:lnL w="12700" cap="flat" cmpd="sng" algn="ctr">
+                      <a:solidFill>
+                        <a:schemeClr val="tx1"/>
+                      </a:solidFill>
+                      <a:prstDash val="solid"/>
+                      <a:round/>
+                      <a:headEnd type="none" w="med" len="med"/>
+                      <a:tailEnd type="none" w="med" len="med"/>
+                    </a:lnL>
+                    <a:lnR w="12700" cap="flat" cmpd="sng" algn="ctr">
+                      <a:solidFill>
+                        <a:schemeClr val="tx1"/>
+                      </a:solidFill>
+                      <a:prstDash val="solid"/>
+                      <a:round/>
+                      <a:headEnd type="none" w="med" len="med"/>
+                      <a:tailEnd type="none" w="med" len="med"/>
+                    </a:lnR>
+                    <a:lnT w="12700" cap="flat" cmpd="sng" algn="ctr">
+                      <a:solidFill>
+                        <a:schemeClr val="tx1"/>
+                      </a:solidFill>
+                      <a:prstDash val="solid"/>
+                      <a:round/>
+                      <a:headEnd type="none" w="med" len="med"/>
+                      <a:tailEnd type="none" w="med" len="med"/>
+                    </a:lnT>
+                    <a:lnB w="12700" cap="flat" cmpd="sng" algn="ctr">
+                      <a:solidFill>
+                        <a:schemeClr val="tx1"/>
+                      </a:solidFill>
+                      <a:prstDash val="solid"/>
+                      <a:round/>
+                      <a:headEnd type="none" w="med" len="med"/>
+                      <a:tailEnd type="none" w="med" len="med"/>
+                    </a:lnB>
+                    <a:solidFill>
+                      <a:schemeClr val="bg2">
+                        <a:lumMod val="10000"/>
+                      </a:schemeClr>
+                    </a:solidFill>
+                  </a:tcPr>
+                </a:tc>
+                <a:tc>
+                  <a:txBody>
+                    <a:bodyPr/>
+                    <a:lstStyle/>
+                    <a:p>
+                      <a:endParaRPr lang="vi-VN" dirty="0"/>
+                    </a:p>
+                  </a:txBody>
+                  <a:tcPr anchor="ctr">
+                    <a:lnL w="12700" cap="flat" cmpd="sng" algn="ctr">
+                      <a:solidFill>
+                        <a:schemeClr val="tx1"/>
+                      </a:solidFill>
+                      <a:prstDash val="solid"/>
+                      <a:round/>
+                      <a:headEnd type="none" w="med" len="med"/>
+                      <a:tailEnd type="none" w="med" len="med"/>
+                    </a:lnL>
+                    <a:lnR w="12700" cap="flat" cmpd="sng" algn="ctr">
+                      <a:solidFill>
+                        <a:schemeClr val="tx1"/>
+                      </a:solidFill>
+                      <a:prstDash val="solid"/>
+                      <a:round/>
+                      <a:headEnd type="none" w="med" len="med"/>
+                      <a:tailEnd type="none" w="med" len="med"/>
+                    </a:lnR>
+                    <a:lnT w="12700" cap="flat" cmpd="sng" algn="ctr">
+                      <a:solidFill>
+                        <a:schemeClr val="tx1"/>
+                      </a:solidFill>
+                      <a:prstDash val="solid"/>
+                      <a:round/>
+                      <a:headEnd type="none" w="med" len="med"/>
+                      <a:tailEnd type="none" w="med" len="med"/>
+                    </a:lnT>
+                    <a:lnB w="12700" cap="flat" cmpd="sng" algn="ctr">
+                      <a:solidFill>
+                        <a:schemeClr val="tx1"/>
+                      </a:solidFill>
+                      <a:prstDash val="solid"/>
+                      <a:round/>
+                      <a:headEnd type="none" w="med" len="med"/>
+                      <a:tailEnd type="none" w="med" len="med"/>
+                    </a:lnB>
+                    <a:solidFill>
+                      <a:schemeClr val="bg2">
+                        <a:lumMod val="10000"/>
+                      </a:schemeClr>
+                    </a:solidFill>
+                  </a:tcPr>
+                </a:tc>
+                <a:tc>
+                  <a:txBody>
+                    <a:bodyPr/>
+                    <a:lstStyle/>
+                    <a:p>
+                      <a:endParaRPr lang="vi-VN"/>
+                    </a:p>
+                  </a:txBody>
+                  <a:tcPr anchor="ctr">
+                    <a:lnL w="12700" cap="flat" cmpd="sng" algn="ctr">
+                      <a:solidFill>
+                        <a:schemeClr val="tx1"/>
+                      </a:solidFill>
+                      <a:prstDash val="solid"/>
+                      <a:round/>
+                      <a:headEnd type="none" w="med" len="med"/>
+                      <a:tailEnd type="none" w="med" len="med"/>
+                    </a:lnL>
+                    <a:lnR w="12700" cap="flat" cmpd="sng" algn="ctr">
+                      <a:solidFill>
+                        <a:schemeClr val="tx1"/>
+                      </a:solidFill>
+                      <a:prstDash val="solid"/>
+                      <a:round/>
+                      <a:headEnd type="none" w="med" len="med"/>
+                      <a:tailEnd type="none" w="med" len="med"/>
+                    </a:lnR>
+                    <a:lnT w="12700" cap="flat" cmpd="sng" algn="ctr">
+                      <a:solidFill>
+                        <a:schemeClr val="tx1"/>
+                      </a:solidFill>
+                      <a:prstDash val="solid"/>
+                      <a:round/>
+                      <a:headEnd type="none" w="med" len="med"/>
+                      <a:tailEnd type="none" w="med" len="med"/>
+                    </a:lnT>
+                    <a:lnB w="12700" cap="flat" cmpd="sng" algn="ctr">
+                      <a:solidFill>
+                        <a:schemeClr val="tx1"/>
+                      </a:solidFill>
+                      <a:prstDash val="solid"/>
+                      <a:round/>
+                      <a:headEnd type="none" w="med" len="med"/>
+                      <a:tailEnd type="none" w="med" len="med"/>
+                    </a:lnB>
+                    <a:solidFill>
+                      <a:schemeClr val="bg1"/>
+                    </a:solidFill>
+                  </a:tcPr>
+                </a:tc>
+                <a:extLst>
+                  <a:ext uri="{0D108BD9-81ED-4DB2-BD59-A6C34878D82A}">
+                    <a16:rowId xmlns:a16="http://schemas.microsoft.com/office/drawing/2014/main" val="2841914742"/>
+                  </a:ext>
+                </a:extLst>
+              </a:tr>
+              <a:tr h="360000">
+                <a:tc>
+                  <a:txBody>
+                    <a:bodyPr/>
+                    <a:lstStyle/>
+                    <a:p>
+                      <a:endParaRPr lang="vi-VN"/>
+                    </a:p>
+                  </a:txBody>
+                  <a:tcPr anchor="ctr">
+                    <a:lnL w="12700" cap="flat" cmpd="sng" algn="ctr">
+                      <a:solidFill>
+                        <a:schemeClr val="tx1"/>
+                      </a:solidFill>
+                      <a:prstDash val="solid"/>
+                      <a:round/>
+                      <a:headEnd type="none" w="med" len="med"/>
+                      <a:tailEnd type="none" w="med" len="med"/>
+                    </a:lnL>
+                    <a:lnR w="12700" cap="flat" cmpd="sng" algn="ctr">
+                      <a:solidFill>
+                        <a:schemeClr val="tx1"/>
+                      </a:solidFill>
+                      <a:prstDash val="solid"/>
+                      <a:round/>
+                      <a:headEnd type="none" w="med" len="med"/>
+                      <a:tailEnd type="none" w="med" len="med"/>
+                    </a:lnR>
+                    <a:lnT w="12700" cap="flat" cmpd="sng" algn="ctr">
+                      <a:solidFill>
+                        <a:schemeClr val="tx1"/>
+                      </a:solidFill>
+                      <a:prstDash val="solid"/>
+                      <a:round/>
+                      <a:headEnd type="none" w="med" len="med"/>
+                      <a:tailEnd type="none" w="med" len="med"/>
+                    </a:lnT>
+                    <a:lnB w="12700" cap="flat" cmpd="sng" algn="ctr">
+                      <a:solidFill>
+                        <a:schemeClr val="tx1"/>
+                      </a:solidFill>
+                      <a:prstDash val="solid"/>
+                      <a:round/>
+                      <a:headEnd type="none" w="med" len="med"/>
+                      <a:tailEnd type="none" w="med" len="med"/>
+                    </a:lnB>
+                    <a:solidFill>
+                      <a:schemeClr val="bg1"/>
+                    </a:solidFill>
+                  </a:tcPr>
+                </a:tc>
+                <a:tc>
+                  <a:txBody>
+                    <a:bodyPr/>
+                    <a:lstStyle/>
+                    <a:p>
+                      <a:endParaRPr lang="vi-VN" dirty="0"/>
+                    </a:p>
+                  </a:txBody>
+                  <a:tcPr anchor="ctr">
+                    <a:lnL w="12700" cap="flat" cmpd="sng" algn="ctr">
+                      <a:solidFill>
+                        <a:schemeClr val="tx1"/>
+                      </a:solidFill>
+                      <a:prstDash val="solid"/>
+                      <a:round/>
+                      <a:headEnd type="none" w="med" len="med"/>
+                      <a:tailEnd type="none" w="med" len="med"/>
+                    </a:lnL>
+                    <a:lnR w="12700" cap="flat" cmpd="sng" algn="ctr">
+                      <a:solidFill>
+                        <a:schemeClr val="tx1"/>
+                      </a:solidFill>
+                      <a:prstDash val="solid"/>
+                      <a:round/>
+                      <a:headEnd type="none" w="med" len="med"/>
+                      <a:tailEnd type="none" w="med" len="med"/>
+                    </a:lnR>
+                    <a:lnT w="12700" cap="flat" cmpd="sng" algn="ctr">
+                      <a:solidFill>
+                        <a:schemeClr val="tx1"/>
+                      </a:solidFill>
+                      <a:prstDash val="solid"/>
+                      <a:round/>
+                      <a:headEnd type="none" w="med" len="med"/>
+                      <a:tailEnd type="none" w="med" len="med"/>
+                    </a:lnT>
+                    <a:lnB w="12700" cap="flat" cmpd="sng" algn="ctr">
+                      <a:solidFill>
+                        <a:schemeClr val="tx1"/>
+                      </a:solidFill>
+                      <a:prstDash val="solid"/>
+                      <a:round/>
+                      <a:headEnd type="none" w="med" len="med"/>
+                      <a:tailEnd type="none" w="med" len="med"/>
+                    </a:lnB>
+                    <a:solidFill>
+                      <a:schemeClr val="bg2"/>
+                    </a:solidFill>
+                  </a:tcPr>
+                </a:tc>
+                <a:tc>
+                  <a:txBody>
+                    <a:bodyPr/>
+                    <a:lstStyle/>
+                    <a:p>
+                      <a:endParaRPr lang="vi-VN" dirty="0"/>
+                    </a:p>
+                  </a:txBody>
+                  <a:tcPr anchor="ctr">
+                    <a:lnL w="12700" cap="flat" cmpd="sng" algn="ctr">
+                      <a:solidFill>
+                        <a:schemeClr val="tx1"/>
+                      </a:solidFill>
+                      <a:prstDash val="solid"/>
+                      <a:round/>
+                      <a:headEnd type="none" w="med" len="med"/>
+                      <a:tailEnd type="none" w="med" len="med"/>
+                    </a:lnL>
+                    <a:lnR w="12700" cap="flat" cmpd="sng" algn="ctr">
+                      <a:solidFill>
+                        <a:schemeClr val="tx1"/>
+                      </a:solidFill>
+                      <a:prstDash val="solid"/>
+                      <a:round/>
+                      <a:headEnd type="none" w="med" len="med"/>
+                      <a:tailEnd type="none" w="med" len="med"/>
+                    </a:lnR>
+                    <a:lnT w="12700" cap="flat" cmpd="sng" algn="ctr">
+                      <a:solidFill>
+                        <a:schemeClr val="tx1"/>
+                      </a:solidFill>
+                      <a:prstDash val="solid"/>
+                      <a:round/>
+                      <a:headEnd type="none" w="med" len="med"/>
+                      <a:tailEnd type="none" w="med" len="med"/>
+                    </a:lnT>
+                    <a:lnB w="12700" cap="flat" cmpd="sng" algn="ctr">
+                      <a:solidFill>
+                        <a:schemeClr val="tx1"/>
+                      </a:solidFill>
+                      <a:prstDash val="solid"/>
+                      <a:round/>
+                      <a:headEnd type="none" w="med" len="med"/>
+                      <a:tailEnd type="none" w="med" len="med"/>
+                    </a:lnB>
+                    <a:solidFill>
+                      <a:schemeClr val="tx1">
+                        <a:lumMod val="85000"/>
+                        <a:lumOff val="15000"/>
+                      </a:schemeClr>
+                    </a:solidFill>
+                  </a:tcPr>
+                </a:tc>
+                <a:tc>
+                  <a:txBody>
+                    <a:bodyPr/>
+                    <a:lstStyle/>
+                    <a:p>
+                      <a:endParaRPr lang="vi-VN"/>
+                    </a:p>
+                  </a:txBody>
+                  <a:tcPr anchor="ctr">
+                    <a:lnL w="12700" cap="flat" cmpd="sng" algn="ctr">
+                      <a:solidFill>
+                        <a:schemeClr val="tx1"/>
+                      </a:solidFill>
+                      <a:prstDash val="solid"/>
+                      <a:round/>
+                      <a:headEnd type="none" w="med" len="med"/>
+                      <a:tailEnd type="none" w="med" len="med"/>
+                    </a:lnL>
+                    <a:lnR w="12700" cap="flat" cmpd="sng" algn="ctr">
+                      <a:solidFill>
+                        <a:schemeClr val="tx1"/>
+                      </a:solidFill>
+                      <a:prstDash val="solid"/>
+                      <a:round/>
+                      <a:headEnd type="none" w="med" len="med"/>
+                      <a:tailEnd type="none" w="med" len="med"/>
+                    </a:lnR>
+                    <a:lnT w="12700" cap="flat" cmpd="sng" algn="ctr">
+                      <a:solidFill>
+                        <a:schemeClr val="tx1"/>
+                      </a:solidFill>
+                      <a:prstDash val="solid"/>
+                      <a:round/>
+                      <a:headEnd type="none" w="med" len="med"/>
+                      <a:tailEnd type="none" w="med" len="med"/>
+                    </a:lnT>
+                    <a:lnB w="12700" cap="flat" cmpd="sng" algn="ctr">
+                      <a:solidFill>
+                        <a:schemeClr val="tx1"/>
+                      </a:solidFill>
+                      <a:prstDash val="solid"/>
+                      <a:round/>
+                      <a:headEnd type="none" w="med" len="med"/>
+                      <a:tailEnd type="none" w="med" len="med"/>
+                    </a:lnB>
+                    <a:solidFill>
+                      <a:schemeClr val="tx1"/>
+                    </a:solidFill>
+                  </a:tcPr>
+                </a:tc>
+                <a:tc>
+                  <a:txBody>
+                    <a:bodyPr/>
+                    <a:lstStyle/>
+                    <a:p>
+                      <a:endParaRPr lang="vi-VN" dirty="0"/>
+                    </a:p>
+                  </a:txBody>
+                  <a:tcPr anchor="ctr">
+                    <a:lnL w="12700" cap="flat" cmpd="sng" algn="ctr">
+                      <a:solidFill>
+                        <a:schemeClr val="tx1"/>
+                      </a:solidFill>
+                      <a:prstDash val="solid"/>
+                      <a:round/>
+                      <a:headEnd type="none" w="med" len="med"/>
+                      <a:tailEnd type="none" w="med" len="med"/>
+                    </a:lnL>
+                    <a:lnR w="12700" cap="flat" cmpd="sng" algn="ctr">
+                      <a:solidFill>
+                        <a:schemeClr val="tx1"/>
+                      </a:solidFill>
+                      <a:prstDash val="solid"/>
+                      <a:round/>
+                      <a:headEnd type="none" w="med" len="med"/>
+                      <a:tailEnd type="none" w="med" len="med"/>
+                    </a:lnR>
+                    <a:lnT w="12700" cap="flat" cmpd="sng" algn="ctr">
+                      <a:solidFill>
+                        <a:schemeClr val="tx1"/>
+                      </a:solidFill>
+                      <a:prstDash val="solid"/>
+                      <a:round/>
+                      <a:headEnd type="none" w="med" len="med"/>
+                      <a:tailEnd type="none" w="med" len="med"/>
+                    </a:lnT>
+                    <a:lnB w="12700" cap="flat" cmpd="sng" algn="ctr">
+                      <a:solidFill>
+                        <a:schemeClr val="tx1"/>
+                      </a:solidFill>
+                      <a:prstDash val="solid"/>
+                      <a:round/>
+                      <a:headEnd type="none" w="med" len="med"/>
+                      <a:tailEnd type="none" w="med" len="med"/>
+                    </a:lnB>
+                    <a:solidFill>
+                      <a:schemeClr val="tx1"/>
+                    </a:solidFill>
+                  </a:tcPr>
+                </a:tc>
+                <a:tc>
+                  <a:txBody>
+                    <a:bodyPr/>
+                    <a:lstStyle/>
+                    <a:p>
+                      <a:endParaRPr lang="vi-VN" dirty="0"/>
+                    </a:p>
+                  </a:txBody>
+                  <a:tcPr anchor="ctr">
+                    <a:lnL w="12700" cap="flat" cmpd="sng" algn="ctr">
+                      <a:solidFill>
+                        <a:schemeClr val="tx1"/>
+                      </a:solidFill>
+                      <a:prstDash val="solid"/>
+                      <a:round/>
+                      <a:headEnd type="none" w="med" len="med"/>
+                      <a:tailEnd type="none" w="med" len="med"/>
+                    </a:lnL>
+                    <a:lnR w="12700" cap="flat" cmpd="sng" algn="ctr">
+                      <a:solidFill>
+                        <a:schemeClr val="tx1"/>
+                      </a:solidFill>
+                      <a:prstDash val="solid"/>
+                      <a:round/>
+                      <a:headEnd type="none" w="med" len="med"/>
+                      <a:tailEnd type="none" w="med" len="med"/>
+                    </a:lnR>
+                    <a:lnT w="12700" cap="flat" cmpd="sng" algn="ctr">
+                      <a:solidFill>
+                        <a:schemeClr val="tx1"/>
+                      </a:solidFill>
+                      <a:prstDash val="solid"/>
+                      <a:round/>
+                      <a:headEnd type="none" w="med" len="med"/>
+                      <a:tailEnd type="none" w="med" len="med"/>
+                    </a:lnT>
+                    <a:lnB w="12700" cap="flat" cmpd="sng" algn="ctr">
+                      <a:solidFill>
+                        <a:schemeClr val="tx1"/>
+                      </a:solidFill>
+                      <a:prstDash val="solid"/>
+                      <a:round/>
+                      <a:headEnd type="none" w="med" len="med"/>
+                      <a:tailEnd type="none" w="med" len="med"/>
+                    </a:lnB>
+                    <a:solidFill>
+                      <a:schemeClr val="bg2">
+                        <a:lumMod val="10000"/>
+                      </a:schemeClr>
+                    </a:solidFill>
+                  </a:tcPr>
+                </a:tc>
+                <a:tc>
+                  <a:txBody>
+                    <a:bodyPr/>
+                    <a:lstStyle/>
+                    <a:p>
+                      <a:endParaRPr lang="vi-VN" dirty="0"/>
+                    </a:p>
+                  </a:txBody>
+                  <a:tcPr anchor="ctr">
+                    <a:lnL w="12700" cap="flat" cmpd="sng" algn="ctr">
+                      <a:solidFill>
+                        <a:schemeClr val="tx1"/>
+                      </a:solidFill>
+                      <a:prstDash val="solid"/>
+                      <a:round/>
+                      <a:headEnd type="none" w="med" len="med"/>
+                      <a:tailEnd type="none" w="med" len="med"/>
+                    </a:lnL>
+                    <a:lnR w="12700" cap="flat" cmpd="sng" algn="ctr">
+                      <a:solidFill>
+                        <a:schemeClr val="tx1"/>
+                      </a:solidFill>
+                      <a:prstDash val="solid"/>
+                      <a:round/>
+                      <a:headEnd type="none" w="med" len="med"/>
+                      <a:tailEnd type="none" w="med" len="med"/>
+                    </a:lnR>
+                    <a:lnT w="12700" cap="flat" cmpd="sng" algn="ctr">
+                      <a:solidFill>
+                        <a:schemeClr val="tx1"/>
+                      </a:solidFill>
+                      <a:prstDash val="solid"/>
+                      <a:round/>
+                      <a:headEnd type="none" w="med" len="med"/>
+                      <a:tailEnd type="none" w="med" len="med"/>
+                    </a:lnT>
+                    <a:lnB w="12700" cap="flat" cmpd="sng" algn="ctr">
+                      <a:solidFill>
+                        <a:schemeClr val="tx1"/>
+                      </a:solidFill>
+                      <a:prstDash val="solid"/>
+                      <a:round/>
+                      <a:headEnd type="none" w="med" len="med"/>
+                      <a:tailEnd type="none" w="med" len="med"/>
+                    </a:lnB>
+                    <a:solidFill>
+                      <a:schemeClr val="bg2">
+                        <a:lumMod val="10000"/>
+                      </a:schemeClr>
+                    </a:solidFill>
+                  </a:tcPr>
+                </a:tc>
+                <a:tc>
+                  <a:txBody>
+                    <a:bodyPr/>
+                    <a:lstStyle/>
+                    <a:p>
+                      <a:endParaRPr lang="vi-VN"/>
+                    </a:p>
+                  </a:txBody>
+                  <a:tcPr anchor="ctr">
+                    <a:lnL w="12700" cap="flat" cmpd="sng" algn="ctr">
+                      <a:solidFill>
+                        <a:schemeClr val="tx1"/>
+                      </a:solidFill>
+                      <a:prstDash val="solid"/>
+                      <a:round/>
+                      <a:headEnd type="none" w="med" len="med"/>
+                      <a:tailEnd type="none" w="med" len="med"/>
+                    </a:lnL>
+                    <a:lnR w="12700" cap="flat" cmpd="sng" algn="ctr">
+                      <a:solidFill>
+                        <a:schemeClr val="tx1"/>
+                      </a:solidFill>
+                      <a:prstDash val="solid"/>
+                      <a:round/>
+                      <a:headEnd type="none" w="med" len="med"/>
+                      <a:tailEnd type="none" w="med" len="med"/>
+                    </a:lnR>
+                    <a:lnT w="12700" cap="flat" cmpd="sng" algn="ctr">
+                      <a:solidFill>
+                        <a:schemeClr val="tx1"/>
+                      </a:solidFill>
+                      <a:prstDash val="solid"/>
+                      <a:round/>
+                      <a:headEnd type="none" w="med" len="med"/>
+                      <a:tailEnd type="none" w="med" len="med"/>
+                    </a:lnT>
+                    <a:lnB w="12700" cap="flat" cmpd="sng" algn="ctr">
+                      <a:solidFill>
+                        <a:schemeClr val="tx1"/>
+                      </a:solidFill>
+                      <a:prstDash val="solid"/>
+                      <a:round/>
+                      <a:headEnd type="none" w="med" len="med"/>
+                      <a:tailEnd type="none" w="med" len="med"/>
+                    </a:lnB>
+                    <a:solidFill>
+                      <a:schemeClr val="bg1"/>
+                    </a:solidFill>
+                  </a:tcPr>
+                </a:tc>
+                <a:extLst>
+                  <a:ext uri="{0D108BD9-81ED-4DB2-BD59-A6C34878D82A}">
+                    <a16:rowId xmlns:a16="http://schemas.microsoft.com/office/drawing/2014/main" val="46190772"/>
+                  </a:ext>
+                </a:extLst>
+              </a:tr>
+              <a:tr h="360000">
+                <a:tc>
+                  <a:txBody>
+                    <a:bodyPr/>
+                    <a:lstStyle/>
+                    <a:p>
+                      <a:endParaRPr lang="vi-VN"/>
+                    </a:p>
+                  </a:txBody>
+                  <a:tcPr anchor="ctr">
+                    <a:lnL w="12700" cap="flat" cmpd="sng" algn="ctr">
+                      <a:solidFill>
+                        <a:schemeClr val="tx1"/>
+                      </a:solidFill>
+                      <a:prstDash val="solid"/>
+                      <a:round/>
+                      <a:headEnd type="none" w="med" len="med"/>
+                      <a:tailEnd type="none" w="med" len="med"/>
+                    </a:lnL>
+                    <a:lnR w="12700" cap="flat" cmpd="sng" algn="ctr">
+                      <a:solidFill>
+                        <a:schemeClr val="tx1"/>
+                      </a:solidFill>
+                      <a:prstDash val="solid"/>
+                      <a:round/>
+                      <a:headEnd type="none" w="med" len="med"/>
+                      <a:tailEnd type="none" w="med" len="med"/>
+                    </a:lnR>
+                    <a:lnT w="12700" cap="flat" cmpd="sng" algn="ctr">
+                      <a:solidFill>
+                        <a:schemeClr val="tx1"/>
+                      </a:solidFill>
+                      <a:prstDash val="solid"/>
+                      <a:round/>
+                      <a:headEnd type="none" w="med" len="med"/>
+                      <a:tailEnd type="none" w="med" len="med"/>
+                    </a:lnT>
+                    <a:lnB w="12700" cap="flat" cmpd="sng" algn="ctr">
+                      <a:solidFill>
+                        <a:schemeClr val="tx1"/>
+                      </a:solidFill>
+                      <a:prstDash val="solid"/>
+                      <a:round/>
+                      <a:headEnd type="none" w="med" len="med"/>
+                      <a:tailEnd type="none" w="med" len="med"/>
+                    </a:lnB>
+                    <a:solidFill>
+                      <a:schemeClr val="bg1"/>
+                    </a:solidFill>
+                  </a:tcPr>
+                </a:tc>
+                <a:tc>
+                  <a:txBody>
+                    <a:bodyPr/>
+                    <a:lstStyle/>
+                    <a:p>
+                      <a:endParaRPr lang="vi-VN" dirty="0"/>
+                    </a:p>
+                  </a:txBody>
+                  <a:tcPr anchor="ctr">
+                    <a:lnL w="12700" cap="flat" cmpd="sng" algn="ctr">
+                      <a:solidFill>
+                        <a:schemeClr val="tx1"/>
+                      </a:solidFill>
+                      <a:prstDash val="solid"/>
+                      <a:round/>
+                      <a:headEnd type="none" w="med" len="med"/>
+                      <a:tailEnd type="none" w="med" len="med"/>
+                    </a:lnL>
+                    <a:lnR w="12700" cap="flat" cmpd="sng" algn="ctr">
+                      <a:solidFill>
+                        <a:schemeClr val="tx1"/>
+                      </a:solidFill>
+                      <a:prstDash val="solid"/>
+                      <a:round/>
+                      <a:headEnd type="none" w="med" len="med"/>
+                      <a:tailEnd type="none" w="med" len="med"/>
+                    </a:lnR>
+                    <a:lnT w="12700" cap="flat" cmpd="sng" algn="ctr">
+                      <a:solidFill>
+                        <a:schemeClr val="tx1"/>
+                      </a:solidFill>
+                      <a:prstDash val="solid"/>
+                      <a:round/>
+                      <a:headEnd type="none" w="med" len="med"/>
+                      <a:tailEnd type="none" w="med" len="med"/>
+                    </a:lnT>
+                    <a:lnB w="12700" cap="flat" cmpd="sng" algn="ctr">
+                      <a:solidFill>
+                        <a:schemeClr val="tx1"/>
+                      </a:solidFill>
+                      <a:prstDash val="solid"/>
+                      <a:round/>
+                      <a:headEnd type="none" w="med" len="med"/>
+                      <a:tailEnd type="none" w="med" len="med"/>
+                    </a:lnB>
+                    <a:solidFill>
+                      <a:schemeClr val="bg2"/>
+                    </a:solidFill>
+                  </a:tcPr>
+                </a:tc>
+                <a:tc>
+                  <a:txBody>
+                    <a:bodyPr/>
+                    <a:lstStyle/>
+                    <a:p>
+                      <a:endParaRPr lang="vi-VN" dirty="0"/>
+                    </a:p>
+                  </a:txBody>
+                  <a:tcPr anchor="ctr">
+                    <a:lnL w="12700" cap="flat" cmpd="sng" algn="ctr">
+                      <a:solidFill>
+                        <a:schemeClr val="tx1"/>
+                      </a:solidFill>
+                      <a:prstDash val="solid"/>
+                      <a:round/>
+                      <a:headEnd type="none" w="med" len="med"/>
+                      <a:tailEnd type="none" w="med" len="med"/>
+                    </a:lnL>
+                    <a:lnR w="12700" cap="flat" cmpd="sng" algn="ctr">
+                      <a:solidFill>
+                        <a:schemeClr val="tx1"/>
+                      </a:solidFill>
+                      <a:prstDash val="solid"/>
+                      <a:round/>
+                      <a:headEnd type="none" w="med" len="med"/>
+                      <a:tailEnd type="none" w="med" len="med"/>
+                    </a:lnR>
+                    <a:lnT w="12700" cap="flat" cmpd="sng" algn="ctr">
+                      <a:solidFill>
+                        <a:schemeClr val="tx1"/>
+                      </a:solidFill>
+                      <a:prstDash val="solid"/>
+                      <a:round/>
+                      <a:headEnd type="none" w="med" len="med"/>
+                      <a:tailEnd type="none" w="med" len="med"/>
+                    </a:lnT>
+                    <a:lnB w="12700" cap="flat" cmpd="sng" algn="ctr">
+                      <a:solidFill>
+                        <a:schemeClr val="tx1"/>
+                      </a:solidFill>
+                      <a:prstDash val="solid"/>
+                      <a:round/>
+                      <a:headEnd type="none" w="med" len="med"/>
+                      <a:tailEnd type="none" w="med" len="med"/>
+                    </a:lnB>
+                    <a:solidFill>
+                      <a:schemeClr val="tx1">
+                        <a:lumMod val="85000"/>
+                        <a:lumOff val="15000"/>
+                      </a:schemeClr>
+                    </a:solidFill>
+                  </a:tcPr>
+                </a:tc>
+                <a:tc>
+                  <a:txBody>
+                    <a:bodyPr/>
+                    <a:lstStyle/>
+                    <a:p>
+                      <a:endParaRPr lang="vi-VN"/>
+                    </a:p>
+                  </a:txBody>
+                  <a:tcPr anchor="ctr">
+                    <a:lnL w="12700" cap="flat" cmpd="sng" algn="ctr">
+                      <a:solidFill>
+                        <a:schemeClr val="tx1"/>
+                      </a:solidFill>
+                      <a:prstDash val="solid"/>
+                      <a:round/>
+                      <a:headEnd type="none" w="med" len="med"/>
+                      <a:tailEnd type="none" w="med" len="med"/>
+                    </a:lnL>
+                    <a:lnR w="12700" cap="flat" cmpd="sng" algn="ctr">
+                      <a:solidFill>
+                        <a:schemeClr val="tx1"/>
+                      </a:solidFill>
+                      <a:prstDash val="solid"/>
+                      <a:round/>
+                      <a:headEnd type="none" w="med" len="med"/>
+                      <a:tailEnd type="none" w="med" len="med"/>
+                    </a:lnR>
+                    <a:lnT w="12700" cap="flat" cmpd="sng" algn="ctr">
+                      <a:solidFill>
+                        <a:schemeClr val="tx1"/>
+                      </a:solidFill>
+                      <a:prstDash val="solid"/>
+                      <a:round/>
+                      <a:headEnd type="none" w="med" len="med"/>
+                      <a:tailEnd type="none" w="med" len="med"/>
+                    </a:lnT>
+                    <a:lnB w="12700" cap="flat" cmpd="sng" algn="ctr">
+                      <a:solidFill>
+                        <a:schemeClr val="tx1"/>
+                      </a:solidFill>
+                      <a:prstDash val="solid"/>
+                      <a:round/>
+                      <a:headEnd type="none" w="med" len="med"/>
+                      <a:tailEnd type="none" w="med" len="med"/>
+                    </a:lnB>
+                    <a:solidFill>
+                      <a:schemeClr val="tx1"/>
+                    </a:solidFill>
+                  </a:tcPr>
+                </a:tc>
+                <a:tc>
+                  <a:txBody>
+                    <a:bodyPr/>
+                    <a:lstStyle/>
+                    <a:p>
+                      <a:endParaRPr lang="vi-VN" dirty="0"/>
+                    </a:p>
+                  </a:txBody>
+                  <a:tcPr anchor="ctr">
+                    <a:lnL w="12700" cap="flat" cmpd="sng" algn="ctr">
+                      <a:solidFill>
+                        <a:schemeClr val="tx1"/>
+                      </a:solidFill>
+                      <a:prstDash val="solid"/>
+                      <a:round/>
+                      <a:headEnd type="none" w="med" len="med"/>
+                      <a:tailEnd type="none" w="med" len="med"/>
+                    </a:lnL>
+                    <a:lnR w="12700" cap="flat" cmpd="sng" algn="ctr">
+                      <a:solidFill>
+                        <a:schemeClr val="tx1"/>
+                      </a:solidFill>
+                      <a:prstDash val="solid"/>
+                      <a:round/>
+                      <a:headEnd type="none" w="med" len="med"/>
+                      <a:tailEnd type="none" w="med" len="med"/>
+                    </a:lnR>
+                    <a:lnT w="12700" cap="flat" cmpd="sng" algn="ctr">
+                      <a:solidFill>
+                        <a:schemeClr val="tx1"/>
+                      </a:solidFill>
+                      <a:prstDash val="solid"/>
+                      <a:round/>
+                      <a:headEnd type="none" w="med" len="med"/>
+                      <a:tailEnd type="none" w="med" len="med"/>
+                    </a:lnT>
+                    <a:lnB w="12700" cap="flat" cmpd="sng" algn="ctr">
+                      <a:solidFill>
+                        <a:schemeClr val="tx1"/>
+                      </a:solidFill>
+                      <a:prstDash val="solid"/>
+                      <a:round/>
+                      <a:headEnd type="none" w="med" len="med"/>
+                      <a:tailEnd type="none" w="med" len="med"/>
+                    </a:lnB>
+                    <a:solidFill>
+                      <a:schemeClr val="tx1"/>
+                    </a:solidFill>
+                  </a:tcPr>
+                </a:tc>
+                <a:tc>
+                  <a:txBody>
+                    <a:bodyPr/>
+                    <a:lstStyle/>
+                    <a:p>
+                      <a:endParaRPr lang="vi-VN"/>
+                    </a:p>
+                  </a:txBody>
+                  <a:tcPr anchor="ctr">
+                    <a:lnL w="12700" cap="flat" cmpd="sng" algn="ctr">
+                      <a:solidFill>
+                        <a:schemeClr val="tx1"/>
+                      </a:solidFill>
+                      <a:prstDash val="solid"/>
+                      <a:round/>
+                      <a:headEnd type="none" w="med" len="med"/>
+                      <a:tailEnd type="none" w="med" len="med"/>
+                    </a:lnL>
+                    <a:lnR w="12700" cap="flat" cmpd="sng" algn="ctr">
+                      <a:solidFill>
+                        <a:schemeClr val="tx1"/>
+                      </a:solidFill>
+                      <a:prstDash val="solid"/>
+                      <a:round/>
+                      <a:headEnd type="none" w="med" len="med"/>
+                      <a:tailEnd type="none" w="med" len="med"/>
+                    </a:lnR>
+                    <a:lnT w="12700" cap="flat" cmpd="sng" algn="ctr">
+                      <a:solidFill>
+                        <a:schemeClr val="tx1"/>
+                      </a:solidFill>
+                      <a:prstDash val="solid"/>
+                      <a:round/>
+                      <a:headEnd type="none" w="med" len="med"/>
+                      <a:tailEnd type="none" w="med" len="med"/>
+                    </a:lnT>
+                    <a:lnB w="12700" cap="flat" cmpd="sng" algn="ctr">
+                      <a:solidFill>
+                        <a:schemeClr val="tx1"/>
+                      </a:solidFill>
+                      <a:prstDash val="solid"/>
+                      <a:round/>
+                      <a:headEnd type="none" w="med" len="med"/>
+                      <a:tailEnd type="none" w="med" len="med"/>
+                    </a:lnB>
+                    <a:solidFill>
+                      <a:schemeClr val="bg1"/>
+                    </a:solidFill>
+                  </a:tcPr>
+                </a:tc>
+                <a:tc>
+                  <a:txBody>
+                    <a:bodyPr/>
+                    <a:lstStyle/>
+                    <a:p>
+                      <a:endParaRPr lang="vi-VN"/>
+                    </a:p>
+                  </a:txBody>
+                  <a:tcPr anchor="ctr">
+                    <a:lnL w="12700" cap="flat" cmpd="sng" algn="ctr">
+                      <a:solidFill>
+                        <a:schemeClr val="tx1"/>
+                      </a:solidFill>
+                      <a:prstDash val="solid"/>
+                      <a:round/>
+                      <a:headEnd type="none" w="med" len="med"/>
+                      <a:tailEnd type="none" w="med" len="med"/>
+                    </a:lnL>
+                    <a:lnR w="12700" cap="flat" cmpd="sng" algn="ctr">
+                      <a:solidFill>
+                        <a:schemeClr val="tx1"/>
+                      </a:solidFill>
+                      <a:prstDash val="solid"/>
+                      <a:round/>
+                      <a:headEnd type="none" w="med" len="med"/>
+                      <a:tailEnd type="none" w="med" len="med"/>
+                    </a:lnR>
+                    <a:lnT w="12700" cap="flat" cmpd="sng" algn="ctr">
+                      <a:solidFill>
+                        <a:schemeClr val="tx1"/>
+                      </a:solidFill>
+                      <a:prstDash val="solid"/>
+                      <a:round/>
+                      <a:headEnd type="none" w="med" len="med"/>
+                      <a:tailEnd type="none" w="med" len="med"/>
+                    </a:lnT>
+                    <a:lnB w="12700" cap="flat" cmpd="sng" algn="ctr">
+                      <a:solidFill>
+                        <a:schemeClr val="tx1"/>
+                      </a:solidFill>
+                      <a:prstDash val="solid"/>
+                      <a:round/>
+                      <a:headEnd type="none" w="med" len="med"/>
+                      <a:tailEnd type="none" w="med" len="med"/>
+                    </a:lnB>
+                    <a:solidFill>
+                      <a:schemeClr val="bg1"/>
+                    </a:solidFill>
+                  </a:tcPr>
+                </a:tc>
+                <a:tc>
+                  <a:txBody>
+                    <a:bodyPr/>
+                    <a:lstStyle/>
+                    <a:p>
+                      <a:endParaRPr lang="vi-VN"/>
+                    </a:p>
+                  </a:txBody>
+                  <a:tcPr anchor="ctr">
+                    <a:lnL w="12700" cap="flat" cmpd="sng" algn="ctr">
+                      <a:solidFill>
+                        <a:schemeClr val="tx1"/>
+                      </a:solidFill>
+                      <a:prstDash val="solid"/>
+                      <a:round/>
+                      <a:headEnd type="none" w="med" len="med"/>
+                      <a:tailEnd type="none" w="med" len="med"/>
+                    </a:lnL>
+                    <a:lnR w="12700" cap="flat" cmpd="sng" algn="ctr">
+                      <a:solidFill>
+                        <a:schemeClr val="tx1"/>
+                      </a:solidFill>
+                      <a:prstDash val="solid"/>
+                      <a:round/>
+                      <a:headEnd type="none" w="med" len="med"/>
+                      <a:tailEnd type="none" w="med" len="med"/>
+                    </a:lnR>
+                    <a:lnT w="12700" cap="flat" cmpd="sng" algn="ctr">
+                      <a:solidFill>
+                        <a:schemeClr val="tx1"/>
+                      </a:solidFill>
+                      <a:prstDash val="solid"/>
+                      <a:round/>
+                      <a:headEnd type="none" w="med" len="med"/>
+                      <a:tailEnd type="none" w="med" len="med"/>
+                    </a:lnT>
+                    <a:lnB w="12700" cap="flat" cmpd="sng" algn="ctr">
+                      <a:solidFill>
+                        <a:schemeClr val="tx1"/>
+                      </a:solidFill>
+                      <a:prstDash val="solid"/>
+                      <a:round/>
+                      <a:headEnd type="none" w="med" len="med"/>
+                      <a:tailEnd type="none" w="med" len="med"/>
+                    </a:lnB>
+                    <a:solidFill>
+                      <a:schemeClr val="bg1"/>
+                    </a:solidFill>
+                  </a:tcPr>
+                </a:tc>
+                <a:extLst>
+                  <a:ext uri="{0D108BD9-81ED-4DB2-BD59-A6C34878D82A}">
+                    <a16:rowId xmlns:a16="http://schemas.microsoft.com/office/drawing/2014/main" val="4170194864"/>
+                  </a:ext>
+                </a:extLst>
+              </a:tr>
+              <a:tr h="360000">
+                <a:tc>
+                  <a:txBody>
+                    <a:bodyPr/>
+                    <a:lstStyle/>
+                    <a:p>
+                      <a:endParaRPr lang="vi-VN"/>
+                    </a:p>
+                  </a:txBody>
+                  <a:tcPr anchor="ctr">
+                    <a:lnL w="12700" cap="flat" cmpd="sng" algn="ctr">
+                      <a:solidFill>
+                        <a:schemeClr val="tx1"/>
+                      </a:solidFill>
+                      <a:prstDash val="solid"/>
+                      <a:round/>
+                      <a:headEnd type="none" w="med" len="med"/>
+                      <a:tailEnd type="none" w="med" len="med"/>
+                    </a:lnL>
+                    <a:lnR w="12700" cap="flat" cmpd="sng" algn="ctr">
+                      <a:solidFill>
+                        <a:schemeClr val="tx1"/>
+                      </a:solidFill>
+                      <a:prstDash val="solid"/>
+                      <a:round/>
+                      <a:headEnd type="none" w="med" len="med"/>
+                      <a:tailEnd type="none" w="med" len="med"/>
+                    </a:lnR>
+                    <a:lnT w="12700" cap="flat" cmpd="sng" algn="ctr">
+                      <a:solidFill>
+                        <a:schemeClr val="tx1"/>
+                      </a:solidFill>
+                      <a:prstDash val="solid"/>
+                      <a:round/>
+                      <a:headEnd type="none" w="med" len="med"/>
+                      <a:tailEnd type="none" w="med" len="med"/>
+                    </a:lnT>
+                    <a:lnB w="12700" cap="flat" cmpd="sng" algn="ctr">
+                      <a:solidFill>
+                        <a:schemeClr val="tx1"/>
+                      </a:solidFill>
+                      <a:prstDash val="solid"/>
+                      <a:round/>
+                      <a:headEnd type="none" w="med" len="med"/>
+                      <a:tailEnd type="none" w="med" len="med"/>
+                    </a:lnB>
+                    <a:solidFill>
+                      <a:schemeClr val="bg1"/>
+                    </a:solidFill>
+                  </a:tcPr>
+                </a:tc>
+                <a:tc>
+                  <a:txBody>
+                    <a:bodyPr/>
+                    <a:lstStyle/>
+                    <a:p>
+                      <a:endParaRPr lang="vi-VN" dirty="0"/>
+                    </a:p>
+                  </a:txBody>
+                  <a:tcPr anchor="ctr">
+                    <a:lnL w="12700" cap="flat" cmpd="sng" algn="ctr">
+                      <a:solidFill>
+                        <a:schemeClr val="tx1"/>
+                      </a:solidFill>
+                      <a:prstDash val="solid"/>
+                      <a:round/>
+                      <a:headEnd type="none" w="med" len="med"/>
+                      <a:tailEnd type="none" w="med" len="med"/>
+                    </a:lnL>
+                    <a:lnR w="12700" cap="flat" cmpd="sng" algn="ctr">
+                      <a:solidFill>
+                        <a:schemeClr val="tx1"/>
+                      </a:solidFill>
+                      <a:prstDash val="solid"/>
+                      <a:round/>
+                      <a:headEnd type="none" w="med" len="med"/>
+                      <a:tailEnd type="none" w="med" len="med"/>
+                    </a:lnR>
+                    <a:lnT w="12700" cap="flat" cmpd="sng" algn="ctr">
+                      <a:solidFill>
+                        <a:schemeClr val="tx1"/>
+                      </a:solidFill>
+                      <a:prstDash val="solid"/>
+                      <a:round/>
+                      <a:headEnd type="none" w="med" len="med"/>
+                      <a:tailEnd type="none" w="med" len="med"/>
+                    </a:lnT>
+                    <a:lnB w="12700" cap="flat" cmpd="sng" algn="ctr">
+                      <a:solidFill>
+                        <a:schemeClr val="tx1"/>
+                      </a:solidFill>
+                      <a:prstDash val="solid"/>
+                      <a:round/>
+                      <a:headEnd type="none" w="med" len="med"/>
+                      <a:tailEnd type="none" w="med" len="med"/>
+                    </a:lnB>
+                    <a:solidFill>
+                      <a:schemeClr val="bg2"/>
+                    </a:solidFill>
+                  </a:tcPr>
+                </a:tc>
+                <a:tc>
+                  <a:txBody>
+                    <a:bodyPr/>
+                    <a:lstStyle/>
+                    <a:p>
+                      <a:endParaRPr lang="vi-VN" dirty="0"/>
+                    </a:p>
+                  </a:txBody>
+                  <a:tcPr anchor="ctr">
+                    <a:lnL w="12700" cap="flat" cmpd="sng" algn="ctr">
+                      <a:solidFill>
+                        <a:schemeClr val="tx1"/>
+                      </a:solidFill>
+                      <a:prstDash val="solid"/>
+                      <a:round/>
+                      <a:headEnd type="none" w="med" len="med"/>
+                      <a:tailEnd type="none" w="med" len="med"/>
+                    </a:lnL>
+                    <a:lnR w="12700" cap="flat" cmpd="sng" algn="ctr">
+                      <a:solidFill>
+                        <a:schemeClr val="tx1"/>
+                      </a:solidFill>
+                      <a:prstDash val="solid"/>
+                      <a:round/>
+                      <a:headEnd type="none" w="med" len="med"/>
+                      <a:tailEnd type="none" w="med" len="med"/>
+                    </a:lnR>
+                    <a:lnT w="12700" cap="flat" cmpd="sng" algn="ctr">
+                      <a:solidFill>
+                        <a:schemeClr val="tx1"/>
+                      </a:solidFill>
+                      <a:prstDash val="solid"/>
+                      <a:round/>
+                      <a:headEnd type="none" w="med" len="med"/>
+                      <a:tailEnd type="none" w="med" len="med"/>
+                    </a:lnT>
+                    <a:lnB w="12700" cap="flat" cmpd="sng" algn="ctr">
+                      <a:solidFill>
+                        <a:schemeClr val="tx1"/>
+                      </a:solidFill>
+                      <a:prstDash val="solid"/>
+                      <a:round/>
+                      <a:headEnd type="none" w="med" len="med"/>
+                      <a:tailEnd type="none" w="med" len="med"/>
+                    </a:lnB>
+                    <a:solidFill>
+                      <a:schemeClr val="tx1">
+                        <a:lumMod val="85000"/>
+                        <a:lumOff val="15000"/>
+                      </a:schemeClr>
+                    </a:solidFill>
+                  </a:tcPr>
+                </a:tc>
+                <a:tc>
+                  <a:txBody>
+                    <a:bodyPr/>
+                    <a:lstStyle/>
+                    <a:p>
+                      <a:endParaRPr lang="vi-VN"/>
+                    </a:p>
+                  </a:txBody>
+                  <a:tcPr anchor="ctr">
+                    <a:lnL w="12700" cap="flat" cmpd="sng" algn="ctr">
+                      <a:solidFill>
+                        <a:schemeClr val="tx1"/>
+                      </a:solidFill>
+                      <a:prstDash val="solid"/>
+                      <a:round/>
+                      <a:headEnd type="none" w="med" len="med"/>
+                      <a:tailEnd type="none" w="med" len="med"/>
+                    </a:lnL>
+                    <a:lnR w="12700" cap="flat" cmpd="sng" algn="ctr">
+                      <a:solidFill>
+                        <a:schemeClr val="tx1"/>
+                      </a:solidFill>
+                      <a:prstDash val="solid"/>
+                      <a:round/>
+                      <a:headEnd type="none" w="med" len="med"/>
+                      <a:tailEnd type="none" w="med" len="med"/>
+                    </a:lnR>
+                    <a:lnT w="12700" cap="flat" cmpd="sng" algn="ctr">
+                      <a:solidFill>
+                        <a:schemeClr val="tx1"/>
+                      </a:solidFill>
+                      <a:prstDash val="solid"/>
+                      <a:round/>
+                      <a:headEnd type="none" w="med" len="med"/>
+                      <a:tailEnd type="none" w="med" len="med"/>
+                    </a:lnT>
+                    <a:lnB w="12700" cap="flat" cmpd="sng" algn="ctr">
+                      <a:solidFill>
+                        <a:schemeClr val="tx1"/>
+                      </a:solidFill>
+                      <a:prstDash val="solid"/>
+                      <a:round/>
+                      <a:headEnd type="none" w="med" len="med"/>
+                      <a:tailEnd type="none" w="med" len="med"/>
+                    </a:lnB>
+                    <a:solidFill>
+                      <a:schemeClr val="tx1"/>
+                    </a:solidFill>
+                  </a:tcPr>
+                </a:tc>
+                <a:tc>
+                  <a:txBody>
+                    <a:bodyPr/>
+                    <a:lstStyle/>
+                    <a:p>
+                      <a:endParaRPr lang="vi-VN" dirty="0"/>
+                    </a:p>
+                  </a:txBody>
+                  <a:tcPr anchor="ctr">
+                    <a:lnL w="12700" cap="flat" cmpd="sng" algn="ctr">
+                      <a:solidFill>
+                        <a:schemeClr val="tx1"/>
+                      </a:solidFill>
+                      <a:prstDash val="solid"/>
+                      <a:round/>
+                      <a:headEnd type="none" w="med" len="med"/>
+                      <a:tailEnd type="none" w="med" len="med"/>
+                    </a:lnL>
+                    <a:lnR w="12700" cap="flat" cmpd="sng" algn="ctr">
+                      <a:solidFill>
+                        <a:schemeClr val="tx1"/>
+                      </a:solidFill>
+                      <a:prstDash val="solid"/>
+                      <a:round/>
+                      <a:headEnd type="none" w="med" len="med"/>
+                      <a:tailEnd type="none" w="med" len="med"/>
+                    </a:lnR>
+                    <a:lnT w="12700" cap="flat" cmpd="sng" algn="ctr">
+                      <a:solidFill>
+                        <a:schemeClr val="tx1"/>
+                      </a:solidFill>
+                      <a:prstDash val="solid"/>
+                      <a:round/>
+                      <a:headEnd type="none" w="med" len="med"/>
+                      <a:tailEnd type="none" w="med" len="med"/>
+                    </a:lnT>
+                    <a:lnB w="12700" cap="flat" cmpd="sng" algn="ctr">
+                      <a:solidFill>
+                        <a:schemeClr val="tx1"/>
+                      </a:solidFill>
+                      <a:prstDash val="solid"/>
+                      <a:round/>
+                      <a:headEnd type="none" w="med" len="med"/>
+                      <a:tailEnd type="none" w="med" len="med"/>
+                    </a:lnB>
+                    <a:solidFill>
+                      <a:schemeClr val="tx1"/>
+                    </a:solidFill>
+                  </a:tcPr>
+                </a:tc>
+                <a:tc>
+                  <a:txBody>
+                    <a:bodyPr/>
+                    <a:lstStyle/>
+                    <a:p>
+                      <a:endParaRPr lang="vi-VN"/>
+                    </a:p>
+                  </a:txBody>
+                  <a:tcPr anchor="ctr">
+                    <a:lnL w="12700" cap="flat" cmpd="sng" algn="ctr">
+                      <a:solidFill>
+                        <a:schemeClr val="tx1"/>
+                      </a:solidFill>
+                      <a:prstDash val="solid"/>
+                      <a:round/>
+                      <a:headEnd type="none" w="med" len="med"/>
+                      <a:tailEnd type="none" w="med" len="med"/>
+                    </a:lnL>
+                    <a:lnR w="12700" cap="flat" cmpd="sng" algn="ctr">
+                      <a:solidFill>
+                        <a:schemeClr val="tx1"/>
+                      </a:solidFill>
+                      <a:prstDash val="solid"/>
+                      <a:round/>
+                      <a:headEnd type="none" w="med" len="med"/>
+                      <a:tailEnd type="none" w="med" len="med"/>
+                    </a:lnR>
+                    <a:lnT w="12700" cap="flat" cmpd="sng" algn="ctr">
+                      <a:solidFill>
+                        <a:schemeClr val="tx1"/>
+                      </a:solidFill>
+                      <a:prstDash val="solid"/>
+                      <a:round/>
+                      <a:headEnd type="none" w="med" len="med"/>
+                      <a:tailEnd type="none" w="med" len="med"/>
+                    </a:lnT>
+                    <a:lnB w="12700" cap="flat" cmpd="sng" algn="ctr">
+                      <a:solidFill>
+                        <a:schemeClr val="tx1"/>
+                      </a:solidFill>
+                      <a:prstDash val="solid"/>
+                      <a:round/>
+                      <a:headEnd type="none" w="med" len="med"/>
+                      <a:tailEnd type="none" w="med" len="med"/>
+                    </a:lnB>
+                    <a:solidFill>
+                      <a:schemeClr val="bg1"/>
+                    </a:solidFill>
+                  </a:tcPr>
+                </a:tc>
+                <a:tc>
+                  <a:txBody>
+                    <a:bodyPr/>
+                    <a:lstStyle/>
+                    <a:p>
+                      <a:endParaRPr lang="vi-VN"/>
+                    </a:p>
+                  </a:txBody>
+                  <a:tcPr anchor="ctr">
+                    <a:lnL w="12700" cap="flat" cmpd="sng" algn="ctr">
+                      <a:solidFill>
+                        <a:schemeClr val="tx1"/>
+                      </a:solidFill>
+                      <a:prstDash val="solid"/>
+                      <a:round/>
+                      <a:headEnd type="none" w="med" len="med"/>
+                      <a:tailEnd type="none" w="med" len="med"/>
+                    </a:lnL>
+                    <a:lnR w="12700" cap="flat" cmpd="sng" algn="ctr">
+                      <a:solidFill>
+                        <a:schemeClr val="tx1"/>
+                      </a:solidFill>
+                      <a:prstDash val="solid"/>
+                      <a:round/>
+                      <a:headEnd type="none" w="med" len="med"/>
+                      <a:tailEnd type="none" w="med" len="med"/>
+                    </a:lnR>
+                    <a:lnT w="12700" cap="flat" cmpd="sng" algn="ctr">
+                      <a:solidFill>
+                        <a:schemeClr val="tx1"/>
+                      </a:solidFill>
+                      <a:prstDash val="solid"/>
+                      <a:round/>
+                      <a:headEnd type="none" w="med" len="med"/>
+                      <a:tailEnd type="none" w="med" len="med"/>
+                    </a:lnT>
+                    <a:lnB w="12700" cap="flat" cmpd="sng" algn="ctr">
+                      <a:solidFill>
+                        <a:schemeClr val="tx1"/>
+                      </a:solidFill>
+                      <a:prstDash val="solid"/>
+                      <a:round/>
+                      <a:headEnd type="none" w="med" len="med"/>
+                      <a:tailEnd type="none" w="med" len="med"/>
+                    </a:lnB>
+                    <a:solidFill>
+                      <a:schemeClr val="bg1"/>
+                    </a:solidFill>
+                  </a:tcPr>
+                </a:tc>
+                <a:tc>
+                  <a:txBody>
+                    <a:bodyPr/>
+                    <a:lstStyle/>
+                    <a:p>
+                      <a:endParaRPr lang="vi-VN"/>
+                    </a:p>
+                  </a:txBody>
+                  <a:tcPr anchor="ctr">
+                    <a:lnL w="12700" cap="flat" cmpd="sng" algn="ctr">
+                      <a:solidFill>
+                        <a:schemeClr val="tx1"/>
+                      </a:solidFill>
+                      <a:prstDash val="solid"/>
+                      <a:round/>
+                      <a:headEnd type="none" w="med" len="med"/>
+                      <a:tailEnd type="none" w="med" len="med"/>
+                    </a:lnL>
+                    <a:lnR w="12700" cap="flat" cmpd="sng" algn="ctr">
+                      <a:solidFill>
+                        <a:schemeClr val="tx1"/>
+                      </a:solidFill>
+                      <a:prstDash val="solid"/>
+                      <a:round/>
+                      <a:headEnd type="none" w="med" len="med"/>
+                      <a:tailEnd type="none" w="med" len="med"/>
+                    </a:lnR>
+                    <a:lnT w="12700" cap="flat" cmpd="sng" algn="ctr">
+                      <a:solidFill>
+                        <a:schemeClr val="tx1"/>
+                      </a:solidFill>
+                      <a:prstDash val="solid"/>
+                      <a:round/>
+                      <a:headEnd type="none" w="med" len="med"/>
+                      <a:tailEnd type="none" w="med" len="med"/>
+                    </a:lnT>
+                    <a:lnB w="12700" cap="flat" cmpd="sng" algn="ctr">
+                      <a:solidFill>
+                        <a:schemeClr val="tx1"/>
+                      </a:solidFill>
+                      <a:prstDash val="solid"/>
+                      <a:round/>
+                      <a:headEnd type="none" w="med" len="med"/>
+                      <a:tailEnd type="none" w="med" len="med"/>
+                    </a:lnB>
+                    <a:solidFill>
+                      <a:schemeClr val="bg1"/>
+                    </a:solidFill>
+                  </a:tcPr>
+                </a:tc>
+                <a:extLst>
+                  <a:ext uri="{0D108BD9-81ED-4DB2-BD59-A6C34878D82A}">
+                    <a16:rowId xmlns:a16="http://schemas.microsoft.com/office/drawing/2014/main" val="2422954970"/>
+                  </a:ext>
+                </a:extLst>
+              </a:tr>
+              <a:tr h="360000">
+                <a:tc>
+                  <a:txBody>
+                    <a:bodyPr/>
+                    <a:lstStyle/>
+                    <a:p>
+                      <a:endParaRPr lang="vi-VN"/>
+                    </a:p>
+                  </a:txBody>
+                  <a:tcPr anchor="ctr">
+                    <a:lnL w="12700" cap="flat" cmpd="sng" algn="ctr">
+                      <a:solidFill>
+                        <a:schemeClr val="tx1"/>
+                      </a:solidFill>
+                      <a:prstDash val="solid"/>
+                      <a:round/>
+                      <a:headEnd type="none" w="med" len="med"/>
+                      <a:tailEnd type="none" w="med" len="med"/>
+                    </a:lnL>
+                    <a:lnR w="12700" cap="flat" cmpd="sng" algn="ctr">
+                      <a:solidFill>
+                        <a:schemeClr val="tx1"/>
+                      </a:solidFill>
+                      <a:prstDash val="solid"/>
+                      <a:round/>
+                      <a:headEnd type="none" w="med" len="med"/>
+                      <a:tailEnd type="none" w="med" len="med"/>
+                    </a:lnR>
+                    <a:lnT w="12700" cap="flat" cmpd="sng" algn="ctr">
+                      <a:solidFill>
+                        <a:schemeClr val="tx1"/>
+                      </a:solidFill>
+                      <a:prstDash val="solid"/>
+                      <a:round/>
+                      <a:headEnd type="none" w="med" len="med"/>
+                      <a:tailEnd type="none" w="med" len="med"/>
+                    </a:lnT>
+                    <a:lnB w="12700" cap="flat" cmpd="sng" algn="ctr">
+                      <a:solidFill>
+                        <a:schemeClr val="tx1"/>
+                      </a:solidFill>
+                      <a:prstDash val="solid"/>
+                      <a:round/>
+                      <a:headEnd type="none" w="med" len="med"/>
+                      <a:tailEnd type="none" w="med" len="med"/>
+                    </a:lnB>
+                    <a:solidFill>
+                      <a:schemeClr val="bg1"/>
+                    </a:solidFill>
+                  </a:tcPr>
+                </a:tc>
+                <a:tc>
+                  <a:txBody>
+                    <a:bodyPr/>
+                    <a:lstStyle/>
+                    <a:p>
+                      <a:endParaRPr lang="vi-VN" dirty="0"/>
+                    </a:p>
+                  </a:txBody>
+                  <a:tcPr anchor="ctr">
+                    <a:lnL w="12700" cap="flat" cmpd="sng" algn="ctr">
+                      <a:solidFill>
+                        <a:schemeClr val="tx1"/>
+                      </a:solidFill>
+                      <a:prstDash val="solid"/>
+                      <a:round/>
+                      <a:headEnd type="none" w="med" len="med"/>
+                      <a:tailEnd type="none" w="med" len="med"/>
+                    </a:lnL>
+                    <a:lnR w="12700" cap="flat" cmpd="sng" algn="ctr">
+                      <a:solidFill>
+                        <a:schemeClr val="tx1"/>
+                      </a:solidFill>
+                      <a:prstDash val="solid"/>
+                      <a:round/>
+                      <a:headEnd type="none" w="med" len="med"/>
+                      <a:tailEnd type="none" w="med" len="med"/>
+                    </a:lnR>
+                    <a:lnT w="12700" cap="flat" cmpd="sng" algn="ctr">
+                      <a:solidFill>
+                        <a:schemeClr val="tx1"/>
+                      </a:solidFill>
+                      <a:prstDash val="solid"/>
+                      <a:round/>
+                      <a:headEnd type="none" w="med" len="med"/>
+                      <a:tailEnd type="none" w="med" len="med"/>
+                    </a:lnT>
+                    <a:lnB w="12700" cap="flat" cmpd="sng" algn="ctr">
+                      <a:solidFill>
+                        <a:schemeClr val="tx1"/>
+                      </a:solidFill>
+                      <a:prstDash val="solid"/>
+                      <a:round/>
+                      <a:headEnd type="none" w="med" len="med"/>
+                      <a:tailEnd type="none" w="med" len="med"/>
+                    </a:lnB>
+                    <a:solidFill>
+                      <a:schemeClr val="bg1"/>
+                    </a:solidFill>
+                  </a:tcPr>
+                </a:tc>
+                <a:tc>
+                  <a:txBody>
+                    <a:bodyPr/>
+                    <a:lstStyle/>
+                    <a:p>
+                      <a:endParaRPr lang="vi-VN" dirty="0"/>
+                    </a:p>
+                  </a:txBody>
+                  <a:tcPr anchor="ctr">
+                    <a:lnL w="12700" cap="flat" cmpd="sng" algn="ctr">
+                      <a:solidFill>
+                        <a:schemeClr val="tx1"/>
+                      </a:solidFill>
+                      <a:prstDash val="solid"/>
+                      <a:round/>
+                      <a:headEnd type="none" w="med" len="med"/>
+                      <a:tailEnd type="none" w="med" len="med"/>
+                    </a:lnL>
+                    <a:lnR w="12700" cap="flat" cmpd="sng" algn="ctr">
+                      <a:solidFill>
+                        <a:schemeClr val="tx1"/>
+                      </a:solidFill>
+                      <a:prstDash val="solid"/>
+                      <a:round/>
+                      <a:headEnd type="none" w="med" len="med"/>
+                      <a:tailEnd type="none" w="med" len="med"/>
+                    </a:lnR>
+                    <a:lnT w="12700" cap="flat" cmpd="sng" algn="ctr">
+                      <a:solidFill>
+                        <a:schemeClr val="tx1"/>
+                      </a:solidFill>
+                      <a:prstDash val="solid"/>
+                      <a:round/>
+                      <a:headEnd type="none" w="med" len="med"/>
+                      <a:tailEnd type="none" w="med" len="med"/>
+                    </a:lnT>
+                    <a:lnB w="12700" cap="flat" cmpd="sng" algn="ctr">
+                      <a:solidFill>
+                        <a:schemeClr val="tx1"/>
+                      </a:solidFill>
+                      <a:prstDash val="solid"/>
+                      <a:round/>
+                      <a:headEnd type="none" w="med" len="med"/>
+                      <a:tailEnd type="none" w="med" len="med"/>
+                    </a:lnB>
+                    <a:solidFill>
+                      <a:schemeClr val="bg1"/>
+                    </a:solidFill>
+                  </a:tcPr>
+                </a:tc>
+                <a:tc>
+                  <a:txBody>
+                    <a:bodyPr/>
+                    <a:lstStyle/>
+                    <a:p>
+                      <a:endParaRPr lang="vi-VN" dirty="0"/>
+                    </a:p>
+                  </a:txBody>
+                  <a:tcPr anchor="ctr">
+                    <a:lnL w="12700" cap="flat" cmpd="sng" algn="ctr">
+                      <a:solidFill>
+                        <a:schemeClr val="tx1"/>
+                      </a:solidFill>
+                      <a:prstDash val="solid"/>
+                      <a:round/>
+                      <a:headEnd type="none" w="med" len="med"/>
+                      <a:tailEnd type="none" w="med" len="med"/>
+                    </a:lnL>
+                    <a:lnR w="12700" cap="flat" cmpd="sng" algn="ctr">
+                      <a:solidFill>
+                        <a:schemeClr val="tx1"/>
+                      </a:solidFill>
+                      <a:prstDash val="solid"/>
+                      <a:round/>
+                      <a:headEnd type="none" w="med" len="med"/>
+                      <a:tailEnd type="none" w="med" len="med"/>
+                    </a:lnR>
+                    <a:lnT w="12700" cap="flat" cmpd="sng" algn="ctr">
+                      <a:solidFill>
+                        <a:schemeClr val="tx1"/>
+                      </a:solidFill>
+                      <a:prstDash val="solid"/>
+                      <a:round/>
+                      <a:headEnd type="none" w="med" len="med"/>
+                      <a:tailEnd type="none" w="med" len="med"/>
+                    </a:lnT>
+                    <a:lnB w="12700" cap="flat" cmpd="sng" algn="ctr">
+                      <a:solidFill>
+                        <a:schemeClr val="tx1"/>
+                      </a:solidFill>
+                      <a:prstDash val="solid"/>
+                      <a:round/>
+                      <a:headEnd type="none" w="med" len="med"/>
+                      <a:tailEnd type="none" w="med" len="med"/>
+                    </a:lnB>
+                    <a:solidFill>
+                      <a:schemeClr val="bg1"/>
+                    </a:solidFill>
+                  </a:tcPr>
+                </a:tc>
+                <a:tc>
+                  <a:txBody>
+                    <a:bodyPr/>
+                    <a:lstStyle/>
+                    <a:p>
+                      <a:endParaRPr lang="vi-VN" dirty="0"/>
+                    </a:p>
+                  </a:txBody>
+                  <a:tcPr anchor="ctr">
+                    <a:lnL w="12700" cap="flat" cmpd="sng" algn="ctr">
+                      <a:solidFill>
+                        <a:schemeClr val="tx1"/>
+                      </a:solidFill>
+                      <a:prstDash val="solid"/>
+                      <a:round/>
+                      <a:headEnd type="none" w="med" len="med"/>
+                      <a:tailEnd type="none" w="med" len="med"/>
+                    </a:lnL>
+                    <a:lnR w="12700" cap="flat" cmpd="sng" algn="ctr">
+                      <a:solidFill>
+                        <a:schemeClr val="tx1"/>
+                      </a:solidFill>
+                      <a:prstDash val="solid"/>
+                      <a:round/>
+                      <a:headEnd type="none" w="med" len="med"/>
+                      <a:tailEnd type="none" w="med" len="med"/>
+                    </a:lnR>
+                    <a:lnT w="12700" cap="flat" cmpd="sng" algn="ctr">
+                      <a:solidFill>
+                        <a:schemeClr val="tx1"/>
+                      </a:solidFill>
+                      <a:prstDash val="solid"/>
+                      <a:round/>
+                      <a:headEnd type="none" w="med" len="med"/>
+                      <a:tailEnd type="none" w="med" len="med"/>
+                    </a:lnT>
+                    <a:lnB w="12700" cap="flat" cmpd="sng" algn="ctr">
+                      <a:solidFill>
+                        <a:schemeClr val="tx1"/>
+                      </a:solidFill>
+                      <a:prstDash val="solid"/>
+                      <a:round/>
+                      <a:headEnd type="none" w="med" len="med"/>
+                      <a:tailEnd type="none" w="med" len="med"/>
+                    </a:lnB>
+                    <a:solidFill>
+                      <a:schemeClr val="bg1"/>
+                    </a:solidFill>
+                  </a:tcPr>
+                </a:tc>
+                <a:tc>
+                  <a:txBody>
+                    <a:bodyPr/>
+                    <a:lstStyle/>
+                    <a:p>
+                      <a:endParaRPr lang="vi-VN" dirty="0"/>
+                    </a:p>
+                  </a:txBody>
+                  <a:tcPr anchor="ctr">
+                    <a:lnL w="12700" cap="flat" cmpd="sng" algn="ctr">
+                      <a:solidFill>
+                        <a:schemeClr val="tx1"/>
+                      </a:solidFill>
+                      <a:prstDash val="solid"/>
+                      <a:round/>
+                      <a:headEnd type="none" w="med" len="med"/>
+                      <a:tailEnd type="none" w="med" len="med"/>
+                    </a:lnL>
+                    <a:lnR w="12700" cap="flat" cmpd="sng" algn="ctr">
+                      <a:solidFill>
+                        <a:schemeClr val="tx1"/>
+                      </a:solidFill>
+                      <a:prstDash val="solid"/>
+                      <a:round/>
+                      <a:headEnd type="none" w="med" len="med"/>
+                      <a:tailEnd type="none" w="med" len="med"/>
+                    </a:lnR>
+                    <a:lnT w="12700" cap="flat" cmpd="sng" algn="ctr">
+                      <a:solidFill>
+                        <a:schemeClr val="tx1"/>
+                      </a:solidFill>
+                      <a:prstDash val="solid"/>
+                      <a:round/>
+                      <a:headEnd type="none" w="med" len="med"/>
+                      <a:tailEnd type="none" w="med" len="med"/>
+                    </a:lnT>
+                    <a:lnB w="12700" cap="flat" cmpd="sng" algn="ctr">
+                      <a:solidFill>
+                        <a:schemeClr val="tx1"/>
+                      </a:solidFill>
+                      <a:prstDash val="solid"/>
+                      <a:round/>
+                      <a:headEnd type="none" w="med" len="med"/>
+                      <a:tailEnd type="none" w="med" len="med"/>
+                    </a:lnB>
+                    <a:solidFill>
+                      <a:schemeClr val="bg1"/>
+                    </a:solidFill>
+                  </a:tcPr>
+                </a:tc>
+                <a:tc>
+                  <a:txBody>
+                    <a:bodyPr/>
+                    <a:lstStyle/>
+                    <a:p>
+                      <a:endParaRPr lang="vi-VN"/>
+                    </a:p>
+                  </a:txBody>
+                  <a:tcPr anchor="ctr">
+                    <a:lnL w="12700" cap="flat" cmpd="sng" algn="ctr">
+                      <a:solidFill>
+                        <a:schemeClr val="tx1"/>
+                      </a:solidFill>
+                      <a:prstDash val="solid"/>
+                      <a:round/>
+                      <a:headEnd type="none" w="med" len="med"/>
+                      <a:tailEnd type="none" w="med" len="med"/>
+                    </a:lnL>
+                    <a:lnR w="12700" cap="flat" cmpd="sng" algn="ctr">
+                      <a:solidFill>
+                        <a:schemeClr val="tx1"/>
+                      </a:solidFill>
+                      <a:prstDash val="solid"/>
+                      <a:round/>
+                      <a:headEnd type="none" w="med" len="med"/>
+                      <a:tailEnd type="none" w="med" len="med"/>
+                    </a:lnR>
+                    <a:lnT w="12700" cap="flat" cmpd="sng" algn="ctr">
+                      <a:solidFill>
+                        <a:schemeClr val="tx1"/>
+                      </a:solidFill>
+                      <a:prstDash val="solid"/>
+                      <a:round/>
+                      <a:headEnd type="none" w="med" len="med"/>
+                      <a:tailEnd type="none" w="med" len="med"/>
+                    </a:lnT>
+                    <a:lnB w="12700" cap="flat" cmpd="sng" algn="ctr">
+                      <a:solidFill>
+                        <a:schemeClr val="tx1"/>
+                      </a:solidFill>
+                      <a:prstDash val="solid"/>
+                      <a:round/>
+                      <a:headEnd type="none" w="med" len="med"/>
+                      <a:tailEnd type="none" w="med" len="med"/>
+                    </a:lnB>
+                    <a:solidFill>
+                      <a:schemeClr val="bg1"/>
+                    </a:solidFill>
+                  </a:tcPr>
+                </a:tc>
+                <a:tc>
+                  <a:txBody>
+                    <a:bodyPr/>
+                    <a:lstStyle/>
+                    <a:p>
+                      <a:endParaRPr lang="vi-VN" dirty="0"/>
+                    </a:p>
+                  </a:txBody>
+                  <a:tcPr anchor="ctr">
+                    <a:lnL w="12700" cap="flat" cmpd="sng" algn="ctr">
+                      <a:solidFill>
+                        <a:schemeClr val="tx1"/>
+                      </a:solidFill>
+                      <a:prstDash val="solid"/>
+                      <a:round/>
+                      <a:headEnd type="none" w="med" len="med"/>
+                      <a:tailEnd type="none" w="med" len="med"/>
+                    </a:lnL>
+                    <a:lnR w="12700" cap="flat" cmpd="sng" algn="ctr">
+                      <a:solidFill>
+                        <a:schemeClr val="tx1"/>
+                      </a:solidFill>
+                      <a:prstDash val="solid"/>
+                      <a:round/>
+                      <a:headEnd type="none" w="med" len="med"/>
+                      <a:tailEnd type="none" w="med" len="med"/>
+                    </a:lnR>
+                    <a:lnT w="12700" cap="flat" cmpd="sng" algn="ctr">
+                      <a:solidFill>
+                        <a:schemeClr val="tx1"/>
+                      </a:solidFill>
+                      <a:prstDash val="solid"/>
+                      <a:round/>
+                      <a:headEnd type="none" w="med" len="med"/>
+                      <a:tailEnd type="none" w="med" len="med"/>
+                    </a:lnT>
+                    <a:lnB w="12700" cap="flat" cmpd="sng" algn="ctr">
+                      <a:solidFill>
+                        <a:schemeClr val="tx1"/>
+                      </a:solidFill>
+                      <a:prstDash val="solid"/>
+                      <a:round/>
+                      <a:headEnd type="none" w="med" len="med"/>
+                      <a:tailEnd type="none" w="med" len="med"/>
+                    </a:lnB>
+                    <a:solidFill>
+                      <a:schemeClr val="bg1"/>
+                    </a:solidFill>
+                  </a:tcPr>
+                </a:tc>
+                <a:extLst>
+                  <a:ext uri="{0D108BD9-81ED-4DB2-BD59-A6C34878D82A}">
+                    <a16:rowId xmlns:a16="http://schemas.microsoft.com/office/drawing/2014/main" val="1173864760"/>
+                  </a:ext>
+                </a:extLst>
+              </a:tr>
+            </a:tbl>
+          </a:graphicData>
+        </a:graphic>
+      </p:graphicFrame>
+      <p:graphicFrame>
+        <p:nvGraphicFramePr>
+          <p:cNvPr id="11" name="Table 10"/>
+          <p:cNvGraphicFramePr>
+            <a:graphicFrameLocks noGrp="1"/>
+          </p:cNvGraphicFramePr>
+          <p:nvPr>
+            <p:extLst>
+              <p:ext uri="{D42A27DB-BD31-4B8C-83A1-F6EECF244321}">
+                <p14:modId xmlns:p14="http://schemas.microsoft.com/office/powerpoint/2010/main" val="1353543350"/>
+              </p:ext>
+            </p:extLst>
+          </p:nvPr>
+        </p:nvGraphicFramePr>
+        <p:xfrm>
+          <a:off x="6062980" y="719666"/>
+          <a:ext cx="2880000" cy="2926080"/>
+        </p:xfrm>
+        <a:graphic>
+          <a:graphicData uri="http://schemas.openxmlformats.org/drawingml/2006/table">
+            <a:tbl>
+              <a:tblPr firstRow="1" bandRow="1">
+                <a:tableStyleId>{5C22544A-7EE6-4342-B048-85BDC9FD1C3A}</a:tableStyleId>
+              </a:tblPr>
+              <a:tblGrid>
+                <a:gridCol w="360000">
+                  <a:extLst>
+                    <a:ext uri="{9D8B030D-6E8A-4147-A177-3AD203B41FA5}">
+                      <a16:colId xmlns:a16="http://schemas.microsoft.com/office/drawing/2014/main" val="808199917"/>
+                    </a:ext>
+                  </a:extLst>
+                </a:gridCol>
+                <a:gridCol w="360000">
+                  <a:extLst>
+                    <a:ext uri="{9D8B030D-6E8A-4147-A177-3AD203B41FA5}">
+                      <a16:colId xmlns:a16="http://schemas.microsoft.com/office/drawing/2014/main" val="3201936107"/>
+                    </a:ext>
+                  </a:extLst>
+                </a:gridCol>
+                <a:gridCol w="360000">
+                  <a:extLst>
+                    <a:ext uri="{9D8B030D-6E8A-4147-A177-3AD203B41FA5}">
+                      <a16:colId xmlns:a16="http://schemas.microsoft.com/office/drawing/2014/main" val="3479951539"/>
+                    </a:ext>
+                  </a:extLst>
+                </a:gridCol>
+                <a:gridCol w="360000">
+                  <a:extLst>
+                    <a:ext uri="{9D8B030D-6E8A-4147-A177-3AD203B41FA5}">
+                      <a16:colId xmlns:a16="http://schemas.microsoft.com/office/drawing/2014/main" val="43549896"/>
+                    </a:ext>
+                  </a:extLst>
+                </a:gridCol>
+                <a:gridCol w="360000">
+                  <a:extLst>
+                    <a:ext uri="{9D8B030D-6E8A-4147-A177-3AD203B41FA5}">
+                      <a16:colId xmlns:a16="http://schemas.microsoft.com/office/drawing/2014/main" val="1266350471"/>
+                    </a:ext>
+                  </a:extLst>
+                </a:gridCol>
+                <a:gridCol w="360000">
+                  <a:extLst>
+                    <a:ext uri="{9D8B030D-6E8A-4147-A177-3AD203B41FA5}">
+                      <a16:colId xmlns:a16="http://schemas.microsoft.com/office/drawing/2014/main" val="1408001174"/>
+                    </a:ext>
+                  </a:extLst>
+                </a:gridCol>
+                <a:gridCol w="360000">
+                  <a:extLst>
+                    <a:ext uri="{9D8B030D-6E8A-4147-A177-3AD203B41FA5}">
+                      <a16:colId xmlns:a16="http://schemas.microsoft.com/office/drawing/2014/main" val="4098651507"/>
+                    </a:ext>
+                  </a:extLst>
+                </a:gridCol>
+                <a:gridCol w="360000">
+                  <a:extLst>
+                    <a:ext uri="{9D8B030D-6E8A-4147-A177-3AD203B41FA5}">
+                      <a16:colId xmlns:a16="http://schemas.microsoft.com/office/drawing/2014/main" val="343827409"/>
+                    </a:ext>
+                  </a:extLst>
+                </a:gridCol>
+              </a:tblGrid>
+              <a:tr h="360000">
+                <a:tc>
+                  <a:txBody>
+                    <a:bodyPr/>
+                    <a:lstStyle/>
+                    <a:p>
+                      <a:endParaRPr lang="vi-VN" dirty="0"/>
+                    </a:p>
+                  </a:txBody>
+                  <a:tcPr anchor="ctr">
+                    <a:lnL w="12700" cap="flat" cmpd="sng" algn="ctr">
+                      <a:solidFill>
+                        <a:schemeClr val="tx1"/>
+                      </a:solidFill>
+                      <a:prstDash val="solid"/>
+                      <a:round/>
+                      <a:headEnd type="none" w="med" len="med"/>
+                      <a:tailEnd type="none" w="med" len="med"/>
+                    </a:lnL>
+                    <a:lnR w="12700" cap="flat" cmpd="sng" algn="ctr">
+                      <a:solidFill>
+                        <a:schemeClr val="tx1"/>
+                      </a:solidFill>
+                      <a:prstDash val="solid"/>
+                      <a:round/>
+                      <a:headEnd type="none" w="med" len="med"/>
+                      <a:tailEnd type="none" w="med" len="med"/>
+                    </a:lnR>
+                    <a:lnT w="12700" cap="flat" cmpd="sng" algn="ctr">
+                      <a:solidFill>
+                        <a:schemeClr val="tx1"/>
+                      </a:solidFill>
+                      <a:prstDash val="solid"/>
+                      <a:round/>
+                      <a:headEnd type="none" w="med" len="med"/>
+                      <a:tailEnd type="none" w="med" len="med"/>
+                    </a:lnT>
+                    <a:lnB w="12700" cap="flat" cmpd="sng" algn="ctr">
+                      <a:solidFill>
+                        <a:schemeClr val="tx1"/>
+                      </a:solidFill>
+                      <a:prstDash val="solid"/>
+                      <a:round/>
+                      <a:headEnd type="none" w="med" len="med"/>
+                      <a:tailEnd type="none" w="med" len="med"/>
+                    </a:lnB>
+                    <a:solidFill>
+                      <a:schemeClr val="bg1"/>
+                    </a:solidFill>
+                  </a:tcPr>
+                </a:tc>
+                <a:tc>
+                  <a:txBody>
+                    <a:bodyPr/>
+                    <a:lstStyle/>
+                    <a:p>
+                      <a:endParaRPr lang="vi-VN"/>
+                    </a:p>
+                  </a:txBody>
+                  <a:tcPr anchor="ctr">
+                    <a:lnL w="12700" cap="flat" cmpd="sng" algn="ctr">
+                      <a:solidFill>
+                        <a:schemeClr val="tx1"/>
+                      </a:solidFill>
+                      <a:prstDash val="solid"/>
+                      <a:round/>
+                      <a:headEnd type="none" w="med" len="med"/>
+                      <a:tailEnd type="none" w="med" len="med"/>
+                    </a:lnL>
+                    <a:lnR w="12700" cap="flat" cmpd="sng" algn="ctr">
+                      <a:solidFill>
+                        <a:schemeClr val="tx1"/>
+                      </a:solidFill>
+                      <a:prstDash val="solid"/>
+                      <a:round/>
+                      <a:headEnd type="none" w="med" len="med"/>
+                      <a:tailEnd type="none" w="med" len="med"/>
+                    </a:lnR>
+                    <a:lnT w="12700" cap="flat" cmpd="sng" algn="ctr">
+                      <a:solidFill>
+                        <a:schemeClr val="tx1"/>
+                      </a:solidFill>
+                      <a:prstDash val="solid"/>
+                      <a:round/>
+                      <a:headEnd type="none" w="med" len="med"/>
+                      <a:tailEnd type="none" w="med" len="med"/>
+                    </a:lnT>
+                    <a:lnB w="12700" cap="flat" cmpd="sng" algn="ctr">
+                      <a:solidFill>
+                        <a:schemeClr val="tx1"/>
+                      </a:solidFill>
+                      <a:prstDash val="solid"/>
+                      <a:round/>
+                      <a:headEnd type="none" w="med" len="med"/>
+                      <a:tailEnd type="none" w="med" len="med"/>
+                    </a:lnB>
+                    <a:solidFill>
+                      <a:schemeClr val="bg1"/>
+                    </a:solidFill>
+                  </a:tcPr>
+                </a:tc>
+                <a:tc>
+                  <a:txBody>
+                    <a:bodyPr/>
+                    <a:lstStyle/>
+                    <a:p>
+                      <a:endParaRPr lang="vi-VN"/>
+                    </a:p>
+                  </a:txBody>
+                  <a:tcPr anchor="ctr">
+                    <a:lnL w="12700" cap="flat" cmpd="sng" algn="ctr">
+                      <a:solidFill>
+                        <a:schemeClr val="tx1"/>
+                      </a:solidFill>
+                      <a:prstDash val="solid"/>
+                      <a:round/>
+                      <a:headEnd type="none" w="med" len="med"/>
+                      <a:tailEnd type="none" w="med" len="med"/>
+                    </a:lnL>
+                    <a:lnR w="12700" cap="flat" cmpd="sng" algn="ctr">
+                      <a:solidFill>
+                        <a:schemeClr val="tx1"/>
+                      </a:solidFill>
+                      <a:prstDash val="solid"/>
+                      <a:round/>
+                      <a:headEnd type="none" w="med" len="med"/>
+                      <a:tailEnd type="none" w="med" len="med"/>
+                    </a:lnR>
+                    <a:lnT w="12700" cap="flat" cmpd="sng" algn="ctr">
+                      <a:solidFill>
+                        <a:schemeClr val="tx1"/>
+                      </a:solidFill>
+                      <a:prstDash val="solid"/>
+                      <a:round/>
+                      <a:headEnd type="none" w="med" len="med"/>
+                      <a:tailEnd type="none" w="med" len="med"/>
+                    </a:lnT>
+                    <a:lnB w="12700" cap="flat" cmpd="sng" algn="ctr">
+                      <a:solidFill>
+                        <a:schemeClr val="tx1"/>
+                      </a:solidFill>
+                      <a:prstDash val="solid"/>
+                      <a:round/>
+                      <a:headEnd type="none" w="med" len="med"/>
+                      <a:tailEnd type="none" w="med" len="med"/>
+                    </a:lnB>
+                    <a:solidFill>
+                      <a:schemeClr val="bg1"/>
+                    </a:solidFill>
+                  </a:tcPr>
+                </a:tc>
+                <a:tc>
+                  <a:txBody>
+                    <a:bodyPr/>
+                    <a:lstStyle/>
+                    <a:p>
+                      <a:endParaRPr lang="vi-VN"/>
+                    </a:p>
+                  </a:txBody>
+                  <a:tcPr anchor="ctr">
+                    <a:lnL w="12700" cap="flat" cmpd="sng" algn="ctr">
+                      <a:solidFill>
+                        <a:schemeClr val="tx1"/>
+                      </a:solidFill>
+                      <a:prstDash val="solid"/>
+                      <a:round/>
+                      <a:headEnd type="none" w="med" len="med"/>
+                      <a:tailEnd type="none" w="med" len="med"/>
+                    </a:lnL>
+                    <a:lnR w="12700" cap="flat" cmpd="sng" algn="ctr">
+                      <a:solidFill>
+                        <a:schemeClr val="tx1"/>
+                      </a:solidFill>
+                      <a:prstDash val="solid"/>
+                      <a:round/>
+                      <a:headEnd type="none" w="med" len="med"/>
+                      <a:tailEnd type="none" w="med" len="med"/>
+                    </a:lnR>
+                    <a:lnT w="12700" cap="flat" cmpd="sng" algn="ctr">
+                      <a:solidFill>
+                        <a:schemeClr val="tx1"/>
+                      </a:solidFill>
+                      <a:prstDash val="solid"/>
+                      <a:round/>
+                      <a:headEnd type="none" w="med" len="med"/>
+                      <a:tailEnd type="none" w="med" len="med"/>
+                    </a:lnT>
+                    <a:lnB w="12700" cap="flat" cmpd="sng" algn="ctr">
+                      <a:solidFill>
+                        <a:schemeClr val="tx1"/>
+                      </a:solidFill>
+                      <a:prstDash val="solid"/>
+                      <a:round/>
+                      <a:headEnd type="none" w="med" len="med"/>
+                      <a:tailEnd type="none" w="med" len="med"/>
+                    </a:lnB>
+                    <a:solidFill>
+                      <a:schemeClr val="bg1"/>
+                    </a:solidFill>
+                  </a:tcPr>
+                </a:tc>
+                <a:tc>
+                  <a:txBody>
+                    <a:bodyPr/>
+                    <a:lstStyle/>
+                    <a:p>
+                      <a:endParaRPr lang="vi-VN"/>
+                    </a:p>
+                  </a:txBody>
+                  <a:tcPr anchor="ctr">
+                    <a:lnL w="12700" cap="flat" cmpd="sng" algn="ctr">
+                      <a:solidFill>
+                        <a:schemeClr val="tx1"/>
+                      </a:solidFill>
+                      <a:prstDash val="solid"/>
+                      <a:round/>
+                      <a:headEnd type="none" w="med" len="med"/>
+                      <a:tailEnd type="none" w="med" len="med"/>
+                    </a:lnL>
+                    <a:lnR w="12700" cap="flat" cmpd="sng" algn="ctr">
+                      <a:solidFill>
+                        <a:schemeClr val="tx1"/>
+                      </a:solidFill>
+                      <a:prstDash val="solid"/>
+                      <a:round/>
+                      <a:headEnd type="none" w="med" len="med"/>
+                      <a:tailEnd type="none" w="med" len="med"/>
+                    </a:lnR>
+                    <a:lnT w="12700" cap="flat" cmpd="sng" algn="ctr">
+                      <a:solidFill>
+                        <a:schemeClr val="tx1"/>
+                      </a:solidFill>
+                      <a:prstDash val="solid"/>
+                      <a:round/>
+                      <a:headEnd type="none" w="med" len="med"/>
+                      <a:tailEnd type="none" w="med" len="med"/>
+                    </a:lnT>
+                    <a:lnB w="12700" cap="flat" cmpd="sng" algn="ctr">
+                      <a:solidFill>
+                        <a:schemeClr val="tx1"/>
+                      </a:solidFill>
+                      <a:prstDash val="solid"/>
+                      <a:round/>
+                      <a:headEnd type="none" w="med" len="med"/>
+                      <a:tailEnd type="none" w="med" len="med"/>
+                    </a:lnB>
+                    <a:solidFill>
+                      <a:schemeClr val="bg1"/>
+                    </a:solidFill>
+                  </a:tcPr>
+                </a:tc>
+                <a:tc>
+                  <a:txBody>
+                    <a:bodyPr/>
+                    <a:lstStyle/>
+                    <a:p>
+                      <a:endParaRPr lang="vi-VN"/>
+                    </a:p>
+                  </a:txBody>
+                  <a:tcPr anchor="ctr">
+                    <a:lnL w="12700" cap="flat" cmpd="sng" algn="ctr">
+                      <a:solidFill>
+                        <a:schemeClr val="tx1"/>
+                      </a:solidFill>
+                      <a:prstDash val="solid"/>
+                      <a:round/>
+                      <a:headEnd type="none" w="med" len="med"/>
+                      <a:tailEnd type="none" w="med" len="med"/>
+                    </a:lnL>
+                    <a:lnR w="12700" cap="flat" cmpd="sng" algn="ctr">
+                      <a:solidFill>
+                        <a:schemeClr val="tx1"/>
+                      </a:solidFill>
+                      <a:prstDash val="solid"/>
+                      <a:round/>
+                      <a:headEnd type="none" w="med" len="med"/>
+                      <a:tailEnd type="none" w="med" len="med"/>
+                    </a:lnR>
+                    <a:lnT w="12700" cap="flat" cmpd="sng" algn="ctr">
+                      <a:solidFill>
+                        <a:schemeClr val="tx1"/>
+                      </a:solidFill>
+                      <a:prstDash val="solid"/>
+                      <a:round/>
+                      <a:headEnd type="none" w="med" len="med"/>
+                      <a:tailEnd type="none" w="med" len="med"/>
+                    </a:lnT>
+                    <a:lnB w="12700" cap="flat" cmpd="sng" algn="ctr">
+                      <a:solidFill>
+                        <a:schemeClr val="tx1"/>
+                      </a:solidFill>
+                      <a:prstDash val="solid"/>
+                      <a:round/>
+                      <a:headEnd type="none" w="med" len="med"/>
+                      <a:tailEnd type="none" w="med" len="med"/>
+                    </a:lnB>
+                    <a:solidFill>
+                      <a:schemeClr val="bg1"/>
+                    </a:solidFill>
+                  </a:tcPr>
+                </a:tc>
+                <a:tc>
+                  <a:txBody>
+                    <a:bodyPr/>
+                    <a:lstStyle/>
+                    <a:p>
+                      <a:endParaRPr lang="vi-VN"/>
+                    </a:p>
+                  </a:txBody>
+                  <a:tcPr anchor="ctr">
+                    <a:lnL w="12700" cap="flat" cmpd="sng" algn="ctr">
+                      <a:solidFill>
+                        <a:schemeClr val="tx1"/>
+                      </a:solidFill>
+                      <a:prstDash val="solid"/>
+                      <a:round/>
+                      <a:headEnd type="none" w="med" len="med"/>
+                      <a:tailEnd type="none" w="med" len="med"/>
+                    </a:lnL>
+                    <a:lnR w="12700" cap="flat" cmpd="sng" algn="ctr">
+                      <a:solidFill>
+                        <a:schemeClr val="tx1"/>
+                      </a:solidFill>
+                      <a:prstDash val="solid"/>
+                      <a:round/>
+                      <a:headEnd type="none" w="med" len="med"/>
+                      <a:tailEnd type="none" w="med" len="med"/>
+                    </a:lnR>
+                    <a:lnT w="12700" cap="flat" cmpd="sng" algn="ctr">
+                      <a:solidFill>
+                        <a:schemeClr val="tx1"/>
+                      </a:solidFill>
+                      <a:prstDash val="solid"/>
+                      <a:round/>
+                      <a:headEnd type="none" w="med" len="med"/>
+                      <a:tailEnd type="none" w="med" len="med"/>
+                    </a:lnT>
+                    <a:lnB w="12700" cap="flat" cmpd="sng" algn="ctr">
+                      <a:solidFill>
+                        <a:schemeClr val="tx1"/>
+                      </a:solidFill>
+                      <a:prstDash val="solid"/>
+                      <a:round/>
+                      <a:headEnd type="none" w="med" len="med"/>
+                      <a:tailEnd type="none" w="med" len="med"/>
+                    </a:lnB>
+                    <a:solidFill>
+                      <a:schemeClr val="bg1"/>
+                    </a:solidFill>
+                  </a:tcPr>
+                </a:tc>
+                <a:tc>
+                  <a:txBody>
+                    <a:bodyPr/>
+                    <a:lstStyle/>
+                    <a:p>
+                      <a:endParaRPr lang="vi-VN"/>
+                    </a:p>
+                  </a:txBody>
+                  <a:tcPr anchor="ctr">
+                    <a:lnL w="12700" cap="flat" cmpd="sng" algn="ctr">
+                      <a:solidFill>
+                        <a:schemeClr val="tx1"/>
+                      </a:solidFill>
+                      <a:prstDash val="solid"/>
+                      <a:round/>
+                      <a:headEnd type="none" w="med" len="med"/>
+                      <a:tailEnd type="none" w="med" len="med"/>
+                    </a:lnL>
+                    <a:lnR w="12700" cap="flat" cmpd="sng" algn="ctr">
+                      <a:solidFill>
+                        <a:schemeClr val="tx1"/>
+                      </a:solidFill>
+                      <a:prstDash val="solid"/>
+                      <a:round/>
+                      <a:headEnd type="none" w="med" len="med"/>
+                      <a:tailEnd type="none" w="med" len="med"/>
+                    </a:lnR>
+                    <a:lnT w="12700" cap="flat" cmpd="sng" algn="ctr">
+                      <a:solidFill>
+                        <a:schemeClr val="tx1"/>
+                      </a:solidFill>
+                      <a:prstDash val="solid"/>
+                      <a:round/>
+                      <a:headEnd type="none" w="med" len="med"/>
+                      <a:tailEnd type="none" w="med" len="med"/>
+                    </a:lnT>
+                    <a:lnB w="12700" cap="flat" cmpd="sng" algn="ctr">
+                      <a:solidFill>
+                        <a:schemeClr val="tx1"/>
+                      </a:solidFill>
+                      <a:prstDash val="solid"/>
+                      <a:round/>
+                      <a:headEnd type="none" w="med" len="med"/>
+                      <a:tailEnd type="none" w="med" len="med"/>
+                    </a:lnB>
+                    <a:solidFill>
+                      <a:schemeClr val="bg1"/>
+                    </a:solidFill>
+                  </a:tcPr>
+                </a:tc>
+                <a:extLst>
+                  <a:ext uri="{0D108BD9-81ED-4DB2-BD59-A6C34878D82A}">
+                    <a16:rowId xmlns:a16="http://schemas.microsoft.com/office/drawing/2014/main" val="3295841283"/>
+                  </a:ext>
+                </a:extLst>
+              </a:tr>
+              <a:tr h="360000">
+                <a:tc>
+                  <a:txBody>
+                    <a:bodyPr/>
+                    <a:lstStyle/>
+                    <a:p>
+                      <a:endParaRPr lang="vi-VN"/>
+                    </a:p>
+                  </a:txBody>
+                  <a:tcPr anchor="ctr">
+                    <a:lnL w="12700" cap="flat" cmpd="sng" algn="ctr">
+                      <a:solidFill>
+                        <a:schemeClr val="tx1"/>
+                      </a:solidFill>
+                      <a:prstDash val="solid"/>
+                      <a:round/>
+                      <a:headEnd type="none" w="med" len="med"/>
+                      <a:tailEnd type="none" w="med" len="med"/>
+                    </a:lnL>
+                    <a:lnR w="12700" cap="flat" cmpd="sng" algn="ctr">
+                      <a:solidFill>
+                        <a:schemeClr val="tx1"/>
+                      </a:solidFill>
+                      <a:prstDash val="solid"/>
+                      <a:round/>
+                      <a:headEnd type="none" w="med" len="med"/>
+                      <a:tailEnd type="none" w="med" len="med"/>
+                    </a:lnR>
+                    <a:lnT w="12700" cap="flat" cmpd="sng" algn="ctr">
+                      <a:solidFill>
+                        <a:schemeClr val="tx1"/>
+                      </a:solidFill>
+                      <a:prstDash val="solid"/>
+                      <a:round/>
+                      <a:headEnd type="none" w="med" len="med"/>
+                      <a:tailEnd type="none" w="med" len="med"/>
+                    </a:lnT>
+                    <a:lnB w="12700" cap="flat" cmpd="sng" algn="ctr">
+                      <a:solidFill>
+                        <a:schemeClr val="tx1"/>
+                      </a:solidFill>
+                      <a:prstDash val="solid"/>
+                      <a:round/>
+                      <a:headEnd type="none" w="med" len="med"/>
+                      <a:tailEnd type="none" w="med" len="med"/>
+                    </a:lnB>
+                    <a:solidFill>
+                      <a:schemeClr val="bg1"/>
+                    </a:solidFill>
+                  </a:tcPr>
+                </a:tc>
+                <a:tc>
+                  <a:txBody>
+                    <a:bodyPr/>
+                    <a:lstStyle/>
+                    <a:p>
+                      <a:endParaRPr lang="vi-VN"/>
+                    </a:p>
+                  </a:txBody>
+                  <a:tcPr anchor="ctr">
+                    <a:lnL w="12700" cap="flat" cmpd="sng" algn="ctr">
+                      <a:solidFill>
+                        <a:schemeClr val="tx1"/>
+                      </a:solidFill>
+                      <a:prstDash val="solid"/>
+                      <a:round/>
+                      <a:headEnd type="none" w="med" len="med"/>
+                      <a:tailEnd type="none" w="med" len="med"/>
+                    </a:lnL>
+                    <a:lnR w="12700" cap="flat" cmpd="sng" algn="ctr">
+                      <a:solidFill>
+                        <a:schemeClr val="tx1"/>
+                      </a:solidFill>
+                      <a:prstDash val="solid"/>
+                      <a:round/>
+                      <a:headEnd type="none" w="med" len="med"/>
+                      <a:tailEnd type="none" w="med" len="med"/>
+                    </a:lnR>
+                    <a:lnT w="12700" cap="flat" cmpd="sng" algn="ctr">
+                      <a:solidFill>
+                        <a:schemeClr val="tx1"/>
+                      </a:solidFill>
+                      <a:prstDash val="solid"/>
+                      <a:round/>
+                      <a:headEnd type="none" w="med" len="med"/>
+                      <a:tailEnd type="none" w="med" len="med"/>
+                    </a:lnT>
+                    <a:lnB w="12700" cap="flat" cmpd="sng" algn="ctr">
+                      <a:solidFill>
+                        <a:schemeClr val="tx1"/>
+                      </a:solidFill>
+                      <a:prstDash val="solid"/>
+                      <a:round/>
+                      <a:headEnd type="none" w="med" len="med"/>
+                      <a:tailEnd type="none" w="med" len="med"/>
+                    </a:lnB>
+                    <a:solidFill>
+                      <a:schemeClr val="bg1"/>
+                    </a:solidFill>
+                  </a:tcPr>
+                </a:tc>
+                <a:tc>
+                  <a:txBody>
+                    <a:bodyPr/>
+                    <a:lstStyle/>
+                    <a:p>
+                      <a:endParaRPr lang="vi-VN" dirty="0"/>
+                    </a:p>
+                  </a:txBody>
+                  <a:tcPr anchor="ctr">
+                    <a:lnL w="12700" cap="flat" cmpd="sng" algn="ctr">
+                      <a:solidFill>
+                        <a:schemeClr val="tx1"/>
+                      </a:solidFill>
+                      <a:prstDash val="solid"/>
+                      <a:round/>
+                      <a:headEnd type="none" w="med" len="med"/>
+                      <a:tailEnd type="none" w="med" len="med"/>
+                    </a:lnL>
+                    <a:lnR w="12700" cap="flat" cmpd="sng" algn="ctr">
+                      <a:solidFill>
+                        <a:schemeClr val="tx1"/>
+                      </a:solidFill>
+                      <a:prstDash val="solid"/>
+                      <a:round/>
+                      <a:headEnd type="none" w="med" len="med"/>
+                      <a:tailEnd type="none" w="med" len="med"/>
+                    </a:lnR>
+                    <a:lnT w="12700" cap="flat" cmpd="sng" algn="ctr">
+                      <a:solidFill>
+                        <a:schemeClr val="tx1"/>
+                      </a:solidFill>
+                      <a:prstDash val="solid"/>
+                      <a:round/>
+                      <a:headEnd type="none" w="med" len="med"/>
+                      <a:tailEnd type="none" w="med" len="med"/>
+                    </a:lnT>
+                    <a:lnB w="12700" cap="flat" cmpd="sng" algn="ctr">
+                      <a:solidFill>
+                        <a:schemeClr val="tx1"/>
+                      </a:solidFill>
+                      <a:prstDash val="solid"/>
+                      <a:round/>
+                      <a:headEnd type="none" w="med" len="med"/>
+                      <a:tailEnd type="none" w="med" len="med"/>
+                    </a:lnB>
+                    <a:solidFill>
+                      <a:schemeClr val="bg1"/>
+                    </a:solidFill>
+                  </a:tcPr>
+                </a:tc>
+                <a:tc>
+                  <a:txBody>
+                    <a:bodyPr/>
+                    <a:lstStyle/>
+                    <a:p>
+                      <a:endParaRPr lang="vi-VN"/>
+                    </a:p>
+                  </a:txBody>
+                  <a:tcPr anchor="ctr">
+                    <a:lnL w="12700" cap="flat" cmpd="sng" algn="ctr">
+                      <a:solidFill>
+                        <a:schemeClr val="tx1"/>
+                      </a:solidFill>
+                      <a:prstDash val="solid"/>
+                      <a:round/>
+                      <a:headEnd type="none" w="med" len="med"/>
+                      <a:tailEnd type="none" w="med" len="med"/>
+                    </a:lnL>
+                    <a:lnR w="12700" cap="flat" cmpd="sng" algn="ctr">
+                      <a:solidFill>
+                        <a:schemeClr val="tx1"/>
+                      </a:solidFill>
+                      <a:prstDash val="solid"/>
+                      <a:round/>
+                      <a:headEnd type="none" w="med" len="med"/>
+                      <a:tailEnd type="none" w="med" len="med"/>
+                    </a:lnR>
+                    <a:lnT w="12700" cap="flat" cmpd="sng" algn="ctr">
+                      <a:solidFill>
+                        <a:schemeClr val="tx1"/>
+                      </a:solidFill>
+                      <a:prstDash val="solid"/>
+                      <a:round/>
+                      <a:headEnd type="none" w="med" len="med"/>
+                      <a:tailEnd type="none" w="med" len="med"/>
+                    </a:lnT>
+                    <a:lnB w="12700" cap="flat" cmpd="sng" algn="ctr">
+                      <a:solidFill>
+                        <a:schemeClr val="tx1"/>
+                      </a:solidFill>
+                      <a:prstDash val="solid"/>
+                      <a:round/>
+                      <a:headEnd type="none" w="med" len="med"/>
+                      <a:tailEnd type="none" w="med" len="med"/>
+                    </a:lnB>
+                    <a:solidFill>
+                      <a:schemeClr val="bg1"/>
+                    </a:solidFill>
+                  </a:tcPr>
+                </a:tc>
+                <a:tc>
+                  <a:txBody>
+                    <a:bodyPr/>
+                    <a:lstStyle/>
+                    <a:p>
+                      <a:endParaRPr lang="vi-VN"/>
+                    </a:p>
+                  </a:txBody>
+                  <a:tcPr anchor="ctr">
+                    <a:lnL w="12700" cap="flat" cmpd="sng" algn="ctr">
+                      <a:solidFill>
+                        <a:schemeClr val="tx1"/>
+                      </a:solidFill>
+                      <a:prstDash val="solid"/>
+                      <a:round/>
+                      <a:headEnd type="none" w="med" len="med"/>
+                      <a:tailEnd type="none" w="med" len="med"/>
+                    </a:lnL>
+                    <a:lnR w="12700" cap="flat" cmpd="sng" algn="ctr">
+                      <a:solidFill>
+                        <a:schemeClr val="tx1"/>
+                      </a:solidFill>
+                      <a:prstDash val="solid"/>
+                      <a:round/>
+                      <a:headEnd type="none" w="med" len="med"/>
+                      <a:tailEnd type="none" w="med" len="med"/>
+                    </a:lnR>
+                    <a:lnT w="12700" cap="flat" cmpd="sng" algn="ctr">
+                      <a:solidFill>
+                        <a:schemeClr val="tx1"/>
+                      </a:solidFill>
+                      <a:prstDash val="solid"/>
+                      <a:round/>
+                      <a:headEnd type="none" w="med" len="med"/>
+                      <a:tailEnd type="none" w="med" len="med"/>
+                    </a:lnT>
+                    <a:lnB w="12700" cap="flat" cmpd="sng" algn="ctr">
+                      <a:solidFill>
+                        <a:schemeClr val="tx1"/>
+                      </a:solidFill>
+                      <a:prstDash val="solid"/>
+                      <a:round/>
+                      <a:headEnd type="none" w="med" len="med"/>
+                      <a:tailEnd type="none" w="med" len="med"/>
+                    </a:lnB>
+                    <a:solidFill>
+                      <a:schemeClr val="bg1"/>
+                    </a:solidFill>
+                  </a:tcPr>
+                </a:tc>
+                <a:tc>
+                  <a:txBody>
+                    <a:bodyPr/>
+                    <a:lstStyle/>
+                    <a:p>
+                      <a:endParaRPr lang="vi-VN"/>
+                    </a:p>
+                  </a:txBody>
+                  <a:tcPr anchor="ctr">
+                    <a:lnL w="12700" cap="flat" cmpd="sng" algn="ctr">
+                      <a:solidFill>
+                        <a:schemeClr val="tx1"/>
+                      </a:solidFill>
+                      <a:prstDash val="solid"/>
+                      <a:round/>
+                      <a:headEnd type="none" w="med" len="med"/>
+                      <a:tailEnd type="none" w="med" len="med"/>
+                    </a:lnL>
+                    <a:lnR w="12700" cap="flat" cmpd="sng" algn="ctr">
+                      <a:solidFill>
+                        <a:schemeClr val="tx1"/>
+                      </a:solidFill>
+                      <a:prstDash val="solid"/>
+                      <a:round/>
+                      <a:headEnd type="none" w="med" len="med"/>
+                      <a:tailEnd type="none" w="med" len="med"/>
+                    </a:lnR>
+                    <a:lnT w="12700" cap="flat" cmpd="sng" algn="ctr">
+                      <a:solidFill>
+                        <a:schemeClr val="tx1"/>
+                      </a:solidFill>
+                      <a:prstDash val="solid"/>
+                      <a:round/>
+                      <a:headEnd type="none" w="med" len="med"/>
+                      <a:tailEnd type="none" w="med" len="med"/>
+                    </a:lnT>
+                    <a:lnB w="12700" cap="flat" cmpd="sng" algn="ctr">
+                      <a:solidFill>
+                        <a:schemeClr val="tx1"/>
+                      </a:solidFill>
+                      <a:prstDash val="solid"/>
+                      <a:round/>
+                      <a:headEnd type="none" w="med" len="med"/>
+                      <a:tailEnd type="none" w="med" len="med"/>
+                    </a:lnB>
+                    <a:solidFill>
+                      <a:schemeClr val="bg1"/>
+                    </a:solidFill>
+                  </a:tcPr>
+                </a:tc>
+                <a:tc>
+                  <a:txBody>
+                    <a:bodyPr/>
+                    <a:lstStyle/>
+                    <a:p>
+                      <a:endParaRPr lang="vi-VN"/>
+                    </a:p>
+                  </a:txBody>
+                  <a:tcPr anchor="ctr">
+                    <a:lnL w="12700" cap="flat" cmpd="sng" algn="ctr">
+                      <a:solidFill>
+                        <a:schemeClr val="tx1"/>
+                      </a:solidFill>
+                      <a:prstDash val="solid"/>
+                      <a:round/>
+                      <a:headEnd type="none" w="med" len="med"/>
+                      <a:tailEnd type="none" w="med" len="med"/>
+                    </a:lnL>
+                    <a:lnR w="12700" cap="flat" cmpd="sng" algn="ctr">
+                      <a:solidFill>
+                        <a:schemeClr val="tx1"/>
+                      </a:solidFill>
+                      <a:prstDash val="solid"/>
+                      <a:round/>
+                      <a:headEnd type="none" w="med" len="med"/>
+                      <a:tailEnd type="none" w="med" len="med"/>
+                    </a:lnR>
+                    <a:lnT w="12700" cap="flat" cmpd="sng" algn="ctr">
+                      <a:solidFill>
+                        <a:schemeClr val="tx1"/>
+                      </a:solidFill>
+                      <a:prstDash val="solid"/>
+                      <a:round/>
+                      <a:headEnd type="none" w="med" len="med"/>
+                      <a:tailEnd type="none" w="med" len="med"/>
+                    </a:lnT>
+                    <a:lnB w="12700" cap="flat" cmpd="sng" algn="ctr">
+                      <a:solidFill>
+                        <a:schemeClr val="tx1"/>
+                      </a:solidFill>
+                      <a:prstDash val="solid"/>
+                      <a:round/>
+                      <a:headEnd type="none" w="med" len="med"/>
+                      <a:tailEnd type="none" w="med" len="med"/>
+                    </a:lnB>
+                    <a:solidFill>
+                      <a:schemeClr val="bg1"/>
+                    </a:solidFill>
+                  </a:tcPr>
+                </a:tc>
+                <a:tc>
+                  <a:txBody>
+                    <a:bodyPr/>
+                    <a:lstStyle/>
+                    <a:p>
+                      <a:endParaRPr lang="vi-VN"/>
+                    </a:p>
+                  </a:txBody>
+                  <a:tcPr anchor="ctr">
+                    <a:lnL w="12700" cap="flat" cmpd="sng" algn="ctr">
+                      <a:solidFill>
+                        <a:schemeClr val="tx1"/>
+                      </a:solidFill>
+                      <a:prstDash val="solid"/>
+                      <a:round/>
+                      <a:headEnd type="none" w="med" len="med"/>
+                      <a:tailEnd type="none" w="med" len="med"/>
+                    </a:lnL>
+                    <a:lnR w="12700" cap="flat" cmpd="sng" algn="ctr">
+                      <a:solidFill>
+                        <a:schemeClr val="tx1"/>
+                      </a:solidFill>
+                      <a:prstDash val="solid"/>
+                      <a:round/>
+                      <a:headEnd type="none" w="med" len="med"/>
+                      <a:tailEnd type="none" w="med" len="med"/>
+                    </a:lnR>
+                    <a:lnT w="12700" cap="flat" cmpd="sng" algn="ctr">
+                      <a:solidFill>
+                        <a:schemeClr val="tx1"/>
+                      </a:solidFill>
+                      <a:prstDash val="solid"/>
+                      <a:round/>
+                      <a:headEnd type="none" w="med" len="med"/>
+                      <a:tailEnd type="none" w="med" len="med"/>
+                    </a:lnT>
+                    <a:lnB w="12700" cap="flat" cmpd="sng" algn="ctr">
+                      <a:solidFill>
+                        <a:schemeClr val="tx1"/>
+                      </a:solidFill>
+                      <a:prstDash val="solid"/>
+                      <a:round/>
+                      <a:headEnd type="none" w="med" len="med"/>
+                      <a:tailEnd type="none" w="med" len="med"/>
+                    </a:lnB>
+                    <a:solidFill>
+                      <a:schemeClr val="bg1"/>
+                    </a:solidFill>
+                  </a:tcPr>
+                </a:tc>
+                <a:extLst>
+                  <a:ext uri="{0D108BD9-81ED-4DB2-BD59-A6C34878D82A}">
+                    <a16:rowId xmlns:a16="http://schemas.microsoft.com/office/drawing/2014/main" val="645039101"/>
+                  </a:ext>
+                </a:extLst>
+              </a:tr>
+              <a:tr h="360000">
+                <a:tc>
+                  <a:txBody>
+                    <a:bodyPr/>
+                    <a:lstStyle/>
+                    <a:p>
+                      <a:endParaRPr lang="vi-VN"/>
+                    </a:p>
+                  </a:txBody>
+                  <a:tcPr anchor="ctr">
+                    <a:lnL w="12700" cap="flat" cmpd="sng" algn="ctr">
+                      <a:solidFill>
+                        <a:schemeClr val="tx1"/>
+                      </a:solidFill>
+                      <a:prstDash val="solid"/>
+                      <a:round/>
+                      <a:headEnd type="none" w="med" len="med"/>
+                      <a:tailEnd type="none" w="med" len="med"/>
+                    </a:lnL>
+                    <a:lnR w="12700" cap="flat" cmpd="sng" algn="ctr">
+                      <a:solidFill>
+                        <a:schemeClr val="tx1"/>
+                      </a:solidFill>
+                      <a:prstDash val="solid"/>
+                      <a:round/>
+                      <a:headEnd type="none" w="med" len="med"/>
+                      <a:tailEnd type="none" w="med" len="med"/>
+                    </a:lnR>
+                    <a:lnT w="12700" cap="flat" cmpd="sng" algn="ctr">
+                      <a:solidFill>
+                        <a:schemeClr val="tx1"/>
+                      </a:solidFill>
+                      <a:prstDash val="solid"/>
+                      <a:round/>
+                      <a:headEnd type="none" w="med" len="med"/>
+                      <a:tailEnd type="none" w="med" len="med"/>
+                    </a:lnT>
+                    <a:lnB w="12700" cap="flat" cmpd="sng" algn="ctr">
+                      <a:solidFill>
+                        <a:schemeClr val="tx1"/>
+                      </a:solidFill>
+                      <a:prstDash val="solid"/>
+                      <a:round/>
+                      <a:headEnd type="none" w="med" len="med"/>
+                      <a:tailEnd type="none" w="med" len="med"/>
+                    </a:lnB>
+                    <a:solidFill>
+                      <a:schemeClr val="bg1"/>
+                    </a:solidFill>
+                  </a:tcPr>
+                </a:tc>
+                <a:tc>
+                  <a:txBody>
+                    <a:bodyPr/>
+                    <a:lstStyle/>
+                    <a:p>
+                      <a:endParaRPr lang="vi-VN"/>
+                    </a:p>
+                  </a:txBody>
+                  <a:tcPr anchor="ctr">
+                    <a:lnL w="12700" cap="flat" cmpd="sng" algn="ctr">
+                      <a:solidFill>
+                        <a:schemeClr val="tx1"/>
+                      </a:solidFill>
+                      <a:prstDash val="solid"/>
+                      <a:round/>
+                      <a:headEnd type="none" w="med" len="med"/>
+                      <a:tailEnd type="none" w="med" len="med"/>
+                    </a:lnL>
+                    <a:lnR w="12700" cap="flat" cmpd="sng" algn="ctr">
+                      <a:solidFill>
+                        <a:schemeClr val="tx1"/>
+                      </a:solidFill>
+                      <a:prstDash val="solid"/>
+                      <a:round/>
+                      <a:headEnd type="none" w="med" len="med"/>
+                      <a:tailEnd type="none" w="med" len="med"/>
+                    </a:lnR>
+                    <a:lnT w="12700" cap="flat" cmpd="sng" algn="ctr">
+                      <a:solidFill>
+                        <a:schemeClr val="tx1"/>
+                      </a:solidFill>
+                      <a:prstDash val="solid"/>
+                      <a:round/>
+                      <a:headEnd type="none" w="med" len="med"/>
+                      <a:tailEnd type="none" w="med" len="med"/>
+                    </a:lnT>
+                    <a:lnB w="12700" cap="flat" cmpd="sng" algn="ctr">
+                      <a:solidFill>
+                        <a:schemeClr val="tx1"/>
+                      </a:solidFill>
+                      <a:prstDash val="solid"/>
+                      <a:round/>
+                      <a:headEnd type="none" w="med" len="med"/>
+                      <a:tailEnd type="none" w="med" len="med"/>
+                    </a:lnB>
+                    <a:solidFill>
+                      <a:schemeClr val="bg1"/>
+                    </a:solidFill>
+                  </a:tcPr>
+                </a:tc>
+                <a:tc>
+                  <a:txBody>
+                    <a:bodyPr/>
+                    <a:lstStyle/>
+                    <a:p>
+                      <a:endParaRPr lang="vi-VN" dirty="0"/>
+                    </a:p>
+                  </a:txBody>
+                  <a:tcPr anchor="ctr">
+                    <a:lnL w="12700" cap="flat" cmpd="sng" algn="ctr">
+                      <a:solidFill>
+                        <a:schemeClr val="tx1"/>
+                      </a:solidFill>
+                      <a:prstDash val="solid"/>
+                      <a:round/>
+                      <a:headEnd type="none" w="med" len="med"/>
+                      <a:tailEnd type="none" w="med" len="med"/>
+                    </a:lnL>
+                    <a:lnR w="12700" cap="flat" cmpd="sng" algn="ctr">
+                      <a:solidFill>
+                        <a:schemeClr val="tx1"/>
+                      </a:solidFill>
+                      <a:prstDash val="solid"/>
+                      <a:round/>
+                      <a:headEnd type="none" w="med" len="med"/>
+                      <a:tailEnd type="none" w="med" len="med"/>
+                    </a:lnR>
+                    <a:lnT w="12700" cap="flat" cmpd="sng" algn="ctr">
+                      <a:solidFill>
+                        <a:schemeClr val="tx1"/>
+                      </a:solidFill>
+                      <a:prstDash val="solid"/>
+                      <a:round/>
+                      <a:headEnd type="none" w="med" len="med"/>
+                      <a:tailEnd type="none" w="med" len="med"/>
+                    </a:lnT>
+                    <a:lnB w="12700" cap="flat" cmpd="sng" algn="ctr">
+                      <a:solidFill>
+                        <a:schemeClr val="tx1"/>
+                      </a:solidFill>
+                      <a:prstDash val="solid"/>
+                      <a:round/>
+                      <a:headEnd type="none" w="med" len="med"/>
+                      <a:tailEnd type="none" w="med" len="med"/>
+                    </a:lnB>
+                    <a:solidFill>
+                      <a:schemeClr val="tx1"/>
+                    </a:solidFill>
+                  </a:tcPr>
+                </a:tc>
+                <a:tc>
+                  <a:txBody>
+                    <a:bodyPr/>
+                    <a:lstStyle/>
+                    <a:p>
+                      <a:endParaRPr lang="vi-VN" dirty="0"/>
+                    </a:p>
+                  </a:txBody>
+                  <a:tcPr anchor="ctr">
+                    <a:lnL w="12700" cap="flat" cmpd="sng" algn="ctr">
+                      <a:solidFill>
+                        <a:schemeClr val="tx1"/>
+                      </a:solidFill>
+                      <a:prstDash val="solid"/>
+                      <a:round/>
+                      <a:headEnd type="none" w="med" len="med"/>
+                      <a:tailEnd type="none" w="med" len="med"/>
+                    </a:lnL>
+                    <a:lnR w="12700" cap="flat" cmpd="sng" algn="ctr">
+                      <a:solidFill>
+                        <a:schemeClr val="tx1"/>
+                      </a:solidFill>
+                      <a:prstDash val="solid"/>
+                      <a:round/>
+                      <a:headEnd type="none" w="med" len="med"/>
+                      <a:tailEnd type="none" w="med" len="med"/>
+                    </a:lnR>
+                    <a:lnT w="12700" cap="flat" cmpd="sng" algn="ctr">
+                      <a:solidFill>
+                        <a:schemeClr val="tx1"/>
+                      </a:solidFill>
+                      <a:prstDash val="solid"/>
+                      <a:round/>
+                      <a:headEnd type="none" w="med" len="med"/>
+                      <a:tailEnd type="none" w="med" len="med"/>
+                    </a:lnT>
+                    <a:lnB w="12700" cap="flat" cmpd="sng" algn="ctr">
+                      <a:solidFill>
+                        <a:schemeClr val="tx1"/>
+                      </a:solidFill>
+                      <a:prstDash val="solid"/>
+                      <a:round/>
+                      <a:headEnd type="none" w="med" len="med"/>
+                      <a:tailEnd type="none" w="med" len="med"/>
+                    </a:lnB>
+                    <a:solidFill>
+                      <a:schemeClr val="tx1"/>
+                    </a:solidFill>
+                  </a:tcPr>
+                </a:tc>
+                <a:tc>
+                  <a:txBody>
+                    <a:bodyPr/>
+                    <a:lstStyle/>
+                    <a:p>
+                      <a:endParaRPr lang="vi-VN" dirty="0"/>
+                    </a:p>
+                  </a:txBody>
+                  <a:tcPr anchor="ctr">
+                    <a:lnL w="12700" cap="flat" cmpd="sng" algn="ctr">
+                      <a:solidFill>
+                        <a:schemeClr val="tx1"/>
+                      </a:solidFill>
+                      <a:prstDash val="solid"/>
+                      <a:round/>
+                      <a:headEnd type="none" w="med" len="med"/>
+                      <a:tailEnd type="none" w="med" len="med"/>
+                    </a:lnL>
+                    <a:lnR w="12700" cap="flat" cmpd="sng" algn="ctr">
+                      <a:solidFill>
+                        <a:schemeClr val="tx1"/>
+                      </a:solidFill>
+                      <a:prstDash val="solid"/>
+                      <a:round/>
+                      <a:headEnd type="none" w="med" len="med"/>
+                      <a:tailEnd type="none" w="med" len="med"/>
+                    </a:lnR>
+                    <a:lnT w="12700" cap="flat" cmpd="sng" algn="ctr">
+                      <a:solidFill>
+                        <a:schemeClr val="tx1"/>
+                      </a:solidFill>
+                      <a:prstDash val="solid"/>
+                      <a:round/>
+                      <a:headEnd type="none" w="med" len="med"/>
+                      <a:tailEnd type="none" w="med" len="med"/>
+                    </a:lnT>
+                    <a:lnB w="12700" cap="flat" cmpd="sng" algn="ctr">
+                      <a:solidFill>
+                        <a:schemeClr val="tx1"/>
+                      </a:solidFill>
+                      <a:prstDash val="solid"/>
+                      <a:round/>
+                      <a:headEnd type="none" w="med" len="med"/>
+                      <a:tailEnd type="none" w="med" len="med"/>
+                    </a:lnB>
+                    <a:solidFill>
+                      <a:schemeClr val="tx1"/>
+                    </a:solidFill>
+                  </a:tcPr>
+                </a:tc>
+                <a:tc>
+                  <a:txBody>
+                    <a:bodyPr/>
+                    <a:lstStyle/>
+                    <a:p>
+                      <a:endParaRPr lang="vi-VN" dirty="0"/>
+                    </a:p>
+                  </a:txBody>
+                  <a:tcPr anchor="ctr">
+                    <a:lnL w="12700" cap="flat" cmpd="sng" algn="ctr">
+                      <a:solidFill>
+                        <a:schemeClr val="tx1"/>
+                      </a:solidFill>
+                      <a:prstDash val="solid"/>
+                      <a:round/>
+                      <a:headEnd type="none" w="med" len="med"/>
+                      <a:tailEnd type="none" w="med" len="med"/>
+                    </a:lnL>
+                    <a:lnR w="12700" cap="flat" cmpd="sng" algn="ctr">
+                      <a:solidFill>
+                        <a:schemeClr val="tx1"/>
+                      </a:solidFill>
+                      <a:prstDash val="solid"/>
+                      <a:round/>
+                      <a:headEnd type="none" w="med" len="med"/>
+                      <a:tailEnd type="none" w="med" len="med"/>
+                    </a:lnR>
+                    <a:lnT w="12700" cap="flat" cmpd="sng" algn="ctr">
+                      <a:solidFill>
+                        <a:schemeClr val="tx1"/>
+                      </a:solidFill>
+                      <a:prstDash val="solid"/>
+                      <a:round/>
+                      <a:headEnd type="none" w="med" len="med"/>
+                      <a:tailEnd type="none" w="med" len="med"/>
+                    </a:lnT>
+                    <a:lnB w="12700" cap="flat" cmpd="sng" algn="ctr">
+                      <a:solidFill>
+                        <a:schemeClr val="tx1"/>
+                      </a:solidFill>
+                      <a:prstDash val="solid"/>
+                      <a:round/>
+                      <a:headEnd type="none" w="med" len="med"/>
+                      <a:tailEnd type="none" w="med" len="med"/>
+                    </a:lnB>
+                    <a:solidFill>
+                      <a:schemeClr val="tx1"/>
+                    </a:solidFill>
+                  </a:tcPr>
+                </a:tc>
+                <a:tc>
+                  <a:txBody>
+                    <a:bodyPr/>
+                    <a:lstStyle/>
+                    <a:p>
+                      <a:endParaRPr lang="vi-VN" dirty="0"/>
+                    </a:p>
+                  </a:txBody>
+                  <a:tcPr anchor="ctr">
+                    <a:lnL w="12700" cap="flat" cmpd="sng" algn="ctr">
+                      <a:solidFill>
+                        <a:schemeClr val="tx1"/>
+                      </a:solidFill>
+                      <a:prstDash val="solid"/>
+                      <a:round/>
+                      <a:headEnd type="none" w="med" len="med"/>
+                      <a:tailEnd type="none" w="med" len="med"/>
+                    </a:lnL>
+                    <a:lnR w="12700" cap="flat" cmpd="sng" algn="ctr">
+                      <a:solidFill>
+                        <a:schemeClr val="tx1"/>
+                      </a:solidFill>
+                      <a:prstDash val="solid"/>
+                      <a:round/>
+                      <a:headEnd type="none" w="med" len="med"/>
+                      <a:tailEnd type="none" w="med" len="med"/>
+                    </a:lnR>
+                    <a:lnT w="12700" cap="flat" cmpd="sng" algn="ctr">
+                      <a:solidFill>
+                        <a:schemeClr val="tx1"/>
+                      </a:solidFill>
+                      <a:prstDash val="solid"/>
+                      <a:round/>
+                      <a:headEnd type="none" w="med" len="med"/>
+                      <a:tailEnd type="none" w="med" len="med"/>
+                    </a:lnT>
+                    <a:lnB w="12700" cap="flat" cmpd="sng" algn="ctr">
+                      <a:solidFill>
+                        <a:schemeClr val="tx1"/>
+                      </a:solidFill>
+                      <a:prstDash val="solid"/>
+                      <a:round/>
+                      <a:headEnd type="none" w="med" len="med"/>
+                      <a:tailEnd type="none" w="med" len="med"/>
+                    </a:lnB>
+                    <a:solidFill>
+                      <a:schemeClr val="tx1"/>
+                    </a:solidFill>
+                  </a:tcPr>
+                </a:tc>
+                <a:tc>
+                  <a:txBody>
+                    <a:bodyPr/>
+                    <a:lstStyle/>
+                    <a:p>
+                      <a:endParaRPr lang="vi-VN"/>
+                    </a:p>
+                  </a:txBody>
+                  <a:tcPr anchor="ctr">
+                    <a:lnL w="12700" cap="flat" cmpd="sng" algn="ctr">
+                      <a:solidFill>
+                        <a:schemeClr val="tx1"/>
+                      </a:solidFill>
+                      <a:prstDash val="solid"/>
+                      <a:round/>
+                      <a:headEnd type="none" w="med" len="med"/>
+                      <a:tailEnd type="none" w="med" len="med"/>
+                    </a:lnL>
+                    <a:lnR w="12700" cap="flat" cmpd="sng" algn="ctr">
+                      <a:solidFill>
+                        <a:schemeClr val="tx1"/>
+                      </a:solidFill>
+                      <a:prstDash val="solid"/>
+                      <a:round/>
+                      <a:headEnd type="none" w="med" len="med"/>
+                      <a:tailEnd type="none" w="med" len="med"/>
+                    </a:lnR>
+                    <a:lnT w="12700" cap="flat" cmpd="sng" algn="ctr">
+                      <a:solidFill>
+                        <a:schemeClr val="tx1"/>
+                      </a:solidFill>
+                      <a:prstDash val="solid"/>
+                      <a:round/>
+                      <a:headEnd type="none" w="med" len="med"/>
+                      <a:tailEnd type="none" w="med" len="med"/>
+                    </a:lnT>
+                    <a:lnB w="12700" cap="flat" cmpd="sng" algn="ctr">
+                      <a:solidFill>
+                        <a:schemeClr val="tx1"/>
+                      </a:solidFill>
+                      <a:prstDash val="solid"/>
+                      <a:round/>
+                      <a:headEnd type="none" w="med" len="med"/>
+                      <a:tailEnd type="none" w="med" len="med"/>
+                    </a:lnB>
+                    <a:solidFill>
+                      <a:schemeClr val="bg1"/>
+                    </a:solidFill>
+                  </a:tcPr>
+                </a:tc>
+                <a:extLst>
+                  <a:ext uri="{0D108BD9-81ED-4DB2-BD59-A6C34878D82A}">
+                    <a16:rowId xmlns:a16="http://schemas.microsoft.com/office/drawing/2014/main" val="3839536102"/>
+                  </a:ext>
+                </a:extLst>
+              </a:tr>
+              <a:tr h="360000">
+                <a:tc>
+                  <a:txBody>
+                    <a:bodyPr/>
+                    <a:lstStyle/>
+                    <a:p>
+                      <a:endParaRPr lang="vi-VN"/>
+                    </a:p>
+                  </a:txBody>
+                  <a:tcPr anchor="ctr">
+                    <a:lnL w="12700" cap="flat" cmpd="sng" algn="ctr">
+                      <a:solidFill>
+                        <a:schemeClr val="tx1"/>
+                      </a:solidFill>
+                      <a:prstDash val="solid"/>
+                      <a:round/>
+                      <a:headEnd type="none" w="med" len="med"/>
+                      <a:tailEnd type="none" w="med" len="med"/>
+                    </a:lnL>
+                    <a:lnR w="12700" cap="flat" cmpd="sng" algn="ctr">
+                      <a:solidFill>
+                        <a:schemeClr val="tx1"/>
+                      </a:solidFill>
+                      <a:prstDash val="solid"/>
+                      <a:round/>
+                      <a:headEnd type="none" w="med" len="med"/>
+                      <a:tailEnd type="none" w="med" len="med"/>
+                    </a:lnR>
+                    <a:lnT w="12700" cap="flat" cmpd="sng" algn="ctr">
+                      <a:solidFill>
+                        <a:schemeClr val="tx1"/>
+                      </a:solidFill>
+                      <a:prstDash val="solid"/>
+                      <a:round/>
+                      <a:headEnd type="none" w="med" len="med"/>
+                      <a:tailEnd type="none" w="med" len="med"/>
+                    </a:lnT>
+                    <a:lnB w="12700" cap="flat" cmpd="sng" algn="ctr">
+                      <a:solidFill>
+                        <a:schemeClr val="tx1"/>
+                      </a:solidFill>
+                      <a:prstDash val="solid"/>
+                      <a:round/>
+                      <a:headEnd type="none" w="med" len="med"/>
+                      <a:tailEnd type="none" w="med" len="med"/>
+                    </a:lnB>
+                    <a:solidFill>
+                      <a:schemeClr val="bg1"/>
+                    </a:solidFill>
+                  </a:tcPr>
+                </a:tc>
+                <a:tc>
+                  <a:txBody>
+                    <a:bodyPr/>
+                    <a:lstStyle/>
+                    <a:p>
+                      <a:endParaRPr lang="vi-VN"/>
+                    </a:p>
+                  </a:txBody>
+                  <a:tcPr anchor="ctr">
+                    <a:lnL w="12700" cap="flat" cmpd="sng" algn="ctr">
+                      <a:solidFill>
+                        <a:schemeClr val="tx1"/>
+                      </a:solidFill>
+                      <a:prstDash val="solid"/>
+                      <a:round/>
+                      <a:headEnd type="none" w="med" len="med"/>
+                      <a:tailEnd type="none" w="med" len="med"/>
+                    </a:lnL>
+                    <a:lnR w="12700" cap="flat" cmpd="sng" algn="ctr">
+                      <a:solidFill>
+                        <a:schemeClr val="tx1"/>
+                      </a:solidFill>
+                      <a:prstDash val="solid"/>
+                      <a:round/>
+                      <a:headEnd type="none" w="med" len="med"/>
+                      <a:tailEnd type="none" w="med" len="med"/>
+                    </a:lnR>
+                    <a:lnT w="12700" cap="flat" cmpd="sng" algn="ctr">
+                      <a:solidFill>
+                        <a:schemeClr val="tx1"/>
+                      </a:solidFill>
+                      <a:prstDash val="solid"/>
+                      <a:round/>
+                      <a:headEnd type="none" w="med" len="med"/>
+                      <a:tailEnd type="none" w="med" len="med"/>
+                    </a:lnT>
+                    <a:lnB w="12700" cap="flat" cmpd="sng" algn="ctr">
+                      <a:solidFill>
+                        <a:schemeClr val="tx1"/>
+                      </a:solidFill>
+                      <a:prstDash val="solid"/>
+                      <a:round/>
+                      <a:headEnd type="none" w="med" len="med"/>
+                      <a:tailEnd type="none" w="med" len="med"/>
+                    </a:lnB>
+                    <a:solidFill>
+                      <a:schemeClr val="bg1"/>
+                    </a:solidFill>
+                  </a:tcPr>
+                </a:tc>
+                <a:tc>
+                  <a:txBody>
+                    <a:bodyPr/>
+                    <a:lstStyle/>
+                    <a:p>
+                      <a:endParaRPr lang="vi-VN" dirty="0"/>
+                    </a:p>
+                  </a:txBody>
+                  <a:tcPr anchor="ctr">
+                    <a:lnL w="12700" cap="flat" cmpd="sng" algn="ctr">
+                      <a:solidFill>
+                        <a:schemeClr val="tx1"/>
+                      </a:solidFill>
+                      <a:prstDash val="solid"/>
+                      <a:round/>
+                      <a:headEnd type="none" w="med" len="med"/>
+                      <a:tailEnd type="none" w="med" len="med"/>
+                    </a:lnL>
+                    <a:lnR w="12700" cap="flat" cmpd="sng" algn="ctr">
+                      <a:solidFill>
+                        <a:schemeClr val="tx1"/>
+                      </a:solidFill>
+                      <a:prstDash val="solid"/>
+                      <a:round/>
+                      <a:headEnd type="none" w="med" len="med"/>
+                      <a:tailEnd type="none" w="med" len="med"/>
+                    </a:lnR>
+                    <a:lnT w="12700" cap="flat" cmpd="sng" algn="ctr">
+                      <a:solidFill>
+                        <a:schemeClr val="tx1"/>
+                      </a:solidFill>
+                      <a:prstDash val="solid"/>
+                      <a:round/>
+                      <a:headEnd type="none" w="med" len="med"/>
+                      <a:tailEnd type="none" w="med" len="med"/>
+                    </a:lnT>
+                    <a:lnB w="12700" cap="flat" cmpd="sng" algn="ctr">
+                      <a:solidFill>
+                        <a:schemeClr val="tx1"/>
+                      </a:solidFill>
+                      <a:prstDash val="solid"/>
+                      <a:round/>
+                      <a:headEnd type="none" w="med" len="med"/>
+                      <a:tailEnd type="none" w="med" len="med"/>
+                    </a:lnB>
+                    <a:solidFill>
+                      <a:schemeClr val="tx1"/>
+                    </a:solidFill>
+                  </a:tcPr>
+                </a:tc>
+                <a:tc>
+                  <a:txBody>
+                    <a:bodyPr/>
+                    <a:lstStyle/>
+                    <a:p>
+                      <a:endParaRPr lang="vi-VN" dirty="0"/>
+                    </a:p>
+                  </a:txBody>
+                  <a:tcPr anchor="ctr">
+                    <a:lnL w="12700" cap="flat" cmpd="sng" algn="ctr">
+                      <a:solidFill>
+                        <a:schemeClr val="tx1"/>
+                      </a:solidFill>
+                      <a:prstDash val="solid"/>
+                      <a:round/>
+                      <a:headEnd type="none" w="med" len="med"/>
+                      <a:tailEnd type="none" w="med" len="med"/>
+                    </a:lnL>
+                    <a:lnR w="12700" cap="flat" cmpd="sng" algn="ctr">
+                      <a:solidFill>
+                        <a:schemeClr val="tx1"/>
+                      </a:solidFill>
+                      <a:prstDash val="solid"/>
+                      <a:round/>
+                      <a:headEnd type="none" w="med" len="med"/>
+                      <a:tailEnd type="none" w="med" len="med"/>
+                    </a:lnR>
+                    <a:lnT w="12700" cap="flat" cmpd="sng" algn="ctr">
+                      <a:solidFill>
+                        <a:schemeClr val="tx1"/>
+                      </a:solidFill>
+                      <a:prstDash val="solid"/>
+                      <a:round/>
+                      <a:headEnd type="none" w="med" len="med"/>
+                      <a:tailEnd type="none" w="med" len="med"/>
+                    </a:lnT>
+                    <a:lnB w="12700" cap="flat" cmpd="sng" algn="ctr">
+                      <a:solidFill>
+                        <a:schemeClr val="tx1"/>
+                      </a:solidFill>
+                      <a:prstDash val="solid"/>
+                      <a:round/>
+                      <a:headEnd type="none" w="med" len="med"/>
+                      <a:tailEnd type="none" w="med" len="med"/>
+                    </a:lnB>
+                    <a:solidFill>
+                      <a:schemeClr val="bg1"/>
+                    </a:solidFill>
+                  </a:tcPr>
+                </a:tc>
+                <a:tc>
+                  <a:txBody>
+                    <a:bodyPr/>
+                    <a:lstStyle/>
+                    <a:p>
+                      <a:endParaRPr lang="vi-VN"/>
+                    </a:p>
+                  </a:txBody>
+                  <a:tcPr anchor="ctr">
+                    <a:lnL w="12700" cap="flat" cmpd="sng" algn="ctr">
+                      <a:solidFill>
+                        <a:schemeClr val="tx1"/>
+                      </a:solidFill>
+                      <a:prstDash val="solid"/>
+                      <a:round/>
+                      <a:headEnd type="none" w="med" len="med"/>
+                      <a:tailEnd type="none" w="med" len="med"/>
+                    </a:lnL>
+                    <a:lnR w="12700" cap="flat" cmpd="sng" algn="ctr">
+                      <a:solidFill>
+                        <a:schemeClr val="tx1"/>
+                      </a:solidFill>
+                      <a:prstDash val="solid"/>
+                      <a:round/>
+                      <a:headEnd type="none" w="med" len="med"/>
+                      <a:tailEnd type="none" w="med" len="med"/>
+                    </a:lnR>
+                    <a:lnT w="12700" cap="flat" cmpd="sng" algn="ctr">
+                      <a:solidFill>
+                        <a:schemeClr val="tx1"/>
+                      </a:solidFill>
+                      <a:prstDash val="solid"/>
+                      <a:round/>
+                      <a:headEnd type="none" w="med" len="med"/>
+                      <a:tailEnd type="none" w="med" len="med"/>
+                    </a:lnT>
+                    <a:lnB w="12700" cap="flat" cmpd="sng" algn="ctr">
+                      <a:solidFill>
+                        <a:schemeClr val="tx1"/>
+                      </a:solidFill>
+                      <a:prstDash val="solid"/>
+                      <a:round/>
+                      <a:headEnd type="none" w="med" len="med"/>
+                      <a:tailEnd type="none" w="med" len="med"/>
+                    </a:lnB>
+                    <a:solidFill>
+                      <a:schemeClr val="bg1"/>
+                    </a:solidFill>
+                  </a:tcPr>
+                </a:tc>
+                <a:tc>
+                  <a:txBody>
+                    <a:bodyPr/>
+                    <a:lstStyle/>
+                    <a:p>
+                      <a:endParaRPr lang="vi-VN" dirty="0"/>
+                    </a:p>
+                  </a:txBody>
+                  <a:tcPr anchor="ctr">
+                    <a:lnL w="12700" cap="flat" cmpd="sng" algn="ctr">
+                      <a:solidFill>
+                        <a:schemeClr val="tx1"/>
+                      </a:solidFill>
+                      <a:prstDash val="solid"/>
+                      <a:round/>
+                      <a:headEnd type="none" w="med" len="med"/>
+                      <a:tailEnd type="none" w="med" len="med"/>
+                    </a:lnL>
+                    <a:lnR w="12700" cap="flat" cmpd="sng" algn="ctr">
+                      <a:solidFill>
+                        <a:schemeClr val="tx1"/>
+                      </a:solidFill>
+                      <a:prstDash val="solid"/>
+                      <a:round/>
+                      <a:headEnd type="none" w="med" len="med"/>
+                      <a:tailEnd type="none" w="med" len="med"/>
+                    </a:lnR>
+                    <a:lnT w="12700" cap="flat" cmpd="sng" algn="ctr">
+                      <a:solidFill>
+                        <a:schemeClr val="tx1"/>
+                      </a:solidFill>
+                      <a:prstDash val="solid"/>
+                      <a:round/>
+                      <a:headEnd type="none" w="med" len="med"/>
+                      <a:tailEnd type="none" w="med" len="med"/>
+                    </a:lnT>
+                    <a:lnB w="12700" cap="flat" cmpd="sng" algn="ctr">
+                      <a:solidFill>
+                        <a:schemeClr val="tx1"/>
+                      </a:solidFill>
+                      <a:prstDash val="solid"/>
+                      <a:round/>
+                      <a:headEnd type="none" w="med" len="med"/>
+                      <a:tailEnd type="none" w="med" len="med"/>
+                    </a:lnB>
+                    <a:solidFill>
+                      <a:schemeClr val="bg1"/>
+                    </a:solidFill>
+                  </a:tcPr>
+                </a:tc>
+                <a:tc>
+                  <a:txBody>
+                    <a:bodyPr/>
+                    <a:lstStyle/>
+                    <a:p>
+                      <a:endParaRPr lang="vi-VN" dirty="0"/>
+                    </a:p>
+                  </a:txBody>
+                  <a:tcPr anchor="ctr">
+                    <a:lnL w="12700" cap="flat" cmpd="sng" algn="ctr">
+                      <a:solidFill>
+                        <a:schemeClr val="tx1"/>
+                      </a:solidFill>
+                      <a:prstDash val="solid"/>
+                      <a:round/>
+                      <a:headEnd type="none" w="med" len="med"/>
+                      <a:tailEnd type="none" w="med" len="med"/>
+                    </a:lnL>
+                    <a:lnR w="12700" cap="flat" cmpd="sng" algn="ctr">
+                      <a:solidFill>
+                        <a:schemeClr val="tx1"/>
+                      </a:solidFill>
+                      <a:prstDash val="solid"/>
+                      <a:round/>
+                      <a:headEnd type="none" w="med" len="med"/>
+                      <a:tailEnd type="none" w="med" len="med"/>
+                    </a:lnR>
+                    <a:lnT w="12700" cap="flat" cmpd="sng" algn="ctr">
+                      <a:solidFill>
+                        <a:schemeClr val="tx1"/>
+                      </a:solidFill>
+                      <a:prstDash val="solid"/>
+                      <a:round/>
+                      <a:headEnd type="none" w="med" len="med"/>
+                      <a:tailEnd type="none" w="med" len="med"/>
+                    </a:lnT>
+                    <a:lnB w="12700" cap="flat" cmpd="sng" algn="ctr">
+                      <a:solidFill>
+                        <a:schemeClr val="tx1"/>
+                      </a:solidFill>
+                      <a:prstDash val="solid"/>
+                      <a:round/>
+                      <a:headEnd type="none" w="med" len="med"/>
+                      <a:tailEnd type="none" w="med" len="med"/>
+                    </a:lnB>
+                    <a:solidFill>
+                      <a:schemeClr val="tx1"/>
+                    </a:solidFill>
+                  </a:tcPr>
+                </a:tc>
+                <a:tc>
+                  <a:txBody>
+                    <a:bodyPr/>
+                    <a:lstStyle/>
+                    <a:p>
+                      <a:endParaRPr lang="vi-VN"/>
+                    </a:p>
+                  </a:txBody>
+                  <a:tcPr anchor="ctr">
+                    <a:lnL w="12700" cap="flat" cmpd="sng" algn="ctr">
+                      <a:solidFill>
+                        <a:schemeClr val="tx1"/>
+                      </a:solidFill>
+                      <a:prstDash val="solid"/>
+                      <a:round/>
+                      <a:headEnd type="none" w="med" len="med"/>
+                      <a:tailEnd type="none" w="med" len="med"/>
+                    </a:lnL>
+                    <a:lnR w="12700" cap="flat" cmpd="sng" algn="ctr">
+                      <a:solidFill>
+                        <a:schemeClr val="tx1"/>
+                      </a:solidFill>
+                      <a:prstDash val="solid"/>
+                      <a:round/>
+                      <a:headEnd type="none" w="med" len="med"/>
+                      <a:tailEnd type="none" w="med" len="med"/>
+                    </a:lnR>
+                    <a:lnT w="12700" cap="flat" cmpd="sng" algn="ctr">
+                      <a:solidFill>
+                        <a:schemeClr val="tx1"/>
+                      </a:solidFill>
+                      <a:prstDash val="solid"/>
+                      <a:round/>
+                      <a:headEnd type="none" w="med" len="med"/>
+                      <a:tailEnd type="none" w="med" len="med"/>
+                    </a:lnT>
+                    <a:lnB w="12700" cap="flat" cmpd="sng" algn="ctr">
+                      <a:solidFill>
+                        <a:schemeClr val="tx1"/>
+                      </a:solidFill>
+                      <a:prstDash val="solid"/>
+                      <a:round/>
+                      <a:headEnd type="none" w="med" len="med"/>
+                      <a:tailEnd type="none" w="med" len="med"/>
+                    </a:lnB>
+                    <a:solidFill>
+                      <a:schemeClr val="bg1"/>
+                    </a:solidFill>
+                  </a:tcPr>
+                </a:tc>
+                <a:extLst>
+                  <a:ext uri="{0D108BD9-81ED-4DB2-BD59-A6C34878D82A}">
+                    <a16:rowId xmlns:a16="http://schemas.microsoft.com/office/drawing/2014/main" val="2841914742"/>
+                  </a:ext>
+                </a:extLst>
+              </a:tr>
+              <a:tr h="360000">
+                <a:tc>
+                  <a:txBody>
+                    <a:bodyPr/>
+                    <a:lstStyle/>
+                    <a:p>
+                      <a:endParaRPr lang="vi-VN"/>
+                    </a:p>
+                  </a:txBody>
+                  <a:tcPr anchor="ctr">
+                    <a:lnL w="12700" cap="flat" cmpd="sng" algn="ctr">
+                      <a:solidFill>
+                        <a:schemeClr val="tx1"/>
+                      </a:solidFill>
+                      <a:prstDash val="solid"/>
+                      <a:round/>
+                      <a:headEnd type="none" w="med" len="med"/>
+                      <a:tailEnd type="none" w="med" len="med"/>
+                    </a:lnL>
+                    <a:lnR w="12700" cap="flat" cmpd="sng" algn="ctr">
+                      <a:solidFill>
+                        <a:schemeClr val="tx1"/>
+                      </a:solidFill>
+                      <a:prstDash val="solid"/>
+                      <a:round/>
+                      <a:headEnd type="none" w="med" len="med"/>
+                      <a:tailEnd type="none" w="med" len="med"/>
+                    </a:lnR>
+                    <a:lnT w="12700" cap="flat" cmpd="sng" algn="ctr">
+                      <a:solidFill>
+                        <a:schemeClr val="tx1"/>
+                      </a:solidFill>
+                      <a:prstDash val="solid"/>
+                      <a:round/>
+                      <a:headEnd type="none" w="med" len="med"/>
+                      <a:tailEnd type="none" w="med" len="med"/>
+                    </a:lnT>
+                    <a:lnB w="12700" cap="flat" cmpd="sng" algn="ctr">
+                      <a:solidFill>
+                        <a:schemeClr val="tx1"/>
+                      </a:solidFill>
+                      <a:prstDash val="solid"/>
+                      <a:round/>
+                      <a:headEnd type="none" w="med" len="med"/>
+                      <a:tailEnd type="none" w="med" len="med"/>
+                    </a:lnB>
+                    <a:solidFill>
+                      <a:schemeClr val="bg1"/>
+                    </a:solidFill>
+                  </a:tcPr>
+                </a:tc>
+                <a:tc>
+                  <a:txBody>
+                    <a:bodyPr/>
+                    <a:lstStyle/>
+                    <a:p>
+                      <a:endParaRPr lang="vi-VN"/>
+                    </a:p>
+                  </a:txBody>
+                  <a:tcPr anchor="ctr">
+                    <a:lnL w="12700" cap="flat" cmpd="sng" algn="ctr">
+                      <a:solidFill>
+                        <a:schemeClr val="tx1"/>
+                      </a:solidFill>
+                      <a:prstDash val="solid"/>
+                      <a:round/>
+                      <a:headEnd type="none" w="med" len="med"/>
+                      <a:tailEnd type="none" w="med" len="med"/>
+                    </a:lnL>
+                    <a:lnR w="12700" cap="flat" cmpd="sng" algn="ctr">
+                      <a:solidFill>
+                        <a:schemeClr val="tx1"/>
+                      </a:solidFill>
+                      <a:prstDash val="solid"/>
+                      <a:round/>
+                      <a:headEnd type="none" w="med" len="med"/>
+                      <a:tailEnd type="none" w="med" len="med"/>
+                    </a:lnR>
+                    <a:lnT w="12700" cap="flat" cmpd="sng" algn="ctr">
+                      <a:solidFill>
+                        <a:schemeClr val="tx1"/>
+                      </a:solidFill>
+                      <a:prstDash val="solid"/>
+                      <a:round/>
+                      <a:headEnd type="none" w="med" len="med"/>
+                      <a:tailEnd type="none" w="med" len="med"/>
+                    </a:lnT>
+                    <a:lnB w="12700" cap="flat" cmpd="sng" algn="ctr">
+                      <a:solidFill>
+                        <a:schemeClr val="tx1"/>
+                      </a:solidFill>
+                      <a:prstDash val="solid"/>
+                      <a:round/>
+                      <a:headEnd type="none" w="med" len="med"/>
+                      <a:tailEnd type="none" w="med" len="med"/>
+                    </a:lnB>
+                    <a:solidFill>
+                      <a:schemeClr val="bg1"/>
+                    </a:solidFill>
+                  </a:tcPr>
+                </a:tc>
+                <a:tc>
+                  <a:txBody>
+                    <a:bodyPr/>
+                    <a:lstStyle/>
+                    <a:p>
+                      <a:endParaRPr lang="vi-VN" dirty="0"/>
+                    </a:p>
+                  </a:txBody>
+                  <a:tcPr anchor="ctr">
+                    <a:lnL w="12700" cap="flat" cmpd="sng" algn="ctr">
+                      <a:solidFill>
+                        <a:schemeClr val="tx1"/>
+                      </a:solidFill>
+                      <a:prstDash val="solid"/>
+                      <a:round/>
+                      <a:headEnd type="none" w="med" len="med"/>
+                      <a:tailEnd type="none" w="med" len="med"/>
+                    </a:lnL>
+                    <a:lnR w="12700" cap="flat" cmpd="sng" algn="ctr">
+                      <a:solidFill>
+                        <a:schemeClr val="tx1"/>
+                      </a:solidFill>
+                      <a:prstDash val="solid"/>
+                      <a:round/>
+                      <a:headEnd type="none" w="med" len="med"/>
+                      <a:tailEnd type="none" w="med" len="med"/>
+                    </a:lnR>
+                    <a:lnT w="12700" cap="flat" cmpd="sng" algn="ctr">
+                      <a:solidFill>
+                        <a:schemeClr val="tx1"/>
+                      </a:solidFill>
+                      <a:prstDash val="solid"/>
+                      <a:round/>
+                      <a:headEnd type="none" w="med" len="med"/>
+                      <a:tailEnd type="none" w="med" len="med"/>
+                    </a:lnT>
+                    <a:lnB w="12700" cap="flat" cmpd="sng" algn="ctr">
+                      <a:solidFill>
+                        <a:schemeClr val="tx1"/>
+                      </a:solidFill>
+                      <a:prstDash val="solid"/>
+                      <a:round/>
+                      <a:headEnd type="none" w="med" len="med"/>
+                      <a:tailEnd type="none" w="med" len="med"/>
+                    </a:lnB>
+                    <a:solidFill>
+                      <a:schemeClr val="tx1"/>
+                    </a:solidFill>
+                  </a:tcPr>
+                </a:tc>
+                <a:tc>
+                  <a:txBody>
+                    <a:bodyPr/>
+                    <a:lstStyle/>
+                    <a:p>
+                      <a:endParaRPr lang="vi-VN" dirty="0"/>
+                    </a:p>
+                  </a:txBody>
+                  <a:tcPr anchor="ctr">
+                    <a:lnL w="12700" cap="flat" cmpd="sng" algn="ctr">
+                      <a:solidFill>
+                        <a:schemeClr val="tx1"/>
+                      </a:solidFill>
+                      <a:prstDash val="solid"/>
+                      <a:round/>
+                      <a:headEnd type="none" w="med" len="med"/>
+                      <a:tailEnd type="none" w="med" len="med"/>
+                    </a:lnL>
+                    <a:lnR w="12700" cap="flat" cmpd="sng" algn="ctr">
+                      <a:solidFill>
+                        <a:schemeClr val="tx1"/>
+                      </a:solidFill>
+                      <a:prstDash val="solid"/>
+                      <a:round/>
+                      <a:headEnd type="none" w="med" len="med"/>
+                      <a:tailEnd type="none" w="med" len="med"/>
+                    </a:lnR>
+                    <a:lnT w="12700" cap="flat" cmpd="sng" algn="ctr">
+                      <a:solidFill>
+                        <a:schemeClr val="tx1"/>
+                      </a:solidFill>
+                      <a:prstDash val="solid"/>
+                      <a:round/>
+                      <a:headEnd type="none" w="med" len="med"/>
+                      <a:tailEnd type="none" w="med" len="med"/>
+                    </a:lnT>
+                    <a:lnB w="12700" cap="flat" cmpd="sng" algn="ctr">
+                      <a:solidFill>
+                        <a:schemeClr val="tx1"/>
+                      </a:solidFill>
+                      <a:prstDash val="solid"/>
+                      <a:round/>
+                      <a:headEnd type="none" w="med" len="med"/>
+                      <a:tailEnd type="none" w="med" len="med"/>
+                    </a:lnB>
+                    <a:solidFill>
+                      <a:schemeClr val="bg1"/>
+                    </a:solidFill>
+                  </a:tcPr>
+                </a:tc>
+                <a:tc>
+                  <a:txBody>
+                    <a:bodyPr/>
+                    <a:lstStyle/>
+                    <a:p>
+                      <a:endParaRPr lang="vi-VN" dirty="0"/>
+                    </a:p>
+                  </a:txBody>
+                  <a:tcPr anchor="ctr">
+                    <a:lnL w="12700" cap="flat" cmpd="sng" algn="ctr">
+                      <a:solidFill>
+                        <a:schemeClr val="tx1"/>
+                      </a:solidFill>
+                      <a:prstDash val="solid"/>
+                      <a:round/>
+                      <a:headEnd type="none" w="med" len="med"/>
+                      <a:tailEnd type="none" w="med" len="med"/>
+                    </a:lnL>
+                    <a:lnR w="12700" cap="flat" cmpd="sng" algn="ctr">
+                      <a:solidFill>
+                        <a:schemeClr val="tx1"/>
+                      </a:solidFill>
+                      <a:prstDash val="solid"/>
+                      <a:round/>
+                      <a:headEnd type="none" w="med" len="med"/>
+                      <a:tailEnd type="none" w="med" len="med"/>
+                    </a:lnR>
+                    <a:lnT w="12700" cap="flat" cmpd="sng" algn="ctr">
+                      <a:solidFill>
+                        <a:schemeClr val="tx1"/>
+                      </a:solidFill>
+                      <a:prstDash val="solid"/>
+                      <a:round/>
+                      <a:headEnd type="none" w="med" len="med"/>
+                      <a:tailEnd type="none" w="med" len="med"/>
+                    </a:lnT>
+                    <a:lnB w="12700" cap="flat" cmpd="sng" algn="ctr">
+                      <a:solidFill>
+                        <a:schemeClr val="tx1"/>
+                      </a:solidFill>
+                      <a:prstDash val="solid"/>
+                      <a:round/>
+                      <a:headEnd type="none" w="med" len="med"/>
+                      <a:tailEnd type="none" w="med" len="med"/>
+                    </a:lnB>
+                    <a:solidFill>
+                      <a:schemeClr val="tx1"/>
+                    </a:solidFill>
+                  </a:tcPr>
+                </a:tc>
+                <a:tc>
+                  <a:txBody>
+                    <a:bodyPr/>
+                    <a:lstStyle/>
+                    <a:p>
+                      <a:endParaRPr lang="vi-VN" dirty="0"/>
+                    </a:p>
+                  </a:txBody>
+                  <a:tcPr anchor="ctr">
+                    <a:lnL w="12700" cap="flat" cmpd="sng" algn="ctr">
+                      <a:solidFill>
+                        <a:schemeClr val="tx1"/>
+                      </a:solidFill>
+                      <a:prstDash val="solid"/>
+                      <a:round/>
+                      <a:headEnd type="none" w="med" len="med"/>
+                      <a:tailEnd type="none" w="med" len="med"/>
+                    </a:lnL>
+                    <a:lnR w="12700" cap="flat" cmpd="sng" algn="ctr">
+                      <a:solidFill>
+                        <a:schemeClr val="tx1"/>
+                      </a:solidFill>
+                      <a:prstDash val="solid"/>
+                      <a:round/>
+                      <a:headEnd type="none" w="med" len="med"/>
+                      <a:tailEnd type="none" w="med" len="med"/>
+                    </a:lnR>
+                    <a:lnT w="12700" cap="flat" cmpd="sng" algn="ctr">
+                      <a:solidFill>
+                        <a:schemeClr val="tx1"/>
+                      </a:solidFill>
+                      <a:prstDash val="solid"/>
+                      <a:round/>
+                      <a:headEnd type="none" w="med" len="med"/>
+                      <a:tailEnd type="none" w="med" len="med"/>
+                    </a:lnT>
+                    <a:lnB w="12700" cap="flat" cmpd="sng" algn="ctr">
+                      <a:solidFill>
+                        <a:schemeClr val="tx1"/>
+                      </a:solidFill>
+                      <a:prstDash val="solid"/>
+                      <a:round/>
+                      <a:headEnd type="none" w="med" len="med"/>
+                      <a:tailEnd type="none" w="med" len="med"/>
+                    </a:lnB>
+                    <a:solidFill>
+                      <a:schemeClr val="tx1"/>
+                    </a:solidFill>
+                  </a:tcPr>
+                </a:tc>
+                <a:tc>
+                  <a:txBody>
+                    <a:bodyPr/>
+                    <a:lstStyle/>
+                    <a:p>
+                      <a:endParaRPr lang="vi-VN" dirty="0"/>
+                    </a:p>
+                  </a:txBody>
+                  <a:tcPr anchor="ctr">
+                    <a:lnL w="12700" cap="flat" cmpd="sng" algn="ctr">
+                      <a:solidFill>
+                        <a:schemeClr val="tx1"/>
+                      </a:solidFill>
+                      <a:prstDash val="solid"/>
+                      <a:round/>
+                      <a:headEnd type="none" w="med" len="med"/>
+                      <a:tailEnd type="none" w="med" len="med"/>
+                    </a:lnL>
+                    <a:lnR w="12700" cap="flat" cmpd="sng" algn="ctr">
+                      <a:solidFill>
+                        <a:schemeClr val="tx1"/>
+                      </a:solidFill>
+                      <a:prstDash val="solid"/>
+                      <a:round/>
+                      <a:headEnd type="none" w="med" len="med"/>
+                      <a:tailEnd type="none" w="med" len="med"/>
+                    </a:lnR>
+                    <a:lnT w="12700" cap="flat" cmpd="sng" algn="ctr">
+                      <a:solidFill>
+                        <a:schemeClr val="tx1"/>
+                      </a:solidFill>
+                      <a:prstDash val="solid"/>
+                      <a:round/>
+                      <a:headEnd type="none" w="med" len="med"/>
+                      <a:tailEnd type="none" w="med" len="med"/>
+                    </a:lnT>
+                    <a:lnB w="12700" cap="flat" cmpd="sng" algn="ctr">
+                      <a:solidFill>
+                        <a:schemeClr val="tx1"/>
+                      </a:solidFill>
+                      <a:prstDash val="solid"/>
+                      <a:round/>
+                      <a:headEnd type="none" w="med" len="med"/>
+                      <a:tailEnd type="none" w="med" len="med"/>
+                    </a:lnB>
+                    <a:solidFill>
+                      <a:schemeClr val="tx1"/>
+                    </a:solidFill>
+                  </a:tcPr>
+                </a:tc>
+                <a:tc>
+                  <a:txBody>
+                    <a:bodyPr/>
+                    <a:lstStyle/>
+                    <a:p>
+                      <a:endParaRPr lang="vi-VN"/>
+                    </a:p>
+                  </a:txBody>
+                  <a:tcPr anchor="ctr">
+                    <a:lnL w="12700" cap="flat" cmpd="sng" algn="ctr">
+                      <a:solidFill>
+                        <a:schemeClr val="tx1"/>
+                      </a:solidFill>
+                      <a:prstDash val="solid"/>
+                      <a:round/>
+                      <a:headEnd type="none" w="med" len="med"/>
+                      <a:tailEnd type="none" w="med" len="med"/>
+                    </a:lnL>
+                    <a:lnR w="12700" cap="flat" cmpd="sng" algn="ctr">
+                      <a:solidFill>
+                        <a:schemeClr val="tx1"/>
+                      </a:solidFill>
+                      <a:prstDash val="solid"/>
+                      <a:round/>
+                      <a:headEnd type="none" w="med" len="med"/>
+                      <a:tailEnd type="none" w="med" len="med"/>
+                    </a:lnR>
+                    <a:lnT w="12700" cap="flat" cmpd="sng" algn="ctr">
+                      <a:solidFill>
+                        <a:schemeClr val="tx1"/>
+                      </a:solidFill>
+                      <a:prstDash val="solid"/>
+                      <a:round/>
+                      <a:headEnd type="none" w="med" len="med"/>
+                      <a:tailEnd type="none" w="med" len="med"/>
+                    </a:lnT>
+                    <a:lnB w="12700" cap="flat" cmpd="sng" algn="ctr">
+                      <a:solidFill>
+                        <a:schemeClr val="tx1"/>
+                      </a:solidFill>
+                      <a:prstDash val="solid"/>
+                      <a:round/>
+                      <a:headEnd type="none" w="med" len="med"/>
+                      <a:tailEnd type="none" w="med" len="med"/>
+                    </a:lnB>
+                    <a:solidFill>
+                      <a:schemeClr val="bg1"/>
+                    </a:solidFill>
+                  </a:tcPr>
+                </a:tc>
+                <a:extLst>
+                  <a:ext uri="{0D108BD9-81ED-4DB2-BD59-A6C34878D82A}">
+                    <a16:rowId xmlns:a16="http://schemas.microsoft.com/office/drawing/2014/main" val="46190772"/>
+                  </a:ext>
+                </a:extLst>
+              </a:tr>
+              <a:tr h="360000">
+                <a:tc>
+                  <a:txBody>
+                    <a:bodyPr/>
+                    <a:lstStyle/>
+                    <a:p>
+                      <a:endParaRPr lang="vi-VN"/>
+                    </a:p>
+                  </a:txBody>
+                  <a:tcPr anchor="ctr">
+                    <a:lnL w="12700" cap="flat" cmpd="sng" algn="ctr">
+                      <a:solidFill>
+                        <a:schemeClr val="tx1"/>
+                      </a:solidFill>
+                      <a:prstDash val="solid"/>
+                      <a:round/>
+                      <a:headEnd type="none" w="med" len="med"/>
+                      <a:tailEnd type="none" w="med" len="med"/>
+                    </a:lnL>
+                    <a:lnR w="12700" cap="flat" cmpd="sng" algn="ctr">
+                      <a:solidFill>
+                        <a:schemeClr val="tx1"/>
+                      </a:solidFill>
+                      <a:prstDash val="solid"/>
+                      <a:round/>
+                      <a:headEnd type="none" w="med" len="med"/>
+                      <a:tailEnd type="none" w="med" len="med"/>
+                    </a:lnR>
+                    <a:lnT w="12700" cap="flat" cmpd="sng" algn="ctr">
+                      <a:solidFill>
+                        <a:schemeClr val="tx1"/>
+                      </a:solidFill>
+                      <a:prstDash val="solid"/>
+                      <a:round/>
+                      <a:headEnd type="none" w="med" len="med"/>
+                      <a:tailEnd type="none" w="med" len="med"/>
+                    </a:lnT>
+                    <a:lnB w="12700" cap="flat" cmpd="sng" algn="ctr">
+                      <a:solidFill>
+                        <a:schemeClr val="tx1"/>
+                      </a:solidFill>
+                      <a:prstDash val="solid"/>
+                      <a:round/>
+                      <a:headEnd type="none" w="med" len="med"/>
+                      <a:tailEnd type="none" w="med" len="med"/>
+                    </a:lnB>
+                    <a:solidFill>
+                      <a:schemeClr val="bg1"/>
+                    </a:solidFill>
+                  </a:tcPr>
+                </a:tc>
+                <a:tc>
+                  <a:txBody>
+                    <a:bodyPr/>
+                    <a:lstStyle/>
+                    <a:p>
+                      <a:endParaRPr lang="vi-VN"/>
+                    </a:p>
+                  </a:txBody>
+                  <a:tcPr anchor="ctr">
+                    <a:lnL w="12700" cap="flat" cmpd="sng" algn="ctr">
+                      <a:solidFill>
+                        <a:schemeClr val="tx1"/>
+                      </a:solidFill>
+                      <a:prstDash val="solid"/>
+                      <a:round/>
+                      <a:headEnd type="none" w="med" len="med"/>
+                      <a:tailEnd type="none" w="med" len="med"/>
+                    </a:lnL>
+                    <a:lnR w="12700" cap="flat" cmpd="sng" algn="ctr">
+                      <a:solidFill>
+                        <a:schemeClr val="tx1"/>
+                      </a:solidFill>
+                      <a:prstDash val="solid"/>
+                      <a:round/>
+                      <a:headEnd type="none" w="med" len="med"/>
+                      <a:tailEnd type="none" w="med" len="med"/>
+                    </a:lnR>
+                    <a:lnT w="12700" cap="flat" cmpd="sng" algn="ctr">
+                      <a:solidFill>
+                        <a:schemeClr val="tx1"/>
+                      </a:solidFill>
+                      <a:prstDash val="solid"/>
+                      <a:round/>
+                      <a:headEnd type="none" w="med" len="med"/>
+                      <a:tailEnd type="none" w="med" len="med"/>
+                    </a:lnT>
+                    <a:lnB w="12700" cap="flat" cmpd="sng" algn="ctr">
+                      <a:solidFill>
+                        <a:schemeClr val="tx1"/>
+                      </a:solidFill>
+                      <a:prstDash val="solid"/>
+                      <a:round/>
+                      <a:headEnd type="none" w="med" len="med"/>
+                      <a:tailEnd type="none" w="med" len="med"/>
+                    </a:lnB>
+                    <a:solidFill>
+                      <a:schemeClr val="bg1"/>
+                    </a:solidFill>
+                  </a:tcPr>
+                </a:tc>
+                <a:tc>
+                  <a:txBody>
+                    <a:bodyPr/>
+                    <a:lstStyle/>
+                    <a:p>
+                      <a:endParaRPr lang="vi-VN" dirty="0"/>
+                    </a:p>
+                  </a:txBody>
+                  <a:tcPr anchor="ctr">
+                    <a:lnL w="12700" cap="flat" cmpd="sng" algn="ctr">
+                      <a:solidFill>
+                        <a:schemeClr val="tx1"/>
+                      </a:solidFill>
+                      <a:prstDash val="solid"/>
+                      <a:round/>
+                      <a:headEnd type="none" w="med" len="med"/>
+                      <a:tailEnd type="none" w="med" len="med"/>
+                    </a:lnL>
+                    <a:lnR w="12700" cap="flat" cmpd="sng" algn="ctr">
+                      <a:solidFill>
+                        <a:schemeClr val="tx1"/>
+                      </a:solidFill>
+                      <a:prstDash val="solid"/>
+                      <a:round/>
+                      <a:headEnd type="none" w="med" len="med"/>
+                      <a:tailEnd type="none" w="med" len="med"/>
+                    </a:lnR>
+                    <a:lnT w="12700" cap="flat" cmpd="sng" algn="ctr">
+                      <a:solidFill>
+                        <a:schemeClr val="tx1"/>
+                      </a:solidFill>
+                      <a:prstDash val="solid"/>
+                      <a:round/>
+                      <a:headEnd type="none" w="med" len="med"/>
+                      <a:tailEnd type="none" w="med" len="med"/>
+                    </a:lnT>
+                    <a:lnB w="12700" cap="flat" cmpd="sng" algn="ctr">
+                      <a:solidFill>
+                        <a:schemeClr val="tx1"/>
+                      </a:solidFill>
+                      <a:prstDash val="solid"/>
+                      <a:round/>
+                      <a:headEnd type="none" w="med" len="med"/>
+                      <a:tailEnd type="none" w="med" len="med"/>
+                    </a:lnB>
+                    <a:solidFill>
+                      <a:schemeClr val="tx1"/>
+                    </a:solidFill>
+                  </a:tcPr>
+                </a:tc>
+                <a:tc>
+                  <a:txBody>
+                    <a:bodyPr/>
+                    <a:lstStyle/>
+                    <a:p>
+                      <a:endParaRPr lang="vi-VN" dirty="0"/>
+                    </a:p>
+                  </a:txBody>
+                  <a:tcPr anchor="ctr">
+                    <a:lnL w="12700" cap="flat" cmpd="sng" algn="ctr">
+                      <a:solidFill>
+                        <a:schemeClr val="tx1"/>
+                      </a:solidFill>
+                      <a:prstDash val="solid"/>
+                      <a:round/>
+                      <a:headEnd type="none" w="med" len="med"/>
+                      <a:tailEnd type="none" w="med" len="med"/>
+                    </a:lnL>
+                    <a:lnR w="12700" cap="flat" cmpd="sng" algn="ctr">
+                      <a:solidFill>
+                        <a:schemeClr val="tx1"/>
+                      </a:solidFill>
+                      <a:prstDash val="solid"/>
+                      <a:round/>
+                      <a:headEnd type="none" w="med" len="med"/>
+                      <a:tailEnd type="none" w="med" len="med"/>
+                    </a:lnR>
+                    <a:lnT w="12700" cap="flat" cmpd="sng" algn="ctr">
+                      <a:solidFill>
+                        <a:schemeClr val="tx1"/>
+                      </a:solidFill>
+                      <a:prstDash val="solid"/>
+                      <a:round/>
+                      <a:headEnd type="none" w="med" len="med"/>
+                      <a:tailEnd type="none" w="med" len="med"/>
+                    </a:lnT>
+                    <a:lnB w="12700" cap="flat" cmpd="sng" algn="ctr">
+                      <a:solidFill>
+                        <a:schemeClr val="tx1"/>
+                      </a:solidFill>
+                      <a:prstDash val="solid"/>
+                      <a:round/>
+                      <a:headEnd type="none" w="med" len="med"/>
+                      <a:tailEnd type="none" w="med" len="med"/>
+                    </a:lnB>
+                    <a:solidFill>
+                      <a:schemeClr val="bg1"/>
+                    </a:solidFill>
+                  </a:tcPr>
+                </a:tc>
+                <a:tc>
+                  <a:txBody>
+                    <a:bodyPr/>
+                    <a:lstStyle/>
+                    <a:p>
+                      <a:endParaRPr lang="vi-VN" dirty="0"/>
+                    </a:p>
+                  </a:txBody>
+                  <a:tcPr anchor="ctr">
+                    <a:lnL w="12700" cap="flat" cmpd="sng" algn="ctr">
+                      <a:solidFill>
+                        <a:schemeClr val="tx1"/>
+                      </a:solidFill>
+                      <a:prstDash val="solid"/>
+                      <a:round/>
+                      <a:headEnd type="none" w="med" len="med"/>
+                      <a:tailEnd type="none" w="med" len="med"/>
+                    </a:lnL>
+                    <a:lnR w="12700" cap="flat" cmpd="sng" algn="ctr">
+                      <a:solidFill>
+                        <a:schemeClr val="tx1"/>
+                      </a:solidFill>
+                      <a:prstDash val="solid"/>
+                      <a:round/>
+                      <a:headEnd type="none" w="med" len="med"/>
+                      <a:tailEnd type="none" w="med" len="med"/>
+                    </a:lnR>
+                    <a:lnT w="12700" cap="flat" cmpd="sng" algn="ctr">
+                      <a:solidFill>
+                        <a:schemeClr val="tx1"/>
+                      </a:solidFill>
+                      <a:prstDash val="solid"/>
+                      <a:round/>
+                      <a:headEnd type="none" w="med" len="med"/>
+                      <a:tailEnd type="none" w="med" len="med"/>
+                    </a:lnT>
+                    <a:lnB w="12700" cap="flat" cmpd="sng" algn="ctr">
+                      <a:solidFill>
+                        <a:schemeClr val="tx1"/>
+                      </a:solidFill>
+                      <a:prstDash val="solid"/>
+                      <a:round/>
+                      <a:headEnd type="none" w="med" len="med"/>
+                      <a:tailEnd type="none" w="med" len="med"/>
+                    </a:lnB>
+                    <a:solidFill>
+                      <a:schemeClr val="tx1"/>
+                    </a:solidFill>
+                  </a:tcPr>
+                </a:tc>
+                <a:tc>
+                  <a:txBody>
+                    <a:bodyPr/>
+                    <a:lstStyle/>
+                    <a:p>
+                      <a:endParaRPr lang="vi-VN"/>
+                    </a:p>
+                  </a:txBody>
+                  <a:tcPr anchor="ctr">
+                    <a:lnL w="12700" cap="flat" cmpd="sng" algn="ctr">
+                      <a:solidFill>
+                        <a:schemeClr val="tx1"/>
+                      </a:solidFill>
+                      <a:prstDash val="solid"/>
+                      <a:round/>
+                      <a:headEnd type="none" w="med" len="med"/>
+                      <a:tailEnd type="none" w="med" len="med"/>
+                    </a:lnL>
+                    <a:lnR w="12700" cap="flat" cmpd="sng" algn="ctr">
+                      <a:solidFill>
+                        <a:schemeClr val="tx1"/>
+                      </a:solidFill>
+                      <a:prstDash val="solid"/>
+                      <a:round/>
+                      <a:headEnd type="none" w="med" len="med"/>
+                      <a:tailEnd type="none" w="med" len="med"/>
+                    </a:lnR>
+                    <a:lnT w="12700" cap="flat" cmpd="sng" algn="ctr">
+                      <a:solidFill>
+                        <a:schemeClr val="tx1"/>
+                      </a:solidFill>
+                      <a:prstDash val="solid"/>
+                      <a:round/>
+                      <a:headEnd type="none" w="med" len="med"/>
+                      <a:tailEnd type="none" w="med" len="med"/>
+                    </a:lnT>
+                    <a:lnB w="12700" cap="flat" cmpd="sng" algn="ctr">
+                      <a:solidFill>
+                        <a:schemeClr val="tx1"/>
+                      </a:solidFill>
+                      <a:prstDash val="solid"/>
+                      <a:round/>
+                      <a:headEnd type="none" w="med" len="med"/>
+                      <a:tailEnd type="none" w="med" len="med"/>
+                    </a:lnB>
+                    <a:solidFill>
+                      <a:schemeClr val="bg1"/>
+                    </a:solidFill>
+                  </a:tcPr>
+                </a:tc>
+                <a:tc>
+                  <a:txBody>
+                    <a:bodyPr/>
+                    <a:lstStyle/>
+                    <a:p>
+                      <a:endParaRPr lang="vi-VN"/>
+                    </a:p>
+                  </a:txBody>
+                  <a:tcPr anchor="ctr">
+                    <a:lnL w="12700" cap="flat" cmpd="sng" algn="ctr">
+                      <a:solidFill>
+                        <a:schemeClr val="tx1"/>
+                      </a:solidFill>
+                      <a:prstDash val="solid"/>
+                      <a:round/>
+                      <a:headEnd type="none" w="med" len="med"/>
+                      <a:tailEnd type="none" w="med" len="med"/>
+                    </a:lnL>
+                    <a:lnR w="12700" cap="flat" cmpd="sng" algn="ctr">
+                      <a:solidFill>
+                        <a:schemeClr val="tx1"/>
+                      </a:solidFill>
+                      <a:prstDash val="solid"/>
+                      <a:round/>
+                      <a:headEnd type="none" w="med" len="med"/>
+                      <a:tailEnd type="none" w="med" len="med"/>
+                    </a:lnR>
+                    <a:lnT w="12700" cap="flat" cmpd="sng" algn="ctr">
+                      <a:solidFill>
+                        <a:schemeClr val="tx1"/>
+                      </a:solidFill>
+                      <a:prstDash val="solid"/>
+                      <a:round/>
+                      <a:headEnd type="none" w="med" len="med"/>
+                      <a:tailEnd type="none" w="med" len="med"/>
+                    </a:lnT>
+                    <a:lnB w="12700" cap="flat" cmpd="sng" algn="ctr">
+                      <a:solidFill>
+                        <a:schemeClr val="tx1"/>
+                      </a:solidFill>
+                      <a:prstDash val="solid"/>
+                      <a:round/>
+                      <a:headEnd type="none" w="med" len="med"/>
+                      <a:tailEnd type="none" w="med" len="med"/>
+                    </a:lnB>
+                    <a:solidFill>
+                      <a:schemeClr val="bg1"/>
+                    </a:solidFill>
+                  </a:tcPr>
+                </a:tc>
+                <a:tc>
+                  <a:txBody>
+                    <a:bodyPr/>
+                    <a:lstStyle/>
+                    <a:p>
+                      <a:endParaRPr lang="vi-VN"/>
+                    </a:p>
+                  </a:txBody>
+                  <a:tcPr anchor="ctr">
+                    <a:lnL w="12700" cap="flat" cmpd="sng" algn="ctr">
+                      <a:solidFill>
+                        <a:schemeClr val="tx1"/>
+                      </a:solidFill>
+                      <a:prstDash val="solid"/>
+                      <a:round/>
+                      <a:headEnd type="none" w="med" len="med"/>
+                      <a:tailEnd type="none" w="med" len="med"/>
+                    </a:lnL>
+                    <a:lnR w="12700" cap="flat" cmpd="sng" algn="ctr">
+                      <a:solidFill>
+                        <a:schemeClr val="tx1"/>
+                      </a:solidFill>
+                      <a:prstDash val="solid"/>
+                      <a:round/>
+                      <a:headEnd type="none" w="med" len="med"/>
+                      <a:tailEnd type="none" w="med" len="med"/>
+                    </a:lnR>
+                    <a:lnT w="12700" cap="flat" cmpd="sng" algn="ctr">
+                      <a:solidFill>
+                        <a:schemeClr val="tx1"/>
+                      </a:solidFill>
+                      <a:prstDash val="solid"/>
+                      <a:round/>
+                      <a:headEnd type="none" w="med" len="med"/>
+                      <a:tailEnd type="none" w="med" len="med"/>
+                    </a:lnT>
+                    <a:lnB w="12700" cap="flat" cmpd="sng" algn="ctr">
+                      <a:solidFill>
+                        <a:schemeClr val="tx1"/>
+                      </a:solidFill>
+                      <a:prstDash val="solid"/>
+                      <a:round/>
+                      <a:headEnd type="none" w="med" len="med"/>
+                      <a:tailEnd type="none" w="med" len="med"/>
+                    </a:lnB>
+                    <a:solidFill>
+                      <a:schemeClr val="bg1"/>
+                    </a:solidFill>
+                  </a:tcPr>
+                </a:tc>
+                <a:extLst>
+                  <a:ext uri="{0D108BD9-81ED-4DB2-BD59-A6C34878D82A}">
+                    <a16:rowId xmlns:a16="http://schemas.microsoft.com/office/drawing/2014/main" val="4170194864"/>
+                  </a:ext>
+                </a:extLst>
+              </a:tr>
+              <a:tr h="360000">
+                <a:tc>
+                  <a:txBody>
+                    <a:bodyPr/>
+                    <a:lstStyle/>
+                    <a:p>
+                      <a:endParaRPr lang="vi-VN"/>
+                    </a:p>
+                  </a:txBody>
+                  <a:tcPr anchor="ctr">
+                    <a:lnL w="12700" cap="flat" cmpd="sng" algn="ctr">
+                      <a:solidFill>
+                        <a:schemeClr val="tx1"/>
+                      </a:solidFill>
+                      <a:prstDash val="solid"/>
+                      <a:round/>
+                      <a:headEnd type="none" w="med" len="med"/>
+                      <a:tailEnd type="none" w="med" len="med"/>
+                    </a:lnL>
+                    <a:lnR w="12700" cap="flat" cmpd="sng" algn="ctr">
+                      <a:solidFill>
+                        <a:schemeClr val="tx1"/>
+                      </a:solidFill>
+                      <a:prstDash val="solid"/>
+                      <a:round/>
+                      <a:headEnd type="none" w="med" len="med"/>
+                      <a:tailEnd type="none" w="med" len="med"/>
+                    </a:lnR>
+                    <a:lnT w="12700" cap="flat" cmpd="sng" algn="ctr">
+                      <a:solidFill>
+                        <a:schemeClr val="tx1"/>
+                      </a:solidFill>
+                      <a:prstDash val="solid"/>
+                      <a:round/>
+                      <a:headEnd type="none" w="med" len="med"/>
+                      <a:tailEnd type="none" w="med" len="med"/>
+                    </a:lnT>
+                    <a:lnB w="12700" cap="flat" cmpd="sng" algn="ctr">
+                      <a:solidFill>
+                        <a:schemeClr val="tx1"/>
+                      </a:solidFill>
+                      <a:prstDash val="solid"/>
+                      <a:round/>
+                      <a:headEnd type="none" w="med" len="med"/>
+                      <a:tailEnd type="none" w="med" len="med"/>
+                    </a:lnB>
+                    <a:solidFill>
+                      <a:schemeClr val="bg1"/>
+                    </a:solidFill>
+                  </a:tcPr>
+                </a:tc>
+                <a:tc>
+                  <a:txBody>
+                    <a:bodyPr/>
+                    <a:lstStyle/>
+                    <a:p>
+                      <a:endParaRPr lang="vi-VN"/>
+                    </a:p>
+                  </a:txBody>
+                  <a:tcPr anchor="ctr">
+                    <a:lnL w="12700" cap="flat" cmpd="sng" algn="ctr">
+                      <a:solidFill>
+                        <a:schemeClr val="tx1"/>
+                      </a:solidFill>
+                      <a:prstDash val="solid"/>
+                      <a:round/>
+                      <a:headEnd type="none" w="med" len="med"/>
+                      <a:tailEnd type="none" w="med" len="med"/>
+                    </a:lnL>
+                    <a:lnR w="12700" cap="flat" cmpd="sng" algn="ctr">
+                      <a:solidFill>
+                        <a:schemeClr val="tx1"/>
+                      </a:solidFill>
+                      <a:prstDash val="solid"/>
+                      <a:round/>
+                      <a:headEnd type="none" w="med" len="med"/>
+                      <a:tailEnd type="none" w="med" len="med"/>
+                    </a:lnR>
+                    <a:lnT w="12700" cap="flat" cmpd="sng" algn="ctr">
+                      <a:solidFill>
+                        <a:schemeClr val="tx1"/>
+                      </a:solidFill>
+                      <a:prstDash val="solid"/>
+                      <a:round/>
+                      <a:headEnd type="none" w="med" len="med"/>
+                      <a:tailEnd type="none" w="med" len="med"/>
+                    </a:lnT>
+                    <a:lnB w="12700" cap="flat" cmpd="sng" algn="ctr">
+                      <a:solidFill>
+                        <a:schemeClr val="tx1"/>
+                      </a:solidFill>
+                      <a:prstDash val="solid"/>
+                      <a:round/>
+                      <a:headEnd type="none" w="med" len="med"/>
+                      <a:tailEnd type="none" w="med" len="med"/>
+                    </a:lnB>
+                    <a:solidFill>
+                      <a:schemeClr val="bg1"/>
+                    </a:solidFill>
+                  </a:tcPr>
+                </a:tc>
+                <a:tc>
+                  <a:txBody>
+                    <a:bodyPr/>
+                    <a:lstStyle/>
+                    <a:p>
+                      <a:endParaRPr lang="vi-VN" dirty="0"/>
+                    </a:p>
+                  </a:txBody>
+                  <a:tcPr anchor="ctr">
+                    <a:lnL w="12700" cap="flat" cmpd="sng" algn="ctr">
+                      <a:solidFill>
+                        <a:schemeClr val="tx1"/>
+                      </a:solidFill>
+                      <a:prstDash val="solid"/>
+                      <a:round/>
+                      <a:headEnd type="none" w="med" len="med"/>
+                      <a:tailEnd type="none" w="med" len="med"/>
+                    </a:lnL>
+                    <a:lnR w="12700" cap="flat" cmpd="sng" algn="ctr">
+                      <a:solidFill>
+                        <a:schemeClr val="tx1"/>
+                      </a:solidFill>
+                      <a:prstDash val="solid"/>
+                      <a:round/>
+                      <a:headEnd type="none" w="med" len="med"/>
+                      <a:tailEnd type="none" w="med" len="med"/>
+                    </a:lnR>
+                    <a:lnT w="12700" cap="flat" cmpd="sng" algn="ctr">
+                      <a:solidFill>
+                        <a:schemeClr val="tx1"/>
+                      </a:solidFill>
+                      <a:prstDash val="solid"/>
+                      <a:round/>
+                      <a:headEnd type="none" w="med" len="med"/>
+                      <a:tailEnd type="none" w="med" len="med"/>
+                    </a:lnT>
+                    <a:lnB w="12700" cap="flat" cmpd="sng" algn="ctr">
+                      <a:solidFill>
+                        <a:schemeClr val="tx1"/>
+                      </a:solidFill>
+                      <a:prstDash val="solid"/>
+                      <a:round/>
+                      <a:headEnd type="none" w="med" len="med"/>
+                      <a:tailEnd type="none" w="med" len="med"/>
+                    </a:lnB>
+                    <a:solidFill>
+                      <a:schemeClr val="tx1"/>
+                    </a:solidFill>
+                  </a:tcPr>
+                </a:tc>
+                <a:tc>
+                  <a:txBody>
+                    <a:bodyPr/>
+                    <a:lstStyle/>
+                    <a:p>
+                      <a:endParaRPr lang="vi-VN" dirty="0"/>
+                    </a:p>
+                  </a:txBody>
+                  <a:tcPr anchor="ctr">
+                    <a:lnL w="12700" cap="flat" cmpd="sng" algn="ctr">
+                      <a:solidFill>
+                        <a:schemeClr val="tx1"/>
+                      </a:solidFill>
+                      <a:prstDash val="solid"/>
+                      <a:round/>
+                      <a:headEnd type="none" w="med" len="med"/>
+                      <a:tailEnd type="none" w="med" len="med"/>
+                    </a:lnL>
+                    <a:lnR w="12700" cap="flat" cmpd="sng" algn="ctr">
+                      <a:solidFill>
+                        <a:schemeClr val="tx1"/>
+                      </a:solidFill>
+                      <a:prstDash val="solid"/>
+                      <a:round/>
+                      <a:headEnd type="none" w="med" len="med"/>
+                      <a:tailEnd type="none" w="med" len="med"/>
+                    </a:lnR>
+                    <a:lnT w="12700" cap="flat" cmpd="sng" algn="ctr">
+                      <a:solidFill>
+                        <a:schemeClr val="tx1"/>
+                      </a:solidFill>
+                      <a:prstDash val="solid"/>
+                      <a:round/>
+                      <a:headEnd type="none" w="med" len="med"/>
+                      <a:tailEnd type="none" w="med" len="med"/>
+                    </a:lnT>
+                    <a:lnB w="12700" cap="flat" cmpd="sng" algn="ctr">
+                      <a:solidFill>
+                        <a:schemeClr val="tx1"/>
+                      </a:solidFill>
+                      <a:prstDash val="solid"/>
+                      <a:round/>
+                      <a:headEnd type="none" w="med" len="med"/>
+                      <a:tailEnd type="none" w="med" len="med"/>
+                    </a:lnB>
+                    <a:solidFill>
+                      <a:schemeClr val="tx1"/>
+                    </a:solidFill>
+                  </a:tcPr>
+                </a:tc>
+                <a:tc>
+                  <a:txBody>
+                    <a:bodyPr/>
+                    <a:lstStyle/>
+                    <a:p>
+                      <a:endParaRPr lang="vi-VN" dirty="0"/>
+                    </a:p>
+                  </a:txBody>
+                  <a:tcPr anchor="ctr">
+                    <a:lnL w="12700" cap="flat" cmpd="sng" algn="ctr">
+                      <a:solidFill>
+                        <a:schemeClr val="tx1"/>
+                      </a:solidFill>
+                      <a:prstDash val="solid"/>
+                      <a:round/>
+                      <a:headEnd type="none" w="med" len="med"/>
+                      <a:tailEnd type="none" w="med" len="med"/>
+                    </a:lnL>
+                    <a:lnR w="12700" cap="flat" cmpd="sng" algn="ctr">
+                      <a:solidFill>
+                        <a:schemeClr val="tx1"/>
+                      </a:solidFill>
+                      <a:prstDash val="solid"/>
+                      <a:round/>
+                      <a:headEnd type="none" w="med" len="med"/>
+                      <a:tailEnd type="none" w="med" len="med"/>
+                    </a:lnR>
+                    <a:lnT w="12700" cap="flat" cmpd="sng" algn="ctr">
+                      <a:solidFill>
+                        <a:schemeClr val="tx1"/>
+                      </a:solidFill>
+                      <a:prstDash val="solid"/>
+                      <a:round/>
+                      <a:headEnd type="none" w="med" len="med"/>
+                      <a:tailEnd type="none" w="med" len="med"/>
+                    </a:lnT>
+                    <a:lnB w="12700" cap="flat" cmpd="sng" algn="ctr">
+                      <a:solidFill>
+                        <a:schemeClr val="tx1"/>
+                      </a:solidFill>
+                      <a:prstDash val="solid"/>
+                      <a:round/>
+                      <a:headEnd type="none" w="med" len="med"/>
+                      <a:tailEnd type="none" w="med" len="med"/>
+                    </a:lnB>
+                    <a:solidFill>
+                      <a:schemeClr val="tx1"/>
+                    </a:solidFill>
+                  </a:tcPr>
+                </a:tc>
+                <a:tc>
+                  <a:txBody>
+                    <a:bodyPr/>
+                    <a:lstStyle/>
+                    <a:p>
+                      <a:endParaRPr lang="vi-VN"/>
+                    </a:p>
+                  </a:txBody>
+                  <a:tcPr anchor="ctr">
+                    <a:lnL w="12700" cap="flat" cmpd="sng" algn="ctr">
+                      <a:solidFill>
+                        <a:schemeClr val="tx1"/>
+                      </a:solidFill>
+                      <a:prstDash val="solid"/>
+                      <a:round/>
+                      <a:headEnd type="none" w="med" len="med"/>
+                      <a:tailEnd type="none" w="med" len="med"/>
+                    </a:lnL>
+                    <a:lnR w="12700" cap="flat" cmpd="sng" algn="ctr">
+                      <a:solidFill>
+                        <a:schemeClr val="tx1"/>
+                      </a:solidFill>
+                      <a:prstDash val="solid"/>
+                      <a:round/>
+                      <a:headEnd type="none" w="med" len="med"/>
+                      <a:tailEnd type="none" w="med" len="med"/>
+                    </a:lnR>
+                    <a:lnT w="12700" cap="flat" cmpd="sng" algn="ctr">
+                      <a:solidFill>
+                        <a:schemeClr val="tx1"/>
+                      </a:solidFill>
+                      <a:prstDash val="solid"/>
+                      <a:round/>
+                      <a:headEnd type="none" w="med" len="med"/>
+                      <a:tailEnd type="none" w="med" len="med"/>
+                    </a:lnT>
+                    <a:lnB w="12700" cap="flat" cmpd="sng" algn="ctr">
+                      <a:solidFill>
+                        <a:schemeClr val="tx1"/>
+                      </a:solidFill>
+                      <a:prstDash val="solid"/>
+                      <a:round/>
+                      <a:headEnd type="none" w="med" len="med"/>
+                      <a:tailEnd type="none" w="med" len="med"/>
+                    </a:lnB>
+                    <a:solidFill>
+                      <a:schemeClr val="bg1"/>
+                    </a:solidFill>
+                  </a:tcPr>
+                </a:tc>
+                <a:tc>
+                  <a:txBody>
+                    <a:bodyPr/>
+                    <a:lstStyle/>
+                    <a:p>
+                      <a:endParaRPr lang="vi-VN"/>
+                    </a:p>
+                  </a:txBody>
+                  <a:tcPr anchor="ctr">
+                    <a:lnL w="12700" cap="flat" cmpd="sng" algn="ctr">
+                      <a:solidFill>
+                        <a:schemeClr val="tx1"/>
+                      </a:solidFill>
+                      <a:prstDash val="solid"/>
+                      <a:round/>
+                      <a:headEnd type="none" w="med" len="med"/>
+                      <a:tailEnd type="none" w="med" len="med"/>
+                    </a:lnL>
+                    <a:lnR w="12700" cap="flat" cmpd="sng" algn="ctr">
+                      <a:solidFill>
+                        <a:schemeClr val="tx1"/>
+                      </a:solidFill>
+                      <a:prstDash val="solid"/>
+                      <a:round/>
+                      <a:headEnd type="none" w="med" len="med"/>
+                      <a:tailEnd type="none" w="med" len="med"/>
+                    </a:lnR>
+                    <a:lnT w="12700" cap="flat" cmpd="sng" algn="ctr">
+                      <a:solidFill>
+                        <a:schemeClr val="tx1"/>
+                      </a:solidFill>
+                      <a:prstDash val="solid"/>
+                      <a:round/>
+                      <a:headEnd type="none" w="med" len="med"/>
+                      <a:tailEnd type="none" w="med" len="med"/>
+                    </a:lnT>
+                    <a:lnB w="12700" cap="flat" cmpd="sng" algn="ctr">
+                      <a:solidFill>
+                        <a:schemeClr val="tx1"/>
+                      </a:solidFill>
+                      <a:prstDash val="solid"/>
+                      <a:round/>
+                      <a:headEnd type="none" w="med" len="med"/>
+                      <a:tailEnd type="none" w="med" len="med"/>
+                    </a:lnB>
+                    <a:solidFill>
+                      <a:schemeClr val="bg1"/>
+                    </a:solidFill>
+                  </a:tcPr>
+                </a:tc>
+                <a:tc>
+                  <a:txBody>
+                    <a:bodyPr/>
+                    <a:lstStyle/>
+                    <a:p>
+                      <a:endParaRPr lang="vi-VN"/>
+                    </a:p>
+                  </a:txBody>
+                  <a:tcPr anchor="ctr">
+                    <a:lnL w="12700" cap="flat" cmpd="sng" algn="ctr">
+                      <a:solidFill>
+                        <a:schemeClr val="tx1"/>
+                      </a:solidFill>
+                      <a:prstDash val="solid"/>
+                      <a:round/>
+                      <a:headEnd type="none" w="med" len="med"/>
+                      <a:tailEnd type="none" w="med" len="med"/>
+                    </a:lnL>
+                    <a:lnR w="12700" cap="flat" cmpd="sng" algn="ctr">
+                      <a:solidFill>
+                        <a:schemeClr val="tx1"/>
+                      </a:solidFill>
+                      <a:prstDash val="solid"/>
+                      <a:round/>
+                      <a:headEnd type="none" w="med" len="med"/>
+                      <a:tailEnd type="none" w="med" len="med"/>
+                    </a:lnR>
+                    <a:lnT w="12700" cap="flat" cmpd="sng" algn="ctr">
+                      <a:solidFill>
+                        <a:schemeClr val="tx1"/>
+                      </a:solidFill>
+                      <a:prstDash val="solid"/>
+                      <a:round/>
+                      <a:headEnd type="none" w="med" len="med"/>
+                      <a:tailEnd type="none" w="med" len="med"/>
+                    </a:lnT>
+                    <a:lnB w="12700" cap="flat" cmpd="sng" algn="ctr">
+                      <a:solidFill>
+                        <a:schemeClr val="tx1"/>
+                      </a:solidFill>
+                      <a:prstDash val="solid"/>
+                      <a:round/>
+                      <a:headEnd type="none" w="med" len="med"/>
+                      <a:tailEnd type="none" w="med" len="med"/>
+                    </a:lnB>
+                    <a:solidFill>
+                      <a:schemeClr val="bg1"/>
+                    </a:solidFill>
+                  </a:tcPr>
+                </a:tc>
+                <a:extLst>
+                  <a:ext uri="{0D108BD9-81ED-4DB2-BD59-A6C34878D82A}">
+                    <a16:rowId xmlns:a16="http://schemas.microsoft.com/office/drawing/2014/main" val="2422954970"/>
+                  </a:ext>
+                </a:extLst>
+              </a:tr>
+              <a:tr h="360000">
+                <a:tc>
+                  <a:txBody>
+                    <a:bodyPr/>
+                    <a:lstStyle/>
+                    <a:p>
+                      <a:endParaRPr lang="vi-VN"/>
+                    </a:p>
+                  </a:txBody>
+                  <a:tcPr anchor="ctr">
+                    <a:lnL w="12700" cap="flat" cmpd="sng" algn="ctr">
+                      <a:solidFill>
+                        <a:schemeClr val="tx1"/>
+                      </a:solidFill>
+                      <a:prstDash val="solid"/>
+                      <a:round/>
+                      <a:headEnd type="none" w="med" len="med"/>
+                      <a:tailEnd type="none" w="med" len="med"/>
+                    </a:lnL>
+                    <a:lnR w="12700" cap="flat" cmpd="sng" algn="ctr">
+                      <a:solidFill>
+                        <a:schemeClr val="tx1"/>
+                      </a:solidFill>
+                      <a:prstDash val="solid"/>
+                      <a:round/>
+                      <a:headEnd type="none" w="med" len="med"/>
+                      <a:tailEnd type="none" w="med" len="med"/>
+                    </a:lnR>
+                    <a:lnT w="12700" cap="flat" cmpd="sng" algn="ctr">
+                      <a:solidFill>
+                        <a:schemeClr val="tx1"/>
+                      </a:solidFill>
+                      <a:prstDash val="solid"/>
+                      <a:round/>
+                      <a:headEnd type="none" w="med" len="med"/>
+                      <a:tailEnd type="none" w="med" len="med"/>
+                    </a:lnT>
+                    <a:lnB w="12700" cap="flat" cmpd="sng" algn="ctr">
+                      <a:solidFill>
+                        <a:schemeClr val="tx1"/>
+                      </a:solidFill>
+                      <a:prstDash val="solid"/>
+                      <a:round/>
+                      <a:headEnd type="none" w="med" len="med"/>
+                      <a:tailEnd type="none" w="med" len="med"/>
+                    </a:lnB>
+                    <a:solidFill>
+                      <a:schemeClr val="bg1"/>
+                    </a:solidFill>
+                  </a:tcPr>
+                </a:tc>
+                <a:tc>
+                  <a:txBody>
+                    <a:bodyPr/>
+                    <a:lstStyle/>
+                    <a:p>
+                      <a:endParaRPr lang="vi-VN"/>
+                    </a:p>
+                  </a:txBody>
+                  <a:tcPr anchor="ctr">
+                    <a:lnL w="12700" cap="flat" cmpd="sng" algn="ctr">
+                      <a:solidFill>
+                        <a:schemeClr val="tx1"/>
+                      </a:solidFill>
+                      <a:prstDash val="solid"/>
+                      <a:round/>
+                      <a:headEnd type="none" w="med" len="med"/>
+                      <a:tailEnd type="none" w="med" len="med"/>
+                    </a:lnL>
+                    <a:lnR w="12700" cap="flat" cmpd="sng" algn="ctr">
+                      <a:solidFill>
+                        <a:schemeClr val="tx1"/>
+                      </a:solidFill>
+                      <a:prstDash val="solid"/>
+                      <a:round/>
+                      <a:headEnd type="none" w="med" len="med"/>
+                      <a:tailEnd type="none" w="med" len="med"/>
+                    </a:lnR>
+                    <a:lnT w="12700" cap="flat" cmpd="sng" algn="ctr">
+                      <a:solidFill>
+                        <a:schemeClr val="tx1"/>
+                      </a:solidFill>
+                      <a:prstDash val="solid"/>
+                      <a:round/>
+                      <a:headEnd type="none" w="med" len="med"/>
+                      <a:tailEnd type="none" w="med" len="med"/>
+                    </a:lnT>
+                    <a:lnB w="12700" cap="flat" cmpd="sng" algn="ctr">
+                      <a:solidFill>
+                        <a:schemeClr val="tx1"/>
+                      </a:solidFill>
+                      <a:prstDash val="solid"/>
+                      <a:round/>
+                      <a:headEnd type="none" w="med" len="med"/>
+                      <a:tailEnd type="none" w="med" len="med"/>
+                    </a:lnB>
+                    <a:solidFill>
+                      <a:schemeClr val="bg1"/>
+                    </a:solidFill>
+                  </a:tcPr>
+                </a:tc>
+                <a:tc>
+                  <a:txBody>
+                    <a:bodyPr/>
+                    <a:lstStyle/>
+                    <a:p>
+                      <a:endParaRPr lang="vi-VN"/>
+                    </a:p>
+                  </a:txBody>
+                  <a:tcPr anchor="ctr">
+                    <a:lnL w="12700" cap="flat" cmpd="sng" algn="ctr">
+                      <a:solidFill>
+                        <a:schemeClr val="tx1"/>
+                      </a:solidFill>
+                      <a:prstDash val="solid"/>
+                      <a:round/>
+                      <a:headEnd type="none" w="med" len="med"/>
+                      <a:tailEnd type="none" w="med" len="med"/>
+                    </a:lnL>
+                    <a:lnR w="12700" cap="flat" cmpd="sng" algn="ctr">
+                      <a:solidFill>
+                        <a:schemeClr val="tx1"/>
+                      </a:solidFill>
+                      <a:prstDash val="solid"/>
+                      <a:round/>
+                      <a:headEnd type="none" w="med" len="med"/>
+                      <a:tailEnd type="none" w="med" len="med"/>
+                    </a:lnR>
+                    <a:lnT w="12700" cap="flat" cmpd="sng" algn="ctr">
+                      <a:solidFill>
+                        <a:schemeClr val="tx1"/>
+                      </a:solidFill>
+                      <a:prstDash val="solid"/>
+                      <a:round/>
+                      <a:headEnd type="none" w="med" len="med"/>
+                      <a:tailEnd type="none" w="med" len="med"/>
+                    </a:lnT>
+                    <a:lnB w="12700" cap="flat" cmpd="sng" algn="ctr">
+                      <a:solidFill>
+                        <a:schemeClr val="tx1"/>
+                      </a:solidFill>
+                      <a:prstDash val="solid"/>
+                      <a:round/>
+                      <a:headEnd type="none" w="med" len="med"/>
+                      <a:tailEnd type="none" w="med" len="med"/>
+                    </a:lnB>
+                    <a:solidFill>
+                      <a:schemeClr val="bg1"/>
+                    </a:solidFill>
+                  </a:tcPr>
+                </a:tc>
+                <a:tc>
+                  <a:txBody>
+                    <a:bodyPr/>
+                    <a:lstStyle/>
+                    <a:p>
+                      <a:endParaRPr lang="vi-VN"/>
+                    </a:p>
+                  </a:txBody>
+                  <a:tcPr anchor="ctr">
+                    <a:lnL w="12700" cap="flat" cmpd="sng" algn="ctr">
+                      <a:solidFill>
+                        <a:schemeClr val="tx1"/>
+                      </a:solidFill>
+                      <a:prstDash val="solid"/>
+                      <a:round/>
+                      <a:headEnd type="none" w="med" len="med"/>
+                      <a:tailEnd type="none" w="med" len="med"/>
+                    </a:lnL>
+                    <a:lnR w="12700" cap="flat" cmpd="sng" algn="ctr">
+                      <a:solidFill>
+                        <a:schemeClr val="tx1"/>
+                      </a:solidFill>
+                      <a:prstDash val="solid"/>
+                      <a:round/>
+                      <a:headEnd type="none" w="med" len="med"/>
+                      <a:tailEnd type="none" w="med" len="med"/>
+                    </a:lnR>
+                    <a:lnT w="12700" cap="flat" cmpd="sng" algn="ctr">
+                      <a:solidFill>
+                        <a:schemeClr val="tx1"/>
+                      </a:solidFill>
+                      <a:prstDash val="solid"/>
+                      <a:round/>
+                      <a:headEnd type="none" w="med" len="med"/>
+                      <a:tailEnd type="none" w="med" len="med"/>
+                    </a:lnT>
+                    <a:lnB w="12700" cap="flat" cmpd="sng" algn="ctr">
+                      <a:solidFill>
+                        <a:schemeClr val="tx1"/>
+                      </a:solidFill>
+                      <a:prstDash val="solid"/>
+                      <a:round/>
+                      <a:headEnd type="none" w="med" len="med"/>
+                      <a:tailEnd type="none" w="med" len="med"/>
+                    </a:lnB>
+                    <a:solidFill>
+                      <a:schemeClr val="bg1"/>
+                    </a:solidFill>
+                  </a:tcPr>
+                </a:tc>
+                <a:tc>
+                  <a:txBody>
+                    <a:bodyPr/>
+                    <a:lstStyle/>
+                    <a:p>
+                      <a:endParaRPr lang="vi-VN"/>
+                    </a:p>
+                  </a:txBody>
+                  <a:tcPr anchor="ctr">
+                    <a:lnL w="12700" cap="flat" cmpd="sng" algn="ctr">
+                      <a:solidFill>
+                        <a:schemeClr val="tx1"/>
+                      </a:solidFill>
+                      <a:prstDash val="solid"/>
+                      <a:round/>
+                      <a:headEnd type="none" w="med" len="med"/>
+                      <a:tailEnd type="none" w="med" len="med"/>
+                    </a:lnL>
+                    <a:lnR w="12700" cap="flat" cmpd="sng" algn="ctr">
+                      <a:solidFill>
+                        <a:schemeClr val="tx1"/>
+                      </a:solidFill>
+                      <a:prstDash val="solid"/>
+                      <a:round/>
+                      <a:headEnd type="none" w="med" len="med"/>
+                      <a:tailEnd type="none" w="med" len="med"/>
+                    </a:lnR>
+                    <a:lnT w="12700" cap="flat" cmpd="sng" algn="ctr">
+                      <a:solidFill>
+                        <a:schemeClr val="tx1"/>
+                      </a:solidFill>
+                      <a:prstDash val="solid"/>
+                      <a:round/>
+                      <a:headEnd type="none" w="med" len="med"/>
+                      <a:tailEnd type="none" w="med" len="med"/>
+                    </a:lnT>
+                    <a:lnB w="12700" cap="flat" cmpd="sng" algn="ctr">
+                      <a:solidFill>
+                        <a:schemeClr val="tx1"/>
+                      </a:solidFill>
+                      <a:prstDash val="solid"/>
+                      <a:round/>
+                      <a:headEnd type="none" w="med" len="med"/>
+                      <a:tailEnd type="none" w="med" len="med"/>
+                    </a:lnB>
+                    <a:solidFill>
+                      <a:schemeClr val="bg1"/>
+                    </a:solidFill>
+                  </a:tcPr>
+                </a:tc>
+                <a:tc>
+                  <a:txBody>
+                    <a:bodyPr/>
+                    <a:lstStyle/>
+                    <a:p>
+                      <a:endParaRPr lang="vi-VN"/>
+                    </a:p>
+                  </a:txBody>
+                  <a:tcPr anchor="ctr">
+                    <a:lnL w="12700" cap="flat" cmpd="sng" algn="ctr">
+                      <a:solidFill>
+                        <a:schemeClr val="tx1"/>
+                      </a:solidFill>
+                      <a:prstDash val="solid"/>
+                      <a:round/>
+                      <a:headEnd type="none" w="med" len="med"/>
+                      <a:tailEnd type="none" w="med" len="med"/>
+                    </a:lnL>
+                    <a:lnR w="12700" cap="flat" cmpd="sng" algn="ctr">
+                      <a:solidFill>
+                        <a:schemeClr val="tx1"/>
+                      </a:solidFill>
+                      <a:prstDash val="solid"/>
+                      <a:round/>
+                      <a:headEnd type="none" w="med" len="med"/>
+                      <a:tailEnd type="none" w="med" len="med"/>
+                    </a:lnR>
+                    <a:lnT w="12700" cap="flat" cmpd="sng" algn="ctr">
+                      <a:solidFill>
+                        <a:schemeClr val="tx1"/>
+                      </a:solidFill>
+                      <a:prstDash val="solid"/>
+                      <a:round/>
+                      <a:headEnd type="none" w="med" len="med"/>
+                      <a:tailEnd type="none" w="med" len="med"/>
+                    </a:lnT>
+                    <a:lnB w="12700" cap="flat" cmpd="sng" algn="ctr">
+                      <a:solidFill>
+                        <a:schemeClr val="tx1"/>
+                      </a:solidFill>
+                      <a:prstDash val="solid"/>
+                      <a:round/>
+                      <a:headEnd type="none" w="med" len="med"/>
+                      <a:tailEnd type="none" w="med" len="med"/>
+                    </a:lnB>
+                    <a:solidFill>
+                      <a:schemeClr val="bg1"/>
+                    </a:solidFill>
+                  </a:tcPr>
+                </a:tc>
+                <a:tc>
+                  <a:txBody>
+                    <a:bodyPr/>
+                    <a:lstStyle/>
+                    <a:p>
+                      <a:endParaRPr lang="vi-VN"/>
+                    </a:p>
+                  </a:txBody>
+                  <a:tcPr anchor="ctr">
+                    <a:lnL w="12700" cap="flat" cmpd="sng" algn="ctr">
+                      <a:solidFill>
+                        <a:schemeClr val="tx1"/>
+                      </a:solidFill>
+                      <a:prstDash val="solid"/>
+                      <a:round/>
+                      <a:headEnd type="none" w="med" len="med"/>
+                      <a:tailEnd type="none" w="med" len="med"/>
+                    </a:lnL>
+                    <a:lnR w="12700" cap="flat" cmpd="sng" algn="ctr">
+                      <a:solidFill>
+                        <a:schemeClr val="tx1"/>
+                      </a:solidFill>
+                      <a:prstDash val="solid"/>
+                      <a:round/>
+                      <a:headEnd type="none" w="med" len="med"/>
+                      <a:tailEnd type="none" w="med" len="med"/>
+                    </a:lnR>
+                    <a:lnT w="12700" cap="flat" cmpd="sng" algn="ctr">
+                      <a:solidFill>
+                        <a:schemeClr val="tx1"/>
+                      </a:solidFill>
+                      <a:prstDash val="solid"/>
+                      <a:round/>
+                      <a:headEnd type="none" w="med" len="med"/>
+                      <a:tailEnd type="none" w="med" len="med"/>
+                    </a:lnT>
+                    <a:lnB w="12700" cap="flat" cmpd="sng" algn="ctr">
+                      <a:solidFill>
+                        <a:schemeClr val="tx1"/>
+                      </a:solidFill>
+                      <a:prstDash val="solid"/>
+                      <a:round/>
+                      <a:headEnd type="none" w="med" len="med"/>
+                      <a:tailEnd type="none" w="med" len="med"/>
+                    </a:lnB>
+                    <a:solidFill>
+                      <a:schemeClr val="bg1"/>
+                    </a:solidFill>
+                  </a:tcPr>
+                </a:tc>
+                <a:tc>
+                  <a:txBody>
+                    <a:bodyPr/>
+                    <a:lstStyle/>
+                    <a:p>
+                      <a:endParaRPr lang="vi-VN" dirty="0"/>
+                    </a:p>
+                  </a:txBody>
+                  <a:tcPr anchor="ctr">
+                    <a:lnL w="12700" cap="flat" cmpd="sng" algn="ctr">
+                      <a:solidFill>
+                        <a:schemeClr val="tx1"/>
+                      </a:solidFill>
+                      <a:prstDash val="solid"/>
+                      <a:round/>
+                      <a:headEnd type="none" w="med" len="med"/>
+                      <a:tailEnd type="none" w="med" len="med"/>
+                    </a:lnL>
+                    <a:lnR w="12700" cap="flat" cmpd="sng" algn="ctr">
+                      <a:solidFill>
+                        <a:schemeClr val="tx1"/>
+                      </a:solidFill>
+                      <a:prstDash val="solid"/>
+                      <a:round/>
+                      <a:headEnd type="none" w="med" len="med"/>
+                      <a:tailEnd type="none" w="med" len="med"/>
+                    </a:lnR>
+                    <a:lnT w="12700" cap="flat" cmpd="sng" algn="ctr">
+                      <a:solidFill>
+                        <a:schemeClr val="tx1"/>
+                      </a:solidFill>
+                      <a:prstDash val="solid"/>
+                      <a:round/>
+                      <a:headEnd type="none" w="med" len="med"/>
+                      <a:tailEnd type="none" w="med" len="med"/>
+                    </a:lnT>
+                    <a:lnB w="12700" cap="flat" cmpd="sng" algn="ctr">
+                      <a:solidFill>
+                        <a:schemeClr val="tx1"/>
+                      </a:solidFill>
+                      <a:prstDash val="solid"/>
+                      <a:round/>
+                      <a:headEnd type="none" w="med" len="med"/>
+                      <a:tailEnd type="none" w="med" len="med"/>
+                    </a:lnB>
+                    <a:solidFill>
+                      <a:schemeClr val="bg1"/>
+                    </a:solidFill>
+                  </a:tcPr>
+                </a:tc>
+                <a:extLst>
+                  <a:ext uri="{0D108BD9-81ED-4DB2-BD59-A6C34878D82A}">
+                    <a16:rowId xmlns:a16="http://schemas.microsoft.com/office/drawing/2014/main" val="1173864760"/>
+                  </a:ext>
+                </a:extLst>
+              </a:tr>
+            </a:tbl>
+          </a:graphicData>
+        </a:graphic>
+      </p:graphicFrame>
     </p:spTree>
     <p:extLst>
       <p:ext uri="{BB962C8B-B14F-4D97-AF65-F5344CB8AC3E}">
